--- a/presentacion/MetnumBall.pptx
+++ b/presentacion/MetnumBall.pptx
@@ -15,6 +15,7 @@
     <p:sldId id="262" r:id="rId9"/>
     <p:sldId id="264" r:id="rId10"/>
     <p:sldId id="265" r:id="rId11"/>
+    <p:sldId id="266" r:id="rId12"/>
   </p:sldIdLst>
   <p:sldSz cx="12192000" cy="6858000"/>
   <p:notesSz cx="6858000" cy="9144000"/>
@@ -113,6 +114,11 @@
       </a:defRPr>
     </a:lvl9pPr>
   </p:defaultTextStyle>
+  <p:extLst>
+    <p:ext uri="{EFAFB233-063F-42B5-8137-9DF3F51BA10A}">
+      <p15:sldGuideLst xmlns:p15="http://schemas.microsoft.com/office/powerpoint/2012/main"/>
+    </p:ext>
+  </p:extLst>
 </p:presentation>
 </file>
 
@@ -3103,7 +3109,12 @@
             <p:ph type="title"/>
           </p:nvPr>
         </p:nvSpPr>
-        <p:spPr/>
+        <p:spPr>
+          <a:xfrm>
+            <a:off x="838200" y="365125"/>
+            <a:ext cx="10515600" cy="1325563"/>
+          </a:xfrm>
+        </p:spPr>
         <p:txBody>
           <a:bodyPr/>
           <a:lstStyle/>
@@ -3126,36 +3137,19 @@
             <p:ph idx="1"/>
           </p:nvPr>
         </p:nvSpPr>
-        <p:spPr/>
-        <p:txBody>
-          <a:bodyPr/>
-          <a:lstStyle/>
-          <a:p>
-            <a:r>
-              <a:rPr lang="es-AR" dirty="0"/>
-              <a:t>Insertar Gráfico de resultado de una temporada.</a:t>
-            </a:r>
-          </a:p>
-          <a:p>
-            <a:r>
-              <a:rPr lang="es-AR" dirty="0"/>
-              <a:t>Insertar </a:t>
-            </a:r>
-            <a:r>
-              <a:rPr lang="es-AR" dirty="0" err="1"/>
-              <a:t>Four</a:t>
-            </a:r>
-            <a:r>
-              <a:rPr lang="es-AR" dirty="0"/>
-              <a:t> </a:t>
-            </a:r>
-            <a:r>
-              <a:rPr lang="es-AR" dirty="0" err="1"/>
-              <a:t>Factors</a:t>
-            </a:r>
-            <a:r>
-              <a:rPr lang="es-AR" dirty="0"/>
-              <a:t> y PER</a:t>
+        <p:spPr>
+          <a:xfrm>
+            <a:off x="838200" y="1825625"/>
+            <a:ext cx="10515600" cy="4351338"/>
+          </a:xfrm>
+        </p:spPr>
+        <p:txBody>
+          <a:bodyPr/>
+          <a:lstStyle/>
+          <a:p>
+            <a:r>
+              <a:rPr lang="es-AR" dirty="0"/>
+              <a:t>Resultado de la aproximación de una temporada:</a:t>
             </a:r>
           </a:p>
           <a:p>
@@ -3163,10 +3157,170 @@
           </a:p>
         </p:txBody>
       </p:sp>
+      <p:pic>
+        <p:nvPicPr>
+          <p:cNvPr id="4" name="Imagen 3"/>
+          <p:cNvPicPr>
+            <a:picLocks noChangeAspect="1"/>
+          </p:cNvPicPr>
+          <p:nvPr/>
+        </p:nvPicPr>
+        <p:blipFill>
+          <a:blip r:embed="rId2">
+            <a:extLst>
+              <a:ext uri="{28A0092B-C50C-407E-A947-70E740481C1C}">
+                <a14:useLocalDpi xmlns:a14="http://schemas.microsoft.com/office/drawing/2010/main" val="0"/>
+              </a:ext>
+            </a:extLst>
+          </a:blip>
+          <a:stretch>
+            <a:fillRect/>
+          </a:stretch>
+        </p:blipFill>
+        <p:spPr>
+          <a:xfrm>
+            <a:off x="1718348" y="2287945"/>
+            <a:ext cx="9244105" cy="4570055"/>
+          </a:xfrm>
+          <a:prstGeom prst="rect">
+            <a:avLst/>
+          </a:prstGeom>
+        </p:spPr>
+      </p:pic>
     </p:spTree>
     <p:extLst>
       <p:ext uri="{BB962C8B-B14F-4D97-AF65-F5344CB8AC3E}">
         <p14:creationId xmlns:p14="http://schemas.microsoft.com/office/powerpoint/2010/main" val="1501812678"/>
+      </p:ext>
+    </p:extLst>
+  </p:cSld>
+  <p:clrMapOvr>
+    <a:masterClrMapping/>
+  </p:clrMapOvr>
+</p:sld>
+</file>
+
+<file path=ppt/slides/slide11.xml><?xml version="1.0" encoding="utf-8"?>
+<p:sld xmlns:a="http://schemas.openxmlformats.org/drawingml/2006/main" xmlns:r="http://schemas.openxmlformats.org/officeDocument/2006/relationships" xmlns:p="http://schemas.openxmlformats.org/presentationml/2006/main">
+  <p:cSld>
+    <p:spTree>
+      <p:nvGrpSpPr>
+        <p:cNvPr id="1" name=""/>
+        <p:cNvGrpSpPr/>
+        <p:nvPr/>
+      </p:nvGrpSpPr>
+      <p:grpSpPr>
+        <a:xfrm>
+          <a:off x="0" y="0"/>
+          <a:ext cx="0" cy="0"/>
+          <a:chOff x="0" y="0"/>
+          <a:chExt cx="0" cy="0"/>
+        </a:xfrm>
+      </p:grpSpPr>
+      <p:sp>
+        <p:nvSpPr>
+          <p:cNvPr id="2" name="Título 1"/>
+          <p:cNvSpPr>
+            <a:spLocks noGrp="1"/>
+          </p:cNvSpPr>
+          <p:nvPr>
+            <p:ph type="title"/>
+          </p:nvPr>
+        </p:nvSpPr>
+        <p:spPr>
+          <a:xfrm>
+            <a:off x="838200" y="365125"/>
+            <a:ext cx="10515600" cy="1325563"/>
+          </a:xfrm>
+        </p:spPr>
+        <p:txBody>
+          <a:bodyPr/>
+          <a:lstStyle/>
+          <a:p>
+            <a:r>
+              <a:rPr lang="es-AR" dirty="0"/>
+              <a:t>Comparativa </a:t>
+            </a:r>
+            <a:r>
+              <a:rPr lang="es-AR"/>
+              <a:t>con Four Factors</a:t>
+            </a:r>
+            <a:r>
+              <a:rPr lang="es-AR"/>
+              <a:t> </a:t>
+            </a:r>
+            <a:r>
+              <a:rPr lang="es-AR"/>
+              <a:t>y PER</a:t>
+            </a:r>
+            <a:endParaRPr lang="en-US" dirty="0"/>
+          </a:p>
+        </p:txBody>
+      </p:sp>
+      <p:pic>
+        <p:nvPicPr>
+          <p:cNvPr id="4" name="Imagen 3"/>
+          <p:cNvPicPr>
+            <a:picLocks noChangeAspect="1"/>
+          </p:cNvPicPr>
+          <p:nvPr/>
+        </p:nvPicPr>
+        <p:blipFill>
+          <a:blip r:embed="rId2">
+            <a:extLst>
+              <a:ext uri="{28A0092B-C50C-407E-A947-70E740481C1C}">
+                <a14:useLocalDpi xmlns:a14="http://schemas.microsoft.com/office/drawing/2010/main" val="0"/>
+              </a:ext>
+            </a:extLst>
+          </a:blip>
+          <a:stretch>
+            <a:fillRect/>
+          </a:stretch>
+        </p:blipFill>
+        <p:spPr>
+          <a:xfrm>
+            <a:off x="0" y="1918446"/>
+            <a:ext cx="6257365" cy="4524263"/>
+          </a:xfrm>
+          <a:prstGeom prst="rect">
+            <a:avLst/>
+          </a:prstGeom>
+        </p:spPr>
+      </p:pic>
+      <p:pic>
+        <p:nvPicPr>
+          <p:cNvPr id="5" name="Imagen 4"/>
+          <p:cNvPicPr>
+            <a:picLocks noChangeAspect="1"/>
+          </p:cNvPicPr>
+          <p:nvPr/>
+        </p:nvPicPr>
+        <p:blipFill>
+          <a:blip r:embed="rId3">
+            <a:extLst>
+              <a:ext uri="{28A0092B-C50C-407E-A947-70E740481C1C}">
+                <a14:useLocalDpi xmlns:a14="http://schemas.microsoft.com/office/drawing/2010/main" val="0"/>
+              </a:ext>
+            </a:extLst>
+          </a:blip>
+          <a:stretch>
+            <a:fillRect/>
+          </a:stretch>
+        </p:blipFill>
+        <p:spPr>
+          <a:xfrm>
+            <a:off x="5671670" y="1918446"/>
+            <a:ext cx="6520330" cy="4524264"/>
+          </a:xfrm>
+          <a:prstGeom prst="rect">
+            <a:avLst/>
+          </a:prstGeom>
+        </p:spPr>
+      </p:pic>
+    </p:spTree>
+    <p:extLst>
+      <p:ext uri="{BB962C8B-B14F-4D97-AF65-F5344CB8AC3E}">
+        <p14:creationId xmlns:p14="http://schemas.microsoft.com/office/powerpoint/2010/main" val="4081610810"/>
       </p:ext>
     </p:extLst>
   </p:cSld>

--- a/presentacion/MetnumBall.pptx
+++ b/presentacion/MetnumBall.pptx
@@ -16,6 +16,7 @@
     <p:sldId id="263" r:id="rId11"/>
     <p:sldId id="264" r:id="rId12"/>
     <p:sldId id="265" r:id="rId13"/>
+    <p:sldId id="266" r:id="rId14"/>
   </p:sldIdLst>
   <p:sldSz cx="12192000" cy="6858000"/>
   <p:notesSz cx="7559675" cy="10691812"/>
@@ -63,7 +64,7 @@
       </p:grpSpPr>
       <p:sp>
         <p:nvSpPr>
-          <p:cNvPr id="26" name="PlaceHolder 1"/>
+          <p:cNvPr id="23" name="PlaceHolder 1"/>
           <p:cNvSpPr>
             <a:spLocks noGrp="1"/>
           </p:cNvSpPr>
@@ -73,8 +74,8 @@
         </p:nvSpPr>
         <p:spPr>
           <a:xfrm>
-            <a:off x="838080" y="365040"/>
-            <a:ext cx="10515240" cy="1325160"/>
+            <a:off x="609480" y="273600"/>
+            <a:ext cx="10972440" cy="1144800"/>
           </a:xfrm>
           <a:prstGeom prst="rect">
             <a:avLst/>
@@ -83,23 +84,24 @@
         <p:txBody>
           <a:bodyPr lIns="0" rIns="0" tIns="0" bIns="0" anchor="ctr"/>
           <a:p>
-            <a:endParaRPr b="0" lang="en-US" sz="1800" spc="-1" strike="noStrike">
-              <a:solidFill>
-                <a:srgbClr val="000000"/>
-              </a:solidFill>
-              <a:uFill>
-                <a:solidFill>
-                  <a:srgbClr val="ffffff"/>
-                </a:solidFill>
-              </a:uFill>
-              <a:latin typeface="Calibri"/>
-            </a:endParaRPr>
-          </a:p>
-        </p:txBody>
-      </p:sp>
-      <p:sp>
-        <p:nvSpPr>
-          <p:cNvPr id="27" name="PlaceHolder 2"/>
+            <a:pPr algn="ctr"/>
+            <a:endParaRPr b="0" lang="en-US" sz="4400" spc="-1" strike="noStrike">
+              <a:solidFill>
+                <a:srgbClr val="000000"/>
+              </a:solidFill>
+              <a:uFill>
+                <a:solidFill>
+                  <a:srgbClr val="ffffff"/>
+                </a:solidFill>
+              </a:uFill>
+              <a:latin typeface="Arial"/>
+            </a:endParaRPr>
+          </a:p>
+        </p:txBody>
+      </p:sp>
+      <p:sp>
+        <p:nvSpPr>
+          <p:cNvPr id="24" name="PlaceHolder 2"/>
           <p:cNvSpPr>
             <a:spLocks noGrp="1"/>
           </p:cNvSpPr>
@@ -109,8 +111,8 @@
         </p:nvSpPr>
         <p:spPr>
           <a:xfrm>
-            <a:off x="838080" y="1825560"/>
-            <a:ext cx="10515240" cy="2075040"/>
+            <a:off x="609480" y="1604520"/>
+            <a:ext cx="10972440" cy="1896840"/>
           </a:xfrm>
           <a:prstGeom prst="rect">
             <a:avLst/>
@@ -119,23 +121,23 @@
         <p:txBody>
           <a:bodyPr lIns="0" rIns="0" tIns="0" bIns="0"/>
           <a:p>
-            <a:endParaRPr b="0" lang="en-US" sz="2800" spc="-1" strike="noStrike">
-              <a:solidFill>
-                <a:srgbClr val="000000"/>
-              </a:solidFill>
-              <a:uFill>
-                <a:solidFill>
-                  <a:srgbClr val="ffffff"/>
-                </a:solidFill>
-              </a:uFill>
-              <a:latin typeface="Calibri"/>
-            </a:endParaRPr>
-          </a:p>
-        </p:txBody>
-      </p:sp>
-      <p:sp>
-        <p:nvSpPr>
-          <p:cNvPr id="28" name="PlaceHolder 3"/>
+            <a:endParaRPr b="0" lang="en-US" sz="3200" spc="-1" strike="noStrike">
+              <a:solidFill>
+                <a:srgbClr val="000000"/>
+              </a:solidFill>
+              <a:uFill>
+                <a:solidFill>
+                  <a:srgbClr val="ffffff"/>
+                </a:solidFill>
+              </a:uFill>
+              <a:latin typeface="Arial"/>
+            </a:endParaRPr>
+          </a:p>
+        </p:txBody>
+      </p:sp>
+      <p:sp>
+        <p:nvSpPr>
+          <p:cNvPr id="25" name="PlaceHolder 3"/>
           <p:cNvSpPr>
             <a:spLocks noGrp="1"/>
           </p:cNvSpPr>
@@ -145,8 +147,8 @@
         </p:nvSpPr>
         <p:spPr>
           <a:xfrm>
-            <a:off x="838080" y="4098240"/>
-            <a:ext cx="10515240" cy="2075040"/>
+            <a:off x="609480" y="3682080"/>
+            <a:ext cx="10972440" cy="1896840"/>
           </a:xfrm>
           <a:prstGeom prst="rect">
             <a:avLst/>
@@ -155,16 +157,16 @@
         <p:txBody>
           <a:bodyPr lIns="0" rIns="0" tIns="0" bIns="0"/>
           <a:p>
-            <a:endParaRPr b="0" lang="en-US" sz="2800" spc="-1" strike="noStrike">
-              <a:solidFill>
-                <a:srgbClr val="000000"/>
-              </a:solidFill>
-              <a:uFill>
-                <a:solidFill>
-                  <a:srgbClr val="ffffff"/>
-                </a:solidFill>
-              </a:uFill>
-              <a:latin typeface="Calibri"/>
+            <a:endParaRPr b="0" lang="en-US" sz="3200" spc="-1" strike="noStrike">
+              <a:solidFill>
+                <a:srgbClr val="000000"/>
+              </a:solidFill>
+              <a:uFill>
+                <a:solidFill>
+                  <a:srgbClr val="ffffff"/>
+                </a:solidFill>
+              </a:uFill>
+              <a:latin typeface="Arial"/>
             </a:endParaRPr>
           </a:p>
         </p:txBody>
@@ -193,7 +195,7 @@
       </p:grpSpPr>
       <p:sp>
         <p:nvSpPr>
-          <p:cNvPr id="29" name="PlaceHolder 1"/>
+          <p:cNvPr id="26" name="PlaceHolder 1"/>
           <p:cNvSpPr>
             <a:spLocks noGrp="1"/>
           </p:cNvSpPr>
@@ -203,8 +205,8 @@
         </p:nvSpPr>
         <p:spPr>
           <a:xfrm>
-            <a:off x="838080" y="365040"/>
-            <a:ext cx="10515240" cy="1325160"/>
+            <a:off x="609480" y="273600"/>
+            <a:ext cx="10972440" cy="1144800"/>
           </a:xfrm>
           <a:prstGeom prst="rect">
             <a:avLst/>
@@ -213,23 +215,24 @@
         <p:txBody>
           <a:bodyPr lIns="0" rIns="0" tIns="0" bIns="0" anchor="ctr"/>
           <a:p>
-            <a:endParaRPr b="0" lang="en-US" sz="1800" spc="-1" strike="noStrike">
-              <a:solidFill>
-                <a:srgbClr val="000000"/>
-              </a:solidFill>
-              <a:uFill>
-                <a:solidFill>
-                  <a:srgbClr val="ffffff"/>
-                </a:solidFill>
-              </a:uFill>
-              <a:latin typeface="Calibri"/>
-            </a:endParaRPr>
-          </a:p>
-        </p:txBody>
-      </p:sp>
-      <p:sp>
-        <p:nvSpPr>
-          <p:cNvPr id="30" name="PlaceHolder 2"/>
+            <a:pPr algn="ctr"/>
+            <a:endParaRPr b="0" lang="en-US" sz="4400" spc="-1" strike="noStrike">
+              <a:solidFill>
+                <a:srgbClr val="000000"/>
+              </a:solidFill>
+              <a:uFill>
+                <a:solidFill>
+                  <a:srgbClr val="ffffff"/>
+                </a:solidFill>
+              </a:uFill>
+              <a:latin typeface="Arial"/>
+            </a:endParaRPr>
+          </a:p>
+        </p:txBody>
+      </p:sp>
+      <p:sp>
+        <p:nvSpPr>
+          <p:cNvPr id="27" name="PlaceHolder 2"/>
           <p:cNvSpPr>
             <a:spLocks noGrp="1"/>
           </p:cNvSpPr>
@@ -239,8 +242,8 @@
         </p:nvSpPr>
         <p:spPr>
           <a:xfrm>
-            <a:off x="838080" y="1825560"/>
-            <a:ext cx="5131080" cy="2075040"/>
+            <a:off x="609480" y="1604520"/>
+            <a:ext cx="5354280" cy="1896840"/>
           </a:xfrm>
           <a:prstGeom prst="rect">
             <a:avLst/>
@@ -249,23 +252,23 @@
         <p:txBody>
           <a:bodyPr lIns="0" rIns="0" tIns="0" bIns="0"/>
           <a:p>
-            <a:endParaRPr b="0" lang="en-US" sz="2800" spc="-1" strike="noStrike">
-              <a:solidFill>
-                <a:srgbClr val="000000"/>
-              </a:solidFill>
-              <a:uFill>
-                <a:solidFill>
-                  <a:srgbClr val="ffffff"/>
-                </a:solidFill>
-              </a:uFill>
-              <a:latin typeface="Calibri"/>
-            </a:endParaRPr>
-          </a:p>
-        </p:txBody>
-      </p:sp>
-      <p:sp>
-        <p:nvSpPr>
-          <p:cNvPr id="31" name="PlaceHolder 3"/>
+            <a:endParaRPr b="0" lang="en-US" sz="3200" spc="-1" strike="noStrike">
+              <a:solidFill>
+                <a:srgbClr val="000000"/>
+              </a:solidFill>
+              <a:uFill>
+                <a:solidFill>
+                  <a:srgbClr val="ffffff"/>
+                </a:solidFill>
+              </a:uFill>
+              <a:latin typeface="Arial"/>
+            </a:endParaRPr>
+          </a:p>
+        </p:txBody>
+      </p:sp>
+      <p:sp>
+        <p:nvSpPr>
+          <p:cNvPr id="28" name="PlaceHolder 3"/>
           <p:cNvSpPr>
             <a:spLocks noGrp="1"/>
           </p:cNvSpPr>
@@ -275,8 +278,8 @@
         </p:nvSpPr>
         <p:spPr>
           <a:xfrm>
-            <a:off x="6226200" y="1825560"/>
-            <a:ext cx="5131080" cy="2075040"/>
+            <a:off x="6231960" y="1604520"/>
+            <a:ext cx="5354280" cy="1896840"/>
           </a:xfrm>
           <a:prstGeom prst="rect">
             <a:avLst/>
@@ -285,23 +288,23 @@
         <p:txBody>
           <a:bodyPr lIns="0" rIns="0" tIns="0" bIns="0"/>
           <a:p>
-            <a:endParaRPr b="0" lang="en-US" sz="2800" spc="-1" strike="noStrike">
-              <a:solidFill>
-                <a:srgbClr val="000000"/>
-              </a:solidFill>
-              <a:uFill>
-                <a:solidFill>
-                  <a:srgbClr val="ffffff"/>
-                </a:solidFill>
-              </a:uFill>
-              <a:latin typeface="Calibri"/>
-            </a:endParaRPr>
-          </a:p>
-        </p:txBody>
-      </p:sp>
-      <p:sp>
-        <p:nvSpPr>
-          <p:cNvPr id="32" name="PlaceHolder 4"/>
+            <a:endParaRPr b="0" lang="en-US" sz="3200" spc="-1" strike="noStrike">
+              <a:solidFill>
+                <a:srgbClr val="000000"/>
+              </a:solidFill>
+              <a:uFill>
+                <a:solidFill>
+                  <a:srgbClr val="ffffff"/>
+                </a:solidFill>
+              </a:uFill>
+              <a:latin typeface="Arial"/>
+            </a:endParaRPr>
+          </a:p>
+        </p:txBody>
+      </p:sp>
+      <p:sp>
+        <p:nvSpPr>
+          <p:cNvPr id="29" name="PlaceHolder 4"/>
           <p:cNvSpPr>
             <a:spLocks noGrp="1"/>
           </p:cNvSpPr>
@@ -311,8 +314,8 @@
         </p:nvSpPr>
         <p:spPr>
           <a:xfrm>
-            <a:off x="6226200" y="4098240"/>
-            <a:ext cx="5131080" cy="2075040"/>
+            <a:off x="6231960" y="3682080"/>
+            <a:ext cx="5354280" cy="1896840"/>
           </a:xfrm>
           <a:prstGeom prst="rect">
             <a:avLst/>
@@ -321,23 +324,23 @@
         <p:txBody>
           <a:bodyPr lIns="0" rIns="0" tIns="0" bIns="0"/>
           <a:p>
-            <a:endParaRPr b="0" lang="en-US" sz="2800" spc="-1" strike="noStrike">
-              <a:solidFill>
-                <a:srgbClr val="000000"/>
-              </a:solidFill>
-              <a:uFill>
-                <a:solidFill>
-                  <a:srgbClr val="ffffff"/>
-                </a:solidFill>
-              </a:uFill>
-              <a:latin typeface="Calibri"/>
-            </a:endParaRPr>
-          </a:p>
-        </p:txBody>
-      </p:sp>
-      <p:sp>
-        <p:nvSpPr>
-          <p:cNvPr id="33" name="PlaceHolder 5"/>
+            <a:endParaRPr b="0" lang="en-US" sz="3200" spc="-1" strike="noStrike">
+              <a:solidFill>
+                <a:srgbClr val="000000"/>
+              </a:solidFill>
+              <a:uFill>
+                <a:solidFill>
+                  <a:srgbClr val="ffffff"/>
+                </a:solidFill>
+              </a:uFill>
+              <a:latin typeface="Arial"/>
+            </a:endParaRPr>
+          </a:p>
+        </p:txBody>
+      </p:sp>
+      <p:sp>
+        <p:nvSpPr>
+          <p:cNvPr id="30" name="PlaceHolder 5"/>
           <p:cNvSpPr>
             <a:spLocks noGrp="1"/>
           </p:cNvSpPr>
@@ -347,8 +350,8 @@
         </p:nvSpPr>
         <p:spPr>
           <a:xfrm>
-            <a:off x="838080" y="4098240"/>
-            <a:ext cx="5131080" cy="2075040"/>
+            <a:off x="609480" y="3682080"/>
+            <a:ext cx="5354280" cy="1896840"/>
           </a:xfrm>
           <a:prstGeom prst="rect">
             <a:avLst/>
@@ -357,16 +360,16 @@
         <p:txBody>
           <a:bodyPr lIns="0" rIns="0" tIns="0" bIns="0"/>
           <a:p>
-            <a:endParaRPr b="0" lang="en-US" sz="2800" spc="-1" strike="noStrike">
-              <a:solidFill>
-                <a:srgbClr val="000000"/>
-              </a:solidFill>
-              <a:uFill>
-                <a:solidFill>
-                  <a:srgbClr val="ffffff"/>
-                </a:solidFill>
-              </a:uFill>
-              <a:latin typeface="Calibri"/>
+            <a:endParaRPr b="0" lang="en-US" sz="3200" spc="-1" strike="noStrike">
+              <a:solidFill>
+                <a:srgbClr val="000000"/>
+              </a:solidFill>
+              <a:uFill>
+                <a:solidFill>
+                  <a:srgbClr val="ffffff"/>
+                </a:solidFill>
+              </a:uFill>
+              <a:latin typeface="Arial"/>
             </a:endParaRPr>
           </a:p>
         </p:txBody>
@@ -395,7 +398,7 @@
       </p:grpSpPr>
       <p:sp>
         <p:nvSpPr>
-          <p:cNvPr id="34" name="PlaceHolder 1"/>
+          <p:cNvPr id="31" name="PlaceHolder 1"/>
           <p:cNvSpPr>
             <a:spLocks noGrp="1"/>
           </p:cNvSpPr>
@@ -405,8 +408,8 @@
         </p:nvSpPr>
         <p:spPr>
           <a:xfrm>
-            <a:off x="838080" y="365040"/>
-            <a:ext cx="10515240" cy="1325160"/>
+            <a:off x="609480" y="273600"/>
+            <a:ext cx="10972440" cy="1144800"/>
           </a:xfrm>
           <a:prstGeom prst="rect">
             <a:avLst/>
@@ -415,23 +418,24 @@
         <p:txBody>
           <a:bodyPr lIns="0" rIns="0" tIns="0" bIns="0" anchor="ctr"/>
           <a:p>
-            <a:endParaRPr b="0" lang="en-US" sz="1800" spc="-1" strike="noStrike">
-              <a:solidFill>
-                <a:srgbClr val="000000"/>
-              </a:solidFill>
-              <a:uFill>
-                <a:solidFill>
-                  <a:srgbClr val="ffffff"/>
-                </a:solidFill>
-              </a:uFill>
-              <a:latin typeface="Calibri"/>
-            </a:endParaRPr>
-          </a:p>
-        </p:txBody>
-      </p:sp>
-      <p:sp>
-        <p:nvSpPr>
-          <p:cNvPr id="35" name="PlaceHolder 2"/>
+            <a:pPr algn="ctr"/>
+            <a:endParaRPr b="0" lang="en-US" sz="4400" spc="-1" strike="noStrike">
+              <a:solidFill>
+                <a:srgbClr val="000000"/>
+              </a:solidFill>
+              <a:uFill>
+                <a:solidFill>
+                  <a:srgbClr val="ffffff"/>
+                </a:solidFill>
+              </a:uFill>
+              <a:latin typeface="Arial"/>
+            </a:endParaRPr>
+          </a:p>
+        </p:txBody>
+      </p:sp>
+      <p:sp>
+        <p:nvSpPr>
+          <p:cNvPr id="32" name="PlaceHolder 2"/>
           <p:cNvSpPr>
             <a:spLocks noGrp="1"/>
           </p:cNvSpPr>
@@ -441,8 +445,8 @@
         </p:nvSpPr>
         <p:spPr>
           <a:xfrm>
-            <a:off x="838080" y="1825560"/>
-            <a:ext cx="10515240" cy="4350960"/>
+            <a:off x="609480" y="1604520"/>
+            <a:ext cx="10972440" cy="3977280"/>
           </a:xfrm>
           <a:prstGeom prst="rect">
             <a:avLst/>
@@ -451,23 +455,23 @@
         <p:txBody>
           <a:bodyPr lIns="0" rIns="0" tIns="0" bIns="0"/>
           <a:p>
-            <a:endParaRPr b="0" lang="en-US" sz="2800" spc="-1" strike="noStrike">
-              <a:solidFill>
-                <a:srgbClr val="000000"/>
-              </a:solidFill>
-              <a:uFill>
-                <a:solidFill>
-                  <a:srgbClr val="ffffff"/>
-                </a:solidFill>
-              </a:uFill>
-              <a:latin typeface="Calibri"/>
-            </a:endParaRPr>
-          </a:p>
-        </p:txBody>
-      </p:sp>
-      <p:sp>
-        <p:nvSpPr>
-          <p:cNvPr id="36" name="PlaceHolder 3"/>
+            <a:endParaRPr b="0" lang="en-US" sz="3200" spc="-1" strike="noStrike">
+              <a:solidFill>
+                <a:srgbClr val="000000"/>
+              </a:solidFill>
+              <a:uFill>
+                <a:solidFill>
+                  <a:srgbClr val="ffffff"/>
+                </a:solidFill>
+              </a:uFill>
+              <a:latin typeface="Arial"/>
+            </a:endParaRPr>
+          </a:p>
+        </p:txBody>
+      </p:sp>
+      <p:sp>
+        <p:nvSpPr>
+          <p:cNvPr id="33" name="PlaceHolder 3"/>
           <p:cNvSpPr>
             <a:spLocks noGrp="1"/>
           </p:cNvSpPr>
@@ -477,8 +481,8 @@
         </p:nvSpPr>
         <p:spPr>
           <a:xfrm>
-            <a:off x="838080" y="1825560"/>
-            <a:ext cx="10515240" cy="4350960"/>
+            <a:off x="609480" y="1604520"/>
+            <a:ext cx="10972440" cy="3977280"/>
           </a:xfrm>
           <a:prstGeom prst="rect">
             <a:avLst/>
@@ -487,23 +491,23 @@
         <p:txBody>
           <a:bodyPr lIns="0" rIns="0" tIns="0" bIns="0"/>
           <a:p>
-            <a:endParaRPr b="0" lang="en-US" sz="2800" spc="-1" strike="noStrike">
-              <a:solidFill>
-                <a:srgbClr val="000000"/>
-              </a:solidFill>
-              <a:uFill>
-                <a:solidFill>
-                  <a:srgbClr val="ffffff"/>
-                </a:solidFill>
-              </a:uFill>
-              <a:latin typeface="Calibri"/>
+            <a:endParaRPr b="0" lang="en-US" sz="3200" spc="-1" strike="noStrike">
+              <a:solidFill>
+                <a:srgbClr val="000000"/>
+              </a:solidFill>
+              <a:uFill>
+                <a:solidFill>
+                  <a:srgbClr val="ffffff"/>
+                </a:solidFill>
+              </a:uFill>
+              <a:latin typeface="Arial"/>
             </a:endParaRPr>
           </a:p>
         </p:txBody>
       </p:sp>
       <p:pic>
         <p:nvPicPr>
-          <p:cNvPr id="37" name="" descr=""/>
+          <p:cNvPr id="34" name="" descr=""/>
           <p:cNvPicPr/>
           <p:nvPr/>
         </p:nvPicPr>
@@ -513,8 +517,8 @@
         </p:blipFill>
         <p:spPr>
           <a:xfrm>
-            <a:off x="3368880" y="1825560"/>
-            <a:ext cx="5452920" cy="4350960"/>
+            <a:off x="3602880" y="1604520"/>
+            <a:ext cx="4984920" cy="3977280"/>
           </a:xfrm>
           <a:prstGeom prst="rect">
             <a:avLst/>
@@ -526,7 +530,7 @@
       </p:pic>
       <p:pic>
         <p:nvPicPr>
-          <p:cNvPr id="38" name="" descr=""/>
+          <p:cNvPr id="35" name="" descr=""/>
           <p:cNvPicPr/>
           <p:nvPr/>
         </p:nvPicPr>
@@ -536,8 +540,8 @@
         </p:blipFill>
         <p:spPr>
           <a:xfrm>
-            <a:off x="3368880" y="1825560"/>
-            <a:ext cx="5452920" cy="4350960"/>
+            <a:off x="3602880" y="1604520"/>
+            <a:ext cx="4984920" cy="3977280"/>
           </a:xfrm>
           <a:prstGeom prst="rect">
             <a:avLst/>
@@ -593,7 +597,7 @@
       </p:grpSpPr>
       <p:sp>
         <p:nvSpPr>
-          <p:cNvPr id="44" name="PlaceHolder 1"/>
+          <p:cNvPr id="38" name="PlaceHolder 1"/>
           <p:cNvSpPr>
             <a:spLocks noGrp="1"/>
           </p:cNvSpPr>
@@ -603,8 +607,8 @@
         </p:nvSpPr>
         <p:spPr>
           <a:xfrm>
-            <a:off x="838080" y="365040"/>
-            <a:ext cx="10515240" cy="1325160"/>
+            <a:off x="609480" y="273600"/>
+            <a:ext cx="10972440" cy="1144800"/>
           </a:xfrm>
           <a:prstGeom prst="rect">
             <a:avLst/>
@@ -613,23 +617,24 @@
         <p:txBody>
           <a:bodyPr lIns="0" rIns="0" tIns="0" bIns="0" anchor="ctr"/>
           <a:p>
-            <a:endParaRPr b="0" lang="en-US" sz="1800" spc="-1" strike="noStrike">
-              <a:solidFill>
-                <a:srgbClr val="000000"/>
-              </a:solidFill>
-              <a:uFill>
-                <a:solidFill>
-                  <a:srgbClr val="ffffff"/>
-                </a:solidFill>
-              </a:uFill>
-              <a:latin typeface="Calibri"/>
-            </a:endParaRPr>
-          </a:p>
-        </p:txBody>
-      </p:sp>
-      <p:sp>
-        <p:nvSpPr>
-          <p:cNvPr id="45" name="PlaceHolder 2"/>
+            <a:pPr algn="ctr"/>
+            <a:endParaRPr b="0" lang="en-US" sz="4400" spc="-1" strike="noStrike">
+              <a:solidFill>
+                <a:srgbClr val="000000"/>
+              </a:solidFill>
+              <a:uFill>
+                <a:solidFill>
+                  <a:srgbClr val="ffffff"/>
+                </a:solidFill>
+              </a:uFill>
+              <a:latin typeface="Arial"/>
+            </a:endParaRPr>
+          </a:p>
+        </p:txBody>
+      </p:sp>
+      <p:sp>
+        <p:nvSpPr>
+          <p:cNvPr id="39" name="PlaceHolder 2"/>
           <p:cNvSpPr>
             <a:spLocks noGrp="1"/>
           </p:cNvSpPr>
@@ -639,8 +644,8 @@
         </p:nvSpPr>
         <p:spPr>
           <a:xfrm>
-            <a:off x="838080" y="1825560"/>
-            <a:ext cx="10515240" cy="4350960"/>
+            <a:off x="609480" y="1604520"/>
+            <a:ext cx="10972440" cy="3977280"/>
           </a:xfrm>
           <a:prstGeom prst="rect">
             <a:avLst/>
@@ -688,7 +693,7 @@
       </p:grpSpPr>
       <p:sp>
         <p:nvSpPr>
-          <p:cNvPr id="46" name="PlaceHolder 1"/>
+          <p:cNvPr id="40" name="PlaceHolder 1"/>
           <p:cNvSpPr>
             <a:spLocks noGrp="1"/>
           </p:cNvSpPr>
@@ -698,8 +703,8 @@
         </p:nvSpPr>
         <p:spPr>
           <a:xfrm>
-            <a:off x="838080" y="365040"/>
-            <a:ext cx="10515240" cy="1325160"/>
+            <a:off x="609480" y="273600"/>
+            <a:ext cx="10972440" cy="1144800"/>
           </a:xfrm>
           <a:prstGeom prst="rect">
             <a:avLst/>
@@ -708,23 +713,24 @@
         <p:txBody>
           <a:bodyPr lIns="0" rIns="0" tIns="0" bIns="0" anchor="ctr"/>
           <a:p>
-            <a:endParaRPr b="0" lang="en-US" sz="1800" spc="-1" strike="noStrike">
-              <a:solidFill>
-                <a:srgbClr val="000000"/>
-              </a:solidFill>
-              <a:uFill>
-                <a:solidFill>
-                  <a:srgbClr val="ffffff"/>
-                </a:solidFill>
-              </a:uFill>
-              <a:latin typeface="Calibri"/>
-            </a:endParaRPr>
-          </a:p>
-        </p:txBody>
-      </p:sp>
-      <p:sp>
-        <p:nvSpPr>
-          <p:cNvPr id="47" name="PlaceHolder 2"/>
+            <a:pPr algn="ctr"/>
+            <a:endParaRPr b="0" lang="en-US" sz="4400" spc="-1" strike="noStrike">
+              <a:solidFill>
+                <a:srgbClr val="000000"/>
+              </a:solidFill>
+              <a:uFill>
+                <a:solidFill>
+                  <a:srgbClr val="ffffff"/>
+                </a:solidFill>
+              </a:uFill>
+              <a:latin typeface="Arial"/>
+            </a:endParaRPr>
+          </a:p>
+        </p:txBody>
+      </p:sp>
+      <p:sp>
+        <p:nvSpPr>
+          <p:cNvPr id="41" name="PlaceHolder 2"/>
           <p:cNvSpPr>
             <a:spLocks noGrp="1"/>
           </p:cNvSpPr>
@@ -734,8 +740,8 @@
         </p:nvSpPr>
         <p:spPr>
           <a:xfrm>
-            <a:off x="838080" y="1825560"/>
-            <a:ext cx="10515240" cy="4350960"/>
+            <a:off x="609480" y="1604520"/>
+            <a:ext cx="10972440" cy="3977280"/>
           </a:xfrm>
           <a:prstGeom prst="rect">
             <a:avLst/>
@@ -744,16 +750,16 @@
         <p:txBody>
           <a:bodyPr lIns="0" rIns="0" tIns="0" bIns="0"/>
           <a:p>
-            <a:endParaRPr b="0" lang="en-US" sz="2800" spc="-1" strike="noStrike">
-              <a:solidFill>
-                <a:srgbClr val="000000"/>
-              </a:solidFill>
-              <a:uFill>
-                <a:solidFill>
-                  <a:srgbClr val="ffffff"/>
-                </a:solidFill>
-              </a:uFill>
-              <a:latin typeface="Calibri"/>
+            <a:endParaRPr b="0" lang="en-US" sz="3200" spc="-1" strike="noStrike">
+              <a:solidFill>
+                <a:srgbClr val="000000"/>
+              </a:solidFill>
+              <a:uFill>
+                <a:solidFill>
+                  <a:srgbClr val="ffffff"/>
+                </a:solidFill>
+              </a:uFill>
+              <a:latin typeface="Arial"/>
             </a:endParaRPr>
           </a:p>
         </p:txBody>
@@ -782,7 +788,7 @@
       </p:grpSpPr>
       <p:sp>
         <p:nvSpPr>
-          <p:cNvPr id="48" name="PlaceHolder 1"/>
+          <p:cNvPr id="42" name="PlaceHolder 1"/>
           <p:cNvSpPr>
             <a:spLocks noGrp="1"/>
           </p:cNvSpPr>
@@ -792,8 +798,8 @@
         </p:nvSpPr>
         <p:spPr>
           <a:xfrm>
-            <a:off x="838080" y="365040"/>
-            <a:ext cx="10515240" cy="1325160"/>
+            <a:off x="609480" y="273600"/>
+            <a:ext cx="10972440" cy="1144800"/>
           </a:xfrm>
           <a:prstGeom prst="rect">
             <a:avLst/>
@@ -802,23 +808,24 @@
         <p:txBody>
           <a:bodyPr lIns="0" rIns="0" tIns="0" bIns="0" anchor="ctr"/>
           <a:p>
-            <a:endParaRPr b="0" lang="en-US" sz="1800" spc="-1" strike="noStrike">
-              <a:solidFill>
-                <a:srgbClr val="000000"/>
-              </a:solidFill>
-              <a:uFill>
-                <a:solidFill>
-                  <a:srgbClr val="ffffff"/>
-                </a:solidFill>
-              </a:uFill>
-              <a:latin typeface="Calibri"/>
-            </a:endParaRPr>
-          </a:p>
-        </p:txBody>
-      </p:sp>
-      <p:sp>
-        <p:nvSpPr>
-          <p:cNvPr id="49" name="PlaceHolder 2"/>
+            <a:pPr algn="ctr"/>
+            <a:endParaRPr b="0" lang="en-US" sz="4400" spc="-1" strike="noStrike">
+              <a:solidFill>
+                <a:srgbClr val="000000"/>
+              </a:solidFill>
+              <a:uFill>
+                <a:solidFill>
+                  <a:srgbClr val="ffffff"/>
+                </a:solidFill>
+              </a:uFill>
+              <a:latin typeface="Arial"/>
+            </a:endParaRPr>
+          </a:p>
+        </p:txBody>
+      </p:sp>
+      <p:sp>
+        <p:nvSpPr>
+          <p:cNvPr id="43" name="PlaceHolder 2"/>
           <p:cNvSpPr>
             <a:spLocks noGrp="1"/>
           </p:cNvSpPr>
@@ -828,8 +835,8 @@
         </p:nvSpPr>
         <p:spPr>
           <a:xfrm>
-            <a:off x="838080" y="1825560"/>
-            <a:ext cx="5131080" cy="4350960"/>
+            <a:off x="609480" y="1604520"/>
+            <a:ext cx="5354280" cy="3977280"/>
           </a:xfrm>
           <a:prstGeom prst="rect">
             <a:avLst/>
@@ -838,23 +845,23 @@
         <p:txBody>
           <a:bodyPr lIns="0" rIns="0" tIns="0" bIns="0"/>
           <a:p>
-            <a:endParaRPr b="0" lang="en-US" sz="2800" spc="-1" strike="noStrike">
-              <a:solidFill>
-                <a:srgbClr val="000000"/>
-              </a:solidFill>
-              <a:uFill>
-                <a:solidFill>
-                  <a:srgbClr val="ffffff"/>
-                </a:solidFill>
-              </a:uFill>
-              <a:latin typeface="Calibri"/>
-            </a:endParaRPr>
-          </a:p>
-        </p:txBody>
-      </p:sp>
-      <p:sp>
-        <p:nvSpPr>
-          <p:cNvPr id="50" name="PlaceHolder 3"/>
+            <a:endParaRPr b="0" lang="en-US" sz="3200" spc="-1" strike="noStrike">
+              <a:solidFill>
+                <a:srgbClr val="000000"/>
+              </a:solidFill>
+              <a:uFill>
+                <a:solidFill>
+                  <a:srgbClr val="ffffff"/>
+                </a:solidFill>
+              </a:uFill>
+              <a:latin typeface="Arial"/>
+            </a:endParaRPr>
+          </a:p>
+        </p:txBody>
+      </p:sp>
+      <p:sp>
+        <p:nvSpPr>
+          <p:cNvPr id="44" name="PlaceHolder 3"/>
           <p:cNvSpPr>
             <a:spLocks noGrp="1"/>
           </p:cNvSpPr>
@@ -864,8 +871,8 @@
         </p:nvSpPr>
         <p:spPr>
           <a:xfrm>
-            <a:off x="6226200" y="1825560"/>
-            <a:ext cx="5131080" cy="4350960"/>
+            <a:off x="6231960" y="1604520"/>
+            <a:ext cx="5354280" cy="3977280"/>
           </a:xfrm>
           <a:prstGeom prst="rect">
             <a:avLst/>
@@ -874,16 +881,16 @@
         <p:txBody>
           <a:bodyPr lIns="0" rIns="0" tIns="0" bIns="0"/>
           <a:p>
-            <a:endParaRPr b="0" lang="en-US" sz="2800" spc="-1" strike="noStrike">
-              <a:solidFill>
-                <a:srgbClr val="000000"/>
-              </a:solidFill>
-              <a:uFill>
-                <a:solidFill>
-                  <a:srgbClr val="ffffff"/>
-                </a:solidFill>
-              </a:uFill>
-              <a:latin typeface="Calibri"/>
+            <a:endParaRPr b="0" lang="en-US" sz="3200" spc="-1" strike="noStrike">
+              <a:solidFill>
+                <a:srgbClr val="000000"/>
+              </a:solidFill>
+              <a:uFill>
+                <a:solidFill>
+                  <a:srgbClr val="ffffff"/>
+                </a:solidFill>
+              </a:uFill>
+              <a:latin typeface="Arial"/>
             </a:endParaRPr>
           </a:p>
         </p:txBody>
@@ -912,7 +919,7 @@
       </p:grpSpPr>
       <p:sp>
         <p:nvSpPr>
-          <p:cNvPr id="51" name="PlaceHolder 1"/>
+          <p:cNvPr id="45" name="PlaceHolder 1"/>
           <p:cNvSpPr>
             <a:spLocks noGrp="1"/>
           </p:cNvSpPr>
@@ -922,8 +929,8 @@
         </p:nvSpPr>
         <p:spPr>
           <a:xfrm>
-            <a:off x="838080" y="365040"/>
-            <a:ext cx="10515240" cy="1325160"/>
+            <a:off x="609480" y="273600"/>
+            <a:ext cx="10972440" cy="1144800"/>
           </a:xfrm>
           <a:prstGeom prst="rect">
             <a:avLst/>
@@ -932,16 +939,17 @@
         <p:txBody>
           <a:bodyPr lIns="0" rIns="0" tIns="0" bIns="0" anchor="ctr"/>
           <a:p>
-            <a:endParaRPr b="0" lang="en-US" sz="1800" spc="-1" strike="noStrike">
-              <a:solidFill>
-                <a:srgbClr val="000000"/>
-              </a:solidFill>
-              <a:uFill>
-                <a:solidFill>
-                  <a:srgbClr val="ffffff"/>
-                </a:solidFill>
-              </a:uFill>
-              <a:latin typeface="Calibri"/>
+            <a:pPr algn="ctr"/>
+            <a:endParaRPr b="0" lang="en-US" sz="4400" spc="-1" strike="noStrike">
+              <a:solidFill>
+                <a:srgbClr val="000000"/>
+              </a:solidFill>
+              <a:uFill>
+                <a:solidFill>
+                  <a:srgbClr val="ffffff"/>
+                </a:solidFill>
+              </a:uFill>
+              <a:latin typeface="Arial"/>
             </a:endParaRPr>
           </a:p>
         </p:txBody>
@@ -970,7 +978,7 @@
       </p:grpSpPr>
       <p:sp>
         <p:nvSpPr>
-          <p:cNvPr id="52" name="PlaceHolder 1"/>
+          <p:cNvPr id="46" name="PlaceHolder 1"/>
           <p:cNvSpPr>
             <a:spLocks noGrp="1"/>
           </p:cNvSpPr>
@@ -980,8 +988,8 @@
         </p:nvSpPr>
         <p:spPr>
           <a:xfrm>
-            <a:off x="838080" y="365040"/>
-            <a:ext cx="10515240" cy="6144120"/>
+            <a:off x="609480" y="273600"/>
+            <a:ext cx="10972440" cy="5307840"/>
           </a:xfrm>
           <a:prstGeom prst="rect">
             <a:avLst/>
@@ -1029,7 +1037,7 @@
       </p:grpSpPr>
       <p:sp>
         <p:nvSpPr>
-          <p:cNvPr id="53" name="PlaceHolder 1"/>
+          <p:cNvPr id="47" name="PlaceHolder 1"/>
           <p:cNvSpPr>
             <a:spLocks noGrp="1"/>
           </p:cNvSpPr>
@@ -1039,8 +1047,8 @@
         </p:nvSpPr>
         <p:spPr>
           <a:xfrm>
-            <a:off x="838080" y="365040"/>
-            <a:ext cx="10515240" cy="1325160"/>
+            <a:off x="609480" y="273600"/>
+            <a:ext cx="10972440" cy="1144800"/>
           </a:xfrm>
           <a:prstGeom prst="rect">
             <a:avLst/>
@@ -1049,23 +1057,24 @@
         <p:txBody>
           <a:bodyPr lIns="0" rIns="0" tIns="0" bIns="0" anchor="ctr"/>
           <a:p>
-            <a:endParaRPr b="0" lang="en-US" sz="1800" spc="-1" strike="noStrike">
-              <a:solidFill>
-                <a:srgbClr val="000000"/>
-              </a:solidFill>
-              <a:uFill>
-                <a:solidFill>
-                  <a:srgbClr val="ffffff"/>
-                </a:solidFill>
-              </a:uFill>
-              <a:latin typeface="Calibri"/>
-            </a:endParaRPr>
-          </a:p>
-        </p:txBody>
-      </p:sp>
-      <p:sp>
-        <p:nvSpPr>
-          <p:cNvPr id="54" name="PlaceHolder 2"/>
+            <a:pPr algn="ctr"/>
+            <a:endParaRPr b="0" lang="en-US" sz="4400" spc="-1" strike="noStrike">
+              <a:solidFill>
+                <a:srgbClr val="000000"/>
+              </a:solidFill>
+              <a:uFill>
+                <a:solidFill>
+                  <a:srgbClr val="ffffff"/>
+                </a:solidFill>
+              </a:uFill>
+              <a:latin typeface="Arial"/>
+            </a:endParaRPr>
+          </a:p>
+        </p:txBody>
+      </p:sp>
+      <p:sp>
+        <p:nvSpPr>
+          <p:cNvPr id="48" name="PlaceHolder 2"/>
           <p:cNvSpPr>
             <a:spLocks noGrp="1"/>
           </p:cNvSpPr>
@@ -1075,8 +1084,8 @@
         </p:nvSpPr>
         <p:spPr>
           <a:xfrm>
-            <a:off x="838080" y="1825560"/>
-            <a:ext cx="5131080" cy="2075040"/>
+            <a:off x="609480" y="1604520"/>
+            <a:ext cx="5354280" cy="1896840"/>
           </a:xfrm>
           <a:prstGeom prst="rect">
             <a:avLst/>
@@ -1085,23 +1094,23 @@
         <p:txBody>
           <a:bodyPr lIns="0" rIns="0" tIns="0" bIns="0"/>
           <a:p>
-            <a:endParaRPr b="0" lang="en-US" sz="2800" spc="-1" strike="noStrike">
-              <a:solidFill>
-                <a:srgbClr val="000000"/>
-              </a:solidFill>
-              <a:uFill>
-                <a:solidFill>
-                  <a:srgbClr val="ffffff"/>
-                </a:solidFill>
-              </a:uFill>
-              <a:latin typeface="Calibri"/>
-            </a:endParaRPr>
-          </a:p>
-        </p:txBody>
-      </p:sp>
-      <p:sp>
-        <p:nvSpPr>
-          <p:cNvPr id="55" name="PlaceHolder 3"/>
+            <a:endParaRPr b="0" lang="en-US" sz="3200" spc="-1" strike="noStrike">
+              <a:solidFill>
+                <a:srgbClr val="000000"/>
+              </a:solidFill>
+              <a:uFill>
+                <a:solidFill>
+                  <a:srgbClr val="ffffff"/>
+                </a:solidFill>
+              </a:uFill>
+              <a:latin typeface="Arial"/>
+            </a:endParaRPr>
+          </a:p>
+        </p:txBody>
+      </p:sp>
+      <p:sp>
+        <p:nvSpPr>
+          <p:cNvPr id="49" name="PlaceHolder 3"/>
           <p:cNvSpPr>
             <a:spLocks noGrp="1"/>
           </p:cNvSpPr>
@@ -1111,8 +1120,8 @@
         </p:nvSpPr>
         <p:spPr>
           <a:xfrm>
-            <a:off x="838080" y="4098240"/>
-            <a:ext cx="5131080" cy="2075040"/>
+            <a:off x="609480" y="3682080"/>
+            <a:ext cx="5354280" cy="1896840"/>
           </a:xfrm>
           <a:prstGeom prst="rect">
             <a:avLst/>
@@ -1121,23 +1130,23 @@
         <p:txBody>
           <a:bodyPr lIns="0" rIns="0" tIns="0" bIns="0"/>
           <a:p>
-            <a:endParaRPr b="0" lang="en-US" sz="2800" spc="-1" strike="noStrike">
-              <a:solidFill>
-                <a:srgbClr val="000000"/>
-              </a:solidFill>
-              <a:uFill>
-                <a:solidFill>
-                  <a:srgbClr val="ffffff"/>
-                </a:solidFill>
-              </a:uFill>
-              <a:latin typeface="Calibri"/>
-            </a:endParaRPr>
-          </a:p>
-        </p:txBody>
-      </p:sp>
-      <p:sp>
-        <p:nvSpPr>
-          <p:cNvPr id="56" name="PlaceHolder 4"/>
+            <a:endParaRPr b="0" lang="en-US" sz="3200" spc="-1" strike="noStrike">
+              <a:solidFill>
+                <a:srgbClr val="000000"/>
+              </a:solidFill>
+              <a:uFill>
+                <a:solidFill>
+                  <a:srgbClr val="ffffff"/>
+                </a:solidFill>
+              </a:uFill>
+              <a:latin typeface="Arial"/>
+            </a:endParaRPr>
+          </a:p>
+        </p:txBody>
+      </p:sp>
+      <p:sp>
+        <p:nvSpPr>
+          <p:cNvPr id="50" name="PlaceHolder 4"/>
           <p:cNvSpPr>
             <a:spLocks noGrp="1"/>
           </p:cNvSpPr>
@@ -1147,8 +1156,8 @@
         </p:nvSpPr>
         <p:spPr>
           <a:xfrm>
-            <a:off x="6226200" y="1825560"/>
-            <a:ext cx="5131080" cy="4350960"/>
+            <a:off x="6231960" y="1604520"/>
+            <a:ext cx="5354280" cy="3977280"/>
           </a:xfrm>
           <a:prstGeom prst="rect">
             <a:avLst/>
@@ -1157,16 +1166,16 @@
         <p:txBody>
           <a:bodyPr lIns="0" rIns="0" tIns="0" bIns="0"/>
           <a:p>
-            <a:endParaRPr b="0" lang="en-US" sz="2800" spc="-1" strike="noStrike">
-              <a:solidFill>
-                <a:srgbClr val="000000"/>
-              </a:solidFill>
-              <a:uFill>
-                <a:solidFill>
-                  <a:srgbClr val="ffffff"/>
-                </a:solidFill>
-              </a:uFill>
-              <a:latin typeface="Calibri"/>
+            <a:endParaRPr b="0" lang="en-US" sz="3200" spc="-1" strike="noStrike">
+              <a:solidFill>
+                <a:srgbClr val="000000"/>
+              </a:solidFill>
+              <a:uFill>
+                <a:solidFill>
+                  <a:srgbClr val="ffffff"/>
+                </a:solidFill>
+              </a:uFill>
+              <a:latin typeface="Arial"/>
             </a:endParaRPr>
           </a:p>
         </p:txBody>
@@ -1195,7 +1204,7 @@
       </p:grpSpPr>
       <p:sp>
         <p:nvSpPr>
-          <p:cNvPr id="5" name="PlaceHolder 1"/>
+          <p:cNvPr id="2" name="PlaceHolder 1"/>
           <p:cNvSpPr>
             <a:spLocks noGrp="1"/>
           </p:cNvSpPr>
@@ -1205,8 +1214,8 @@
         </p:nvSpPr>
         <p:spPr>
           <a:xfrm>
-            <a:off x="838080" y="365040"/>
-            <a:ext cx="10515240" cy="1325160"/>
+            <a:off x="609480" y="273600"/>
+            <a:ext cx="10972440" cy="1144800"/>
           </a:xfrm>
           <a:prstGeom prst="rect">
             <a:avLst/>
@@ -1215,23 +1224,24 @@
         <p:txBody>
           <a:bodyPr lIns="0" rIns="0" tIns="0" bIns="0" anchor="ctr"/>
           <a:p>
-            <a:endParaRPr b="0" lang="en-US" sz="1800" spc="-1" strike="noStrike">
-              <a:solidFill>
-                <a:srgbClr val="000000"/>
-              </a:solidFill>
-              <a:uFill>
-                <a:solidFill>
-                  <a:srgbClr val="ffffff"/>
-                </a:solidFill>
-              </a:uFill>
-              <a:latin typeface="Calibri"/>
-            </a:endParaRPr>
-          </a:p>
-        </p:txBody>
-      </p:sp>
-      <p:sp>
-        <p:nvSpPr>
-          <p:cNvPr id="6" name="PlaceHolder 2"/>
+            <a:pPr algn="ctr"/>
+            <a:endParaRPr b="0" lang="en-US" sz="4400" spc="-1" strike="noStrike">
+              <a:solidFill>
+                <a:srgbClr val="000000"/>
+              </a:solidFill>
+              <a:uFill>
+                <a:solidFill>
+                  <a:srgbClr val="ffffff"/>
+                </a:solidFill>
+              </a:uFill>
+              <a:latin typeface="Arial"/>
+            </a:endParaRPr>
+          </a:p>
+        </p:txBody>
+      </p:sp>
+      <p:sp>
+        <p:nvSpPr>
+          <p:cNvPr id="3" name="PlaceHolder 2"/>
           <p:cNvSpPr>
             <a:spLocks noGrp="1"/>
           </p:cNvSpPr>
@@ -1241,8 +1251,8 @@
         </p:nvSpPr>
         <p:spPr>
           <a:xfrm>
-            <a:off x="838080" y="1825560"/>
-            <a:ext cx="10515240" cy="4350960"/>
+            <a:off x="609480" y="1604520"/>
+            <a:ext cx="10972440" cy="3977280"/>
           </a:xfrm>
           <a:prstGeom prst="rect">
             <a:avLst/>
@@ -1290,7 +1300,7 @@
       </p:grpSpPr>
       <p:sp>
         <p:nvSpPr>
-          <p:cNvPr id="57" name="PlaceHolder 1"/>
+          <p:cNvPr id="51" name="PlaceHolder 1"/>
           <p:cNvSpPr>
             <a:spLocks noGrp="1"/>
           </p:cNvSpPr>
@@ -1300,8 +1310,8 @@
         </p:nvSpPr>
         <p:spPr>
           <a:xfrm>
-            <a:off x="838080" y="365040"/>
-            <a:ext cx="10515240" cy="1325160"/>
+            <a:off x="609480" y="273600"/>
+            <a:ext cx="10972440" cy="1144800"/>
           </a:xfrm>
           <a:prstGeom prst="rect">
             <a:avLst/>
@@ -1310,23 +1320,24 @@
         <p:txBody>
           <a:bodyPr lIns="0" rIns="0" tIns="0" bIns="0" anchor="ctr"/>
           <a:p>
-            <a:endParaRPr b="0" lang="en-US" sz="1800" spc="-1" strike="noStrike">
-              <a:solidFill>
-                <a:srgbClr val="000000"/>
-              </a:solidFill>
-              <a:uFill>
-                <a:solidFill>
-                  <a:srgbClr val="ffffff"/>
-                </a:solidFill>
-              </a:uFill>
-              <a:latin typeface="Calibri"/>
-            </a:endParaRPr>
-          </a:p>
-        </p:txBody>
-      </p:sp>
-      <p:sp>
-        <p:nvSpPr>
-          <p:cNvPr id="58" name="PlaceHolder 2"/>
+            <a:pPr algn="ctr"/>
+            <a:endParaRPr b="0" lang="en-US" sz="4400" spc="-1" strike="noStrike">
+              <a:solidFill>
+                <a:srgbClr val="000000"/>
+              </a:solidFill>
+              <a:uFill>
+                <a:solidFill>
+                  <a:srgbClr val="ffffff"/>
+                </a:solidFill>
+              </a:uFill>
+              <a:latin typeface="Arial"/>
+            </a:endParaRPr>
+          </a:p>
+        </p:txBody>
+      </p:sp>
+      <p:sp>
+        <p:nvSpPr>
+          <p:cNvPr id="52" name="PlaceHolder 2"/>
           <p:cNvSpPr>
             <a:spLocks noGrp="1"/>
           </p:cNvSpPr>
@@ -1336,8 +1347,8 @@
         </p:nvSpPr>
         <p:spPr>
           <a:xfrm>
-            <a:off x="838080" y="1825560"/>
-            <a:ext cx="5131080" cy="4350960"/>
+            <a:off x="609480" y="1604520"/>
+            <a:ext cx="5354280" cy="3977280"/>
           </a:xfrm>
           <a:prstGeom prst="rect">
             <a:avLst/>
@@ -1346,23 +1357,23 @@
         <p:txBody>
           <a:bodyPr lIns="0" rIns="0" tIns="0" bIns="0"/>
           <a:p>
-            <a:endParaRPr b="0" lang="en-US" sz="2800" spc="-1" strike="noStrike">
-              <a:solidFill>
-                <a:srgbClr val="000000"/>
-              </a:solidFill>
-              <a:uFill>
-                <a:solidFill>
-                  <a:srgbClr val="ffffff"/>
-                </a:solidFill>
-              </a:uFill>
-              <a:latin typeface="Calibri"/>
-            </a:endParaRPr>
-          </a:p>
-        </p:txBody>
-      </p:sp>
-      <p:sp>
-        <p:nvSpPr>
-          <p:cNvPr id="59" name="PlaceHolder 3"/>
+            <a:endParaRPr b="0" lang="en-US" sz="3200" spc="-1" strike="noStrike">
+              <a:solidFill>
+                <a:srgbClr val="000000"/>
+              </a:solidFill>
+              <a:uFill>
+                <a:solidFill>
+                  <a:srgbClr val="ffffff"/>
+                </a:solidFill>
+              </a:uFill>
+              <a:latin typeface="Arial"/>
+            </a:endParaRPr>
+          </a:p>
+        </p:txBody>
+      </p:sp>
+      <p:sp>
+        <p:nvSpPr>
+          <p:cNvPr id="53" name="PlaceHolder 3"/>
           <p:cNvSpPr>
             <a:spLocks noGrp="1"/>
           </p:cNvSpPr>
@@ -1372,8 +1383,8 @@
         </p:nvSpPr>
         <p:spPr>
           <a:xfrm>
-            <a:off x="6226200" y="1825560"/>
-            <a:ext cx="5131080" cy="2075040"/>
+            <a:off x="6231960" y="1604520"/>
+            <a:ext cx="5354280" cy="1896840"/>
           </a:xfrm>
           <a:prstGeom prst="rect">
             <a:avLst/>
@@ -1382,23 +1393,23 @@
         <p:txBody>
           <a:bodyPr lIns="0" rIns="0" tIns="0" bIns="0"/>
           <a:p>
-            <a:endParaRPr b="0" lang="en-US" sz="2800" spc="-1" strike="noStrike">
-              <a:solidFill>
-                <a:srgbClr val="000000"/>
-              </a:solidFill>
-              <a:uFill>
-                <a:solidFill>
-                  <a:srgbClr val="ffffff"/>
-                </a:solidFill>
-              </a:uFill>
-              <a:latin typeface="Calibri"/>
-            </a:endParaRPr>
-          </a:p>
-        </p:txBody>
-      </p:sp>
-      <p:sp>
-        <p:nvSpPr>
-          <p:cNvPr id="60" name="PlaceHolder 4"/>
+            <a:endParaRPr b="0" lang="en-US" sz="3200" spc="-1" strike="noStrike">
+              <a:solidFill>
+                <a:srgbClr val="000000"/>
+              </a:solidFill>
+              <a:uFill>
+                <a:solidFill>
+                  <a:srgbClr val="ffffff"/>
+                </a:solidFill>
+              </a:uFill>
+              <a:latin typeface="Arial"/>
+            </a:endParaRPr>
+          </a:p>
+        </p:txBody>
+      </p:sp>
+      <p:sp>
+        <p:nvSpPr>
+          <p:cNvPr id="54" name="PlaceHolder 4"/>
           <p:cNvSpPr>
             <a:spLocks noGrp="1"/>
           </p:cNvSpPr>
@@ -1408,8 +1419,8 @@
         </p:nvSpPr>
         <p:spPr>
           <a:xfrm>
-            <a:off x="6226200" y="4098240"/>
-            <a:ext cx="5131080" cy="2075040"/>
+            <a:off x="6231960" y="3682080"/>
+            <a:ext cx="5354280" cy="1896840"/>
           </a:xfrm>
           <a:prstGeom prst="rect">
             <a:avLst/>
@@ -1418,16 +1429,16 @@
         <p:txBody>
           <a:bodyPr lIns="0" rIns="0" tIns="0" bIns="0"/>
           <a:p>
-            <a:endParaRPr b="0" lang="en-US" sz="2800" spc="-1" strike="noStrike">
-              <a:solidFill>
-                <a:srgbClr val="000000"/>
-              </a:solidFill>
-              <a:uFill>
-                <a:solidFill>
-                  <a:srgbClr val="ffffff"/>
-                </a:solidFill>
-              </a:uFill>
-              <a:latin typeface="Calibri"/>
+            <a:endParaRPr b="0" lang="en-US" sz="3200" spc="-1" strike="noStrike">
+              <a:solidFill>
+                <a:srgbClr val="000000"/>
+              </a:solidFill>
+              <a:uFill>
+                <a:solidFill>
+                  <a:srgbClr val="ffffff"/>
+                </a:solidFill>
+              </a:uFill>
+              <a:latin typeface="Arial"/>
             </a:endParaRPr>
           </a:p>
         </p:txBody>
@@ -1456,7 +1467,7 @@
       </p:grpSpPr>
       <p:sp>
         <p:nvSpPr>
-          <p:cNvPr id="61" name="PlaceHolder 1"/>
+          <p:cNvPr id="55" name="PlaceHolder 1"/>
           <p:cNvSpPr>
             <a:spLocks noGrp="1"/>
           </p:cNvSpPr>
@@ -1466,8 +1477,8 @@
         </p:nvSpPr>
         <p:spPr>
           <a:xfrm>
-            <a:off x="838080" y="365040"/>
-            <a:ext cx="10515240" cy="1325160"/>
+            <a:off x="609480" y="273600"/>
+            <a:ext cx="10972440" cy="1144800"/>
           </a:xfrm>
           <a:prstGeom prst="rect">
             <a:avLst/>
@@ -1476,23 +1487,24 @@
         <p:txBody>
           <a:bodyPr lIns="0" rIns="0" tIns="0" bIns="0" anchor="ctr"/>
           <a:p>
-            <a:endParaRPr b="0" lang="en-US" sz="1800" spc="-1" strike="noStrike">
-              <a:solidFill>
-                <a:srgbClr val="000000"/>
-              </a:solidFill>
-              <a:uFill>
-                <a:solidFill>
-                  <a:srgbClr val="ffffff"/>
-                </a:solidFill>
-              </a:uFill>
-              <a:latin typeface="Calibri"/>
-            </a:endParaRPr>
-          </a:p>
-        </p:txBody>
-      </p:sp>
-      <p:sp>
-        <p:nvSpPr>
-          <p:cNvPr id="62" name="PlaceHolder 2"/>
+            <a:pPr algn="ctr"/>
+            <a:endParaRPr b="0" lang="en-US" sz="4400" spc="-1" strike="noStrike">
+              <a:solidFill>
+                <a:srgbClr val="000000"/>
+              </a:solidFill>
+              <a:uFill>
+                <a:solidFill>
+                  <a:srgbClr val="ffffff"/>
+                </a:solidFill>
+              </a:uFill>
+              <a:latin typeface="Arial"/>
+            </a:endParaRPr>
+          </a:p>
+        </p:txBody>
+      </p:sp>
+      <p:sp>
+        <p:nvSpPr>
+          <p:cNvPr id="56" name="PlaceHolder 2"/>
           <p:cNvSpPr>
             <a:spLocks noGrp="1"/>
           </p:cNvSpPr>
@@ -1502,8 +1514,8 @@
         </p:nvSpPr>
         <p:spPr>
           <a:xfrm>
-            <a:off x="838080" y="1825560"/>
-            <a:ext cx="5131080" cy="2075040"/>
+            <a:off x="609480" y="1604520"/>
+            <a:ext cx="5354280" cy="1896840"/>
           </a:xfrm>
           <a:prstGeom prst="rect">
             <a:avLst/>
@@ -1512,23 +1524,23 @@
         <p:txBody>
           <a:bodyPr lIns="0" rIns="0" tIns="0" bIns="0"/>
           <a:p>
-            <a:endParaRPr b="0" lang="en-US" sz="2800" spc="-1" strike="noStrike">
-              <a:solidFill>
-                <a:srgbClr val="000000"/>
-              </a:solidFill>
-              <a:uFill>
-                <a:solidFill>
-                  <a:srgbClr val="ffffff"/>
-                </a:solidFill>
-              </a:uFill>
-              <a:latin typeface="Calibri"/>
-            </a:endParaRPr>
-          </a:p>
-        </p:txBody>
-      </p:sp>
-      <p:sp>
-        <p:nvSpPr>
-          <p:cNvPr id="63" name="PlaceHolder 3"/>
+            <a:endParaRPr b="0" lang="en-US" sz="3200" spc="-1" strike="noStrike">
+              <a:solidFill>
+                <a:srgbClr val="000000"/>
+              </a:solidFill>
+              <a:uFill>
+                <a:solidFill>
+                  <a:srgbClr val="ffffff"/>
+                </a:solidFill>
+              </a:uFill>
+              <a:latin typeface="Arial"/>
+            </a:endParaRPr>
+          </a:p>
+        </p:txBody>
+      </p:sp>
+      <p:sp>
+        <p:nvSpPr>
+          <p:cNvPr id="57" name="PlaceHolder 3"/>
           <p:cNvSpPr>
             <a:spLocks noGrp="1"/>
           </p:cNvSpPr>
@@ -1538,8 +1550,8 @@
         </p:nvSpPr>
         <p:spPr>
           <a:xfrm>
-            <a:off x="6226200" y="1825560"/>
-            <a:ext cx="5131080" cy="2075040"/>
+            <a:off x="6231960" y="1604520"/>
+            <a:ext cx="5354280" cy="1896840"/>
           </a:xfrm>
           <a:prstGeom prst="rect">
             <a:avLst/>
@@ -1548,23 +1560,23 @@
         <p:txBody>
           <a:bodyPr lIns="0" rIns="0" tIns="0" bIns="0"/>
           <a:p>
-            <a:endParaRPr b="0" lang="en-US" sz="2800" spc="-1" strike="noStrike">
-              <a:solidFill>
-                <a:srgbClr val="000000"/>
-              </a:solidFill>
-              <a:uFill>
-                <a:solidFill>
-                  <a:srgbClr val="ffffff"/>
-                </a:solidFill>
-              </a:uFill>
-              <a:latin typeface="Calibri"/>
-            </a:endParaRPr>
-          </a:p>
-        </p:txBody>
-      </p:sp>
-      <p:sp>
-        <p:nvSpPr>
-          <p:cNvPr id="64" name="PlaceHolder 4"/>
+            <a:endParaRPr b="0" lang="en-US" sz="3200" spc="-1" strike="noStrike">
+              <a:solidFill>
+                <a:srgbClr val="000000"/>
+              </a:solidFill>
+              <a:uFill>
+                <a:solidFill>
+                  <a:srgbClr val="ffffff"/>
+                </a:solidFill>
+              </a:uFill>
+              <a:latin typeface="Arial"/>
+            </a:endParaRPr>
+          </a:p>
+        </p:txBody>
+      </p:sp>
+      <p:sp>
+        <p:nvSpPr>
+          <p:cNvPr id="58" name="PlaceHolder 4"/>
           <p:cNvSpPr>
             <a:spLocks noGrp="1"/>
           </p:cNvSpPr>
@@ -1574,8 +1586,8 @@
         </p:nvSpPr>
         <p:spPr>
           <a:xfrm>
-            <a:off x="838080" y="4098240"/>
-            <a:ext cx="10515240" cy="2075040"/>
+            <a:off x="609480" y="3682080"/>
+            <a:ext cx="10972440" cy="1896840"/>
           </a:xfrm>
           <a:prstGeom prst="rect">
             <a:avLst/>
@@ -1584,16 +1596,16 @@
         <p:txBody>
           <a:bodyPr lIns="0" rIns="0" tIns="0" bIns="0"/>
           <a:p>
-            <a:endParaRPr b="0" lang="en-US" sz="2800" spc="-1" strike="noStrike">
-              <a:solidFill>
-                <a:srgbClr val="000000"/>
-              </a:solidFill>
-              <a:uFill>
-                <a:solidFill>
-                  <a:srgbClr val="ffffff"/>
-                </a:solidFill>
-              </a:uFill>
-              <a:latin typeface="Calibri"/>
+            <a:endParaRPr b="0" lang="en-US" sz="3200" spc="-1" strike="noStrike">
+              <a:solidFill>
+                <a:srgbClr val="000000"/>
+              </a:solidFill>
+              <a:uFill>
+                <a:solidFill>
+                  <a:srgbClr val="ffffff"/>
+                </a:solidFill>
+              </a:uFill>
+              <a:latin typeface="Arial"/>
             </a:endParaRPr>
           </a:p>
         </p:txBody>
@@ -1622,7 +1634,7 @@
       </p:grpSpPr>
       <p:sp>
         <p:nvSpPr>
-          <p:cNvPr id="65" name="PlaceHolder 1"/>
+          <p:cNvPr id="59" name="PlaceHolder 1"/>
           <p:cNvSpPr>
             <a:spLocks noGrp="1"/>
           </p:cNvSpPr>
@@ -1632,8 +1644,8 @@
         </p:nvSpPr>
         <p:spPr>
           <a:xfrm>
-            <a:off x="838080" y="365040"/>
-            <a:ext cx="10515240" cy="1325160"/>
+            <a:off x="609480" y="273600"/>
+            <a:ext cx="10972440" cy="1144800"/>
           </a:xfrm>
           <a:prstGeom prst="rect">
             <a:avLst/>
@@ -1642,23 +1654,24 @@
         <p:txBody>
           <a:bodyPr lIns="0" rIns="0" tIns="0" bIns="0" anchor="ctr"/>
           <a:p>
-            <a:endParaRPr b="0" lang="en-US" sz="1800" spc="-1" strike="noStrike">
-              <a:solidFill>
-                <a:srgbClr val="000000"/>
-              </a:solidFill>
-              <a:uFill>
-                <a:solidFill>
-                  <a:srgbClr val="ffffff"/>
-                </a:solidFill>
-              </a:uFill>
-              <a:latin typeface="Calibri"/>
-            </a:endParaRPr>
-          </a:p>
-        </p:txBody>
-      </p:sp>
-      <p:sp>
-        <p:nvSpPr>
-          <p:cNvPr id="66" name="PlaceHolder 2"/>
+            <a:pPr algn="ctr"/>
+            <a:endParaRPr b="0" lang="en-US" sz="4400" spc="-1" strike="noStrike">
+              <a:solidFill>
+                <a:srgbClr val="000000"/>
+              </a:solidFill>
+              <a:uFill>
+                <a:solidFill>
+                  <a:srgbClr val="ffffff"/>
+                </a:solidFill>
+              </a:uFill>
+              <a:latin typeface="Arial"/>
+            </a:endParaRPr>
+          </a:p>
+        </p:txBody>
+      </p:sp>
+      <p:sp>
+        <p:nvSpPr>
+          <p:cNvPr id="60" name="PlaceHolder 2"/>
           <p:cNvSpPr>
             <a:spLocks noGrp="1"/>
           </p:cNvSpPr>
@@ -1668,8 +1681,8 @@
         </p:nvSpPr>
         <p:spPr>
           <a:xfrm>
-            <a:off x="838080" y="1825560"/>
-            <a:ext cx="10515240" cy="2075040"/>
+            <a:off x="609480" y="1604520"/>
+            <a:ext cx="10972440" cy="1896840"/>
           </a:xfrm>
           <a:prstGeom prst="rect">
             <a:avLst/>
@@ -1678,23 +1691,23 @@
         <p:txBody>
           <a:bodyPr lIns="0" rIns="0" tIns="0" bIns="0"/>
           <a:p>
-            <a:endParaRPr b="0" lang="en-US" sz="2800" spc="-1" strike="noStrike">
-              <a:solidFill>
-                <a:srgbClr val="000000"/>
-              </a:solidFill>
-              <a:uFill>
-                <a:solidFill>
-                  <a:srgbClr val="ffffff"/>
-                </a:solidFill>
-              </a:uFill>
-              <a:latin typeface="Calibri"/>
-            </a:endParaRPr>
-          </a:p>
-        </p:txBody>
-      </p:sp>
-      <p:sp>
-        <p:nvSpPr>
-          <p:cNvPr id="67" name="PlaceHolder 3"/>
+            <a:endParaRPr b="0" lang="en-US" sz="3200" spc="-1" strike="noStrike">
+              <a:solidFill>
+                <a:srgbClr val="000000"/>
+              </a:solidFill>
+              <a:uFill>
+                <a:solidFill>
+                  <a:srgbClr val="ffffff"/>
+                </a:solidFill>
+              </a:uFill>
+              <a:latin typeface="Arial"/>
+            </a:endParaRPr>
+          </a:p>
+        </p:txBody>
+      </p:sp>
+      <p:sp>
+        <p:nvSpPr>
+          <p:cNvPr id="61" name="PlaceHolder 3"/>
           <p:cNvSpPr>
             <a:spLocks noGrp="1"/>
           </p:cNvSpPr>
@@ -1704,8 +1717,8 @@
         </p:nvSpPr>
         <p:spPr>
           <a:xfrm>
-            <a:off x="838080" y="4098240"/>
-            <a:ext cx="10515240" cy="2075040"/>
+            <a:off x="609480" y="3682080"/>
+            <a:ext cx="10972440" cy="1896840"/>
           </a:xfrm>
           <a:prstGeom prst="rect">
             <a:avLst/>
@@ -1714,16 +1727,16 @@
         <p:txBody>
           <a:bodyPr lIns="0" rIns="0" tIns="0" bIns="0"/>
           <a:p>
-            <a:endParaRPr b="0" lang="en-US" sz="2800" spc="-1" strike="noStrike">
-              <a:solidFill>
-                <a:srgbClr val="000000"/>
-              </a:solidFill>
-              <a:uFill>
-                <a:solidFill>
-                  <a:srgbClr val="ffffff"/>
-                </a:solidFill>
-              </a:uFill>
-              <a:latin typeface="Calibri"/>
+            <a:endParaRPr b="0" lang="en-US" sz="3200" spc="-1" strike="noStrike">
+              <a:solidFill>
+                <a:srgbClr val="000000"/>
+              </a:solidFill>
+              <a:uFill>
+                <a:solidFill>
+                  <a:srgbClr val="ffffff"/>
+                </a:solidFill>
+              </a:uFill>
+              <a:latin typeface="Arial"/>
             </a:endParaRPr>
           </a:p>
         </p:txBody>
@@ -1752,7 +1765,7 @@
       </p:grpSpPr>
       <p:sp>
         <p:nvSpPr>
-          <p:cNvPr id="68" name="PlaceHolder 1"/>
+          <p:cNvPr id="62" name="PlaceHolder 1"/>
           <p:cNvSpPr>
             <a:spLocks noGrp="1"/>
           </p:cNvSpPr>
@@ -1762,8 +1775,8 @@
         </p:nvSpPr>
         <p:spPr>
           <a:xfrm>
-            <a:off x="838080" y="365040"/>
-            <a:ext cx="10515240" cy="1325160"/>
+            <a:off x="609480" y="273600"/>
+            <a:ext cx="10972440" cy="1144800"/>
           </a:xfrm>
           <a:prstGeom prst="rect">
             <a:avLst/>
@@ -1772,23 +1785,24 @@
         <p:txBody>
           <a:bodyPr lIns="0" rIns="0" tIns="0" bIns="0" anchor="ctr"/>
           <a:p>
-            <a:endParaRPr b="0" lang="en-US" sz="1800" spc="-1" strike="noStrike">
-              <a:solidFill>
-                <a:srgbClr val="000000"/>
-              </a:solidFill>
-              <a:uFill>
-                <a:solidFill>
-                  <a:srgbClr val="ffffff"/>
-                </a:solidFill>
-              </a:uFill>
-              <a:latin typeface="Calibri"/>
-            </a:endParaRPr>
-          </a:p>
-        </p:txBody>
-      </p:sp>
-      <p:sp>
-        <p:nvSpPr>
-          <p:cNvPr id="69" name="PlaceHolder 2"/>
+            <a:pPr algn="ctr"/>
+            <a:endParaRPr b="0" lang="en-US" sz="4400" spc="-1" strike="noStrike">
+              <a:solidFill>
+                <a:srgbClr val="000000"/>
+              </a:solidFill>
+              <a:uFill>
+                <a:solidFill>
+                  <a:srgbClr val="ffffff"/>
+                </a:solidFill>
+              </a:uFill>
+              <a:latin typeface="Arial"/>
+            </a:endParaRPr>
+          </a:p>
+        </p:txBody>
+      </p:sp>
+      <p:sp>
+        <p:nvSpPr>
+          <p:cNvPr id="63" name="PlaceHolder 2"/>
           <p:cNvSpPr>
             <a:spLocks noGrp="1"/>
           </p:cNvSpPr>
@@ -1798,8 +1812,8 @@
         </p:nvSpPr>
         <p:spPr>
           <a:xfrm>
-            <a:off x="838080" y="1825560"/>
-            <a:ext cx="5131080" cy="2075040"/>
+            <a:off x="609480" y="1604520"/>
+            <a:ext cx="5354280" cy="1896840"/>
           </a:xfrm>
           <a:prstGeom prst="rect">
             <a:avLst/>
@@ -1808,23 +1822,23 @@
         <p:txBody>
           <a:bodyPr lIns="0" rIns="0" tIns="0" bIns="0"/>
           <a:p>
-            <a:endParaRPr b="0" lang="en-US" sz="2800" spc="-1" strike="noStrike">
-              <a:solidFill>
-                <a:srgbClr val="000000"/>
-              </a:solidFill>
-              <a:uFill>
-                <a:solidFill>
-                  <a:srgbClr val="ffffff"/>
-                </a:solidFill>
-              </a:uFill>
-              <a:latin typeface="Calibri"/>
-            </a:endParaRPr>
-          </a:p>
-        </p:txBody>
-      </p:sp>
-      <p:sp>
-        <p:nvSpPr>
-          <p:cNvPr id="70" name="PlaceHolder 3"/>
+            <a:endParaRPr b="0" lang="en-US" sz="3200" spc="-1" strike="noStrike">
+              <a:solidFill>
+                <a:srgbClr val="000000"/>
+              </a:solidFill>
+              <a:uFill>
+                <a:solidFill>
+                  <a:srgbClr val="ffffff"/>
+                </a:solidFill>
+              </a:uFill>
+              <a:latin typeface="Arial"/>
+            </a:endParaRPr>
+          </a:p>
+        </p:txBody>
+      </p:sp>
+      <p:sp>
+        <p:nvSpPr>
+          <p:cNvPr id="64" name="PlaceHolder 3"/>
           <p:cNvSpPr>
             <a:spLocks noGrp="1"/>
           </p:cNvSpPr>
@@ -1834,8 +1848,8 @@
         </p:nvSpPr>
         <p:spPr>
           <a:xfrm>
-            <a:off x="6226200" y="1825560"/>
-            <a:ext cx="5131080" cy="2075040"/>
+            <a:off x="6231960" y="1604520"/>
+            <a:ext cx="5354280" cy="1896840"/>
           </a:xfrm>
           <a:prstGeom prst="rect">
             <a:avLst/>
@@ -1844,23 +1858,23 @@
         <p:txBody>
           <a:bodyPr lIns="0" rIns="0" tIns="0" bIns="0"/>
           <a:p>
-            <a:endParaRPr b="0" lang="en-US" sz="2800" spc="-1" strike="noStrike">
-              <a:solidFill>
-                <a:srgbClr val="000000"/>
-              </a:solidFill>
-              <a:uFill>
-                <a:solidFill>
-                  <a:srgbClr val="ffffff"/>
-                </a:solidFill>
-              </a:uFill>
-              <a:latin typeface="Calibri"/>
-            </a:endParaRPr>
-          </a:p>
-        </p:txBody>
-      </p:sp>
-      <p:sp>
-        <p:nvSpPr>
-          <p:cNvPr id="71" name="PlaceHolder 4"/>
+            <a:endParaRPr b="0" lang="en-US" sz="3200" spc="-1" strike="noStrike">
+              <a:solidFill>
+                <a:srgbClr val="000000"/>
+              </a:solidFill>
+              <a:uFill>
+                <a:solidFill>
+                  <a:srgbClr val="ffffff"/>
+                </a:solidFill>
+              </a:uFill>
+              <a:latin typeface="Arial"/>
+            </a:endParaRPr>
+          </a:p>
+        </p:txBody>
+      </p:sp>
+      <p:sp>
+        <p:nvSpPr>
+          <p:cNvPr id="65" name="PlaceHolder 4"/>
           <p:cNvSpPr>
             <a:spLocks noGrp="1"/>
           </p:cNvSpPr>
@@ -1870,8 +1884,8 @@
         </p:nvSpPr>
         <p:spPr>
           <a:xfrm>
-            <a:off x="6226200" y="4098240"/>
-            <a:ext cx="5131080" cy="2075040"/>
+            <a:off x="6231960" y="3682080"/>
+            <a:ext cx="5354280" cy="1896840"/>
           </a:xfrm>
           <a:prstGeom prst="rect">
             <a:avLst/>
@@ -1880,23 +1894,23 @@
         <p:txBody>
           <a:bodyPr lIns="0" rIns="0" tIns="0" bIns="0"/>
           <a:p>
-            <a:endParaRPr b="0" lang="en-US" sz="2800" spc="-1" strike="noStrike">
-              <a:solidFill>
-                <a:srgbClr val="000000"/>
-              </a:solidFill>
-              <a:uFill>
-                <a:solidFill>
-                  <a:srgbClr val="ffffff"/>
-                </a:solidFill>
-              </a:uFill>
-              <a:latin typeface="Calibri"/>
-            </a:endParaRPr>
-          </a:p>
-        </p:txBody>
-      </p:sp>
-      <p:sp>
-        <p:nvSpPr>
-          <p:cNvPr id="72" name="PlaceHolder 5"/>
+            <a:endParaRPr b="0" lang="en-US" sz="3200" spc="-1" strike="noStrike">
+              <a:solidFill>
+                <a:srgbClr val="000000"/>
+              </a:solidFill>
+              <a:uFill>
+                <a:solidFill>
+                  <a:srgbClr val="ffffff"/>
+                </a:solidFill>
+              </a:uFill>
+              <a:latin typeface="Arial"/>
+            </a:endParaRPr>
+          </a:p>
+        </p:txBody>
+      </p:sp>
+      <p:sp>
+        <p:nvSpPr>
+          <p:cNvPr id="66" name="PlaceHolder 5"/>
           <p:cNvSpPr>
             <a:spLocks noGrp="1"/>
           </p:cNvSpPr>
@@ -1906,8 +1920,8 @@
         </p:nvSpPr>
         <p:spPr>
           <a:xfrm>
-            <a:off x="838080" y="4098240"/>
-            <a:ext cx="5131080" cy="2075040"/>
+            <a:off x="609480" y="3682080"/>
+            <a:ext cx="5354280" cy="1896840"/>
           </a:xfrm>
           <a:prstGeom prst="rect">
             <a:avLst/>
@@ -1916,16 +1930,16 @@
         <p:txBody>
           <a:bodyPr lIns="0" rIns="0" tIns="0" bIns="0"/>
           <a:p>
-            <a:endParaRPr b="0" lang="en-US" sz="2800" spc="-1" strike="noStrike">
-              <a:solidFill>
-                <a:srgbClr val="000000"/>
-              </a:solidFill>
-              <a:uFill>
-                <a:solidFill>
-                  <a:srgbClr val="ffffff"/>
-                </a:solidFill>
-              </a:uFill>
-              <a:latin typeface="Calibri"/>
+            <a:endParaRPr b="0" lang="en-US" sz="3200" spc="-1" strike="noStrike">
+              <a:solidFill>
+                <a:srgbClr val="000000"/>
+              </a:solidFill>
+              <a:uFill>
+                <a:solidFill>
+                  <a:srgbClr val="ffffff"/>
+                </a:solidFill>
+              </a:uFill>
+              <a:latin typeface="Arial"/>
             </a:endParaRPr>
           </a:p>
         </p:txBody>
@@ -1954,7 +1968,7 @@
       </p:grpSpPr>
       <p:sp>
         <p:nvSpPr>
-          <p:cNvPr id="73" name="PlaceHolder 1"/>
+          <p:cNvPr id="67" name="PlaceHolder 1"/>
           <p:cNvSpPr>
             <a:spLocks noGrp="1"/>
           </p:cNvSpPr>
@@ -1964,8 +1978,8 @@
         </p:nvSpPr>
         <p:spPr>
           <a:xfrm>
-            <a:off x="838080" y="365040"/>
-            <a:ext cx="10515240" cy="1325160"/>
+            <a:off x="609480" y="273600"/>
+            <a:ext cx="10972440" cy="1144800"/>
           </a:xfrm>
           <a:prstGeom prst="rect">
             <a:avLst/>
@@ -1974,23 +1988,24 @@
         <p:txBody>
           <a:bodyPr lIns="0" rIns="0" tIns="0" bIns="0" anchor="ctr"/>
           <a:p>
-            <a:endParaRPr b="0" lang="en-US" sz="1800" spc="-1" strike="noStrike">
-              <a:solidFill>
-                <a:srgbClr val="000000"/>
-              </a:solidFill>
-              <a:uFill>
-                <a:solidFill>
-                  <a:srgbClr val="ffffff"/>
-                </a:solidFill>
-              </a:uFill>
-              <a:latin typeface="Calibri"/>
-            </a:endParaRPr>
-          </a:p>
-        </p:txBody>
-      </p:sp>
-      <p:sp>
-        <p:nvSpPr>
-          <p:cNvPr id="74" name="PlaceHolder 2"/>
+            <a:pPr algn="ctr"/>
+            <a:endParaRPr b="0" lang="en-US" sz="4400" spc="-1" strike="noStrike">
+              <a:solidFill>
+                <a:srgbClr val="000000"/>
+              </a:solidFill>
+              <a:uFill>
+                <a:solidFill>
+                  <a:srgbClr val="ffffff"/>
+                </a:solidFill>
+              </a:uFill>
+              <a:latin typeface="Arial"/>
+            </a:endParaRPr>
+          </a:p>
+        </p:txBody>
+      </p:sp>
+      <p:sp>
+        <p:nvSpPr>
+          <p:cNvPr id="68" name="PlaceHolder 2"/>
           <p:cNvSpPr>
             <a:spLocks noGrp="1"/>
           </p:cNvSpPr>
@@ -2000,8 +2015,8 @@
         </p:nvSpPr>
         <p:spPr>
           <a:xfrm>
-            <a:off x="838080" y="1825560"/>
-            <a:ext cx="10515240" cy="4350960"/>
+            <a:off x="609480" y="1604520"/>
+            <a:ext cx="10972440" cy="3977280"/>
           </a:xfrm>
           <a:prstGeom prst="rect">
             <a:avLst/>
@@ -2010,23 +2025,23 @@
         <p:txBody>
           <a:bodyPr lIns="0" rIns="0" tIns="0" bIns="0"/>
           <a:p>
-            <a:endParaRPr b="0" lang="en-US" sz="2800" spc="-1" strike="noStrike">
-              <a:solidFill>
-                <a:srgbClr val="000000"/>
-              </a:solidFill>
-              <a:uFill>
-                <a:solidFill>
-                  <a:srgbClr val="ffffff"/>
-                </a:solidFill>
-              </a:uFill>
-              <a:latin typeface="Calibri"/>
-            </a:endParaRPr>
-          </a:p>
-        </p:txBody>
-      </p:sp>
-      <p:sp>
-        <p:nvSpPr>
-          <p:cNvPr id="75" name="PlaceHolder 3"/>
+            <a:endParaRPr b="0" lang="en-US" sz="3200" spc="-1" strike="noStrike">
+              <a:solidFill>
+                <a:srgbClr val="000000"/>
+              </a:solidFill>
+              <a:uFill>
+                <a:solidFill>
+                  <a:srgbClr val="ffffff"/>
+                </a:solidFill>
+              </a:uFill>
+              <a:latin typeface="Arial"/>
+            </a:endParaRPr>
+          </a:p>
+        </p:txBody>
+      </p:sp>
+      <p:sp>
+        <p:nvSpPr>
+          <p:cNvPr id="69" name="PlaceHolder 3"/>
           <p:cNvSpPr>
             <a:spLocks noGrp="1"/>
           </p:cNvSpPr>
@@ -2036,8 +2051,8 @@
         </p:nvSpPr>
         <p:spPr>
           <a:xfrm>
-            <a:off x="838080" y="1825560"/>
-            <a:ext cx="10515240" cy="4350960"/>
+            <a:off x="609480" y="1604520"/>
+            <a:ext cx="10972440" cy="3977280"/>
           </a:xfrm>
           <a:prstGeom prst="rect">
             <a:avLst/>
@@ -2046,23 +2061,23 @@
         <p:txBody>
           <a:bodyPr lIns="0" rIns="0" tIns="0" bIns="0"/>
           <a:p>
-            <a:endParaRPr b="0" lang="en-US" sz="2800" spc="-1" strike="noStrike">
-              <a:solidFill>
-                <a:srgbClr val="000000"/>
-              </a:solidFill>
-              <a:uFill>
-                <a:solidFill>
-                  <a:srgbClr val="ffffff"/>
-                </a:solidFill>
-              </a:uFill>
-              <a:latin typeface="Calibri"/>
+            <a:endParaRPr b="0" lang="en-US" sz="3200" spc="-1" strike="noStrike">
+              <a:solidFill>
+                <a:srgbClr val="000000"/>
+              </a:solidFill>
+              <a:uFill>
+                <a:solidFill>
+                  <a:srgbClr val="ffffff"/>
+                </a:solidFill>
+              </a:uFill>
+              <a:latin typeface="Arial"/>
             </a:endParaRPr>
           </a:p>
         </p:txBody>
       </p:sp>
       <p:pic>
         <p:nvPicPr>
-          <p:cNvPr id="76" name="" descr=""/>
+          <p:cNvPr id="70" name="" descr=""/>
           <p:cNvPicPr/>
           <p:nvPr/>
         </p:nvPicPr>
@@ -2072,8 +2087,8 @@
         </p:blipFill>
         <p:spPr>
           <a:xfrm>
-            <a:off x="3368880" y="1825560"/>
-            <a:ext cx="5452920" cy="4350960"/>
+            <a:off x="3602880" y="1604520"/>
+            <a:ext cx="4984920" cy="3977280"/>
           </a:xfrm>
           <a:prstGeom prst="rect">
             <a:avLst/>
@@ -2085,7 +2100,7 @@
       </p:pic>
       <p:pic>
         <p:nvPicPr>
-          <p:cNvPr id="77" name="" descr=""/>
+          <p:cNvPr id="71" name="" descr=""/>
           <p:cNvPicPr/>
           <p:nvPr/>
         </p:nvPicPr>
@@ -2095,8 +2110,8 @@
         </p:blipFill>
         <p:spPr>
           <a:xfrm>
-            <a:off x="3368880" y="1825560"/>
-            <a:ext cx="5452920" cy="4350960"/>
+            <a:off x="3602880" y="1604520"/>
+            <a:ext cx="4984920" cy="3977280"/>
           </a:xfrm>
           <a:prstGeom prst="rect">
             <a:avLst/>
@@ -2130,7 +2145,7 @@
       </p:grpSpPr>
       <p:sp>
         <p:nvSpPr>
-          <p:cNvPr id="7" name="PlaceHolder 1"/>
+          <p:cNvPr id="4" name="PlaceHolder 1"/>
           <p:cNvSpPr>
             <a:spLocks noGrp="1"/>
           </p:cNvSpPr>
@@ -2140,8 +2155,8 @@
         </p:nvSpPr>
         <p:spPr>
           <a:xfrm>
-            <a:off x="838080" y="365040"/>
-            <a:ext cx="10515240" cy="1325160"/>
+            <a:off x="609480" y="273600"/>
+            <a:ext cx="10972440" cy="1144800"/>
           </a:xfrm>
           <a:prstGeom prst="rect">
             <a:avLst/>
@@ -2150,23 +2165,24 @@
         <p:txBody>
           <a:bodyPr lIns="0" rIns="0" tIns="0" bIns="0" anchor="ctr"/>
           <a:p>
-            <a:endParaRPr b="0" lang="en-US" sz="1800" spc="-1" strike="noStrike">
-              <a:solidFill>
-                <a:srgbClr val="000000"/>
-              </a:solidFill>
-              <a:uFill>
-                <a:solidFill>
-                  <a:srgbClr val="ffffff"/>
-                </a:solidFill>
-              </a:uFill>
-              <a:latin typeface="Calibri"/>
-            </a:endParaRPr>
-          </a:p>
-        </p:txBody>
-      </p:sp>
-      <p:sp>
-        <p:nvSpPr>
-          <p:cNvPr id="8" name="PlaceHolder 2"/>
+            <a:pPr algn="ctr"/>
+            <a:endParaRPr b="0" lang="en-US" sz="4400" spc="-1" strike="noStrike">
+              <a:solidFill>
+                <a:srgbClr val="000000"/>
+              </a:solidFill>
+              <a:uFill>
+                <a:solidFill>
+                  <a:srgbClr val="ffffff"/>
+                </a:solidFill>
+              </a:uFill>
+              <a:latin typeface="Arial"/>
+            </a:endParaRPr>
+          </a:p>
+        </p:txBody>
+      </p:sp>
+      <p:sp>
+        <p:nvSpPr>
+          <p:cNvPr id="5" name="PlaceHolder 2"/>
           <p:cNvSpPr>
             <a:spLocks noGrp="1"/>
           </p:cNvSpPr>
@@ -2176,8 +2192,8 @@
         </p:nvSpPr>
         <p:spPr>
           <a:xfrm>
-            <a:off x="838080" y="1825560"/>
-            <a:ext cx="10515240" cy="4350960"/>
+            <a:off x="609480" y="1604520"/>
+            <a:ext cx="10972440" cy="3977280"/>
           </a:xfrm>
           <a:prstGeom prst="rect">
             <a:avLst/>
@@ -2186,16 +2202,16 @@
         <p:txBody>
           <a:bodyPr lIns="0" rIns="0" tIns="0" bIns="0"/>
           <a:p>
-            <a:endParaRPr b="0" lang="en-US" sz="2800" spc="-1" strike="noStrike">
-              <a:solidFill>
-                <a:srgbClr val="000000"/>
-              </a:solidFill>
-              <a:uFill>
-                <a:solidFill>
-                  <a:srgbClr val="ffffff"/>
-                </a:solidFill>
-              </a:uFill>
-              <a:latin typeface="Calibri"/>
+            <a:endParaRPr b="0" lang="en-US" sz="3200" spc="-1" strike="noStrike">
+              <a:solidFill>
+                <a:srgbClr val="000000"/>
+              </a:solidFill>
+              <a:uFill>
+                <a:solidFill>
+                  <a:srgbClr val="ffffff"/>
+                </a:solidFill>
+              </a:uFill>
+              <a:latin typeface="Arial"/>
             </a:endParaRPr>
           </a:p>
         </p:txBody>
@@ -2224,7 +2240,7 @@
       </p:grpSpPr>
       <p:sp>
         <p:nvSpPr>
-          <p:cNvPr id="9" name="PlaceHolder 1"/>
+          <p:cNvPr id="6" name="PlaceHolder 1"/>
           <p:cNvSpPr>
             <a:spLocks noGrp="1"/>
           </p:cNvSpPr>
@@ -2234,8 +2250,8 @@
         </p:nvSpPr>
         <p:spPr>
           <a:xfrm>
-            <a:off x="838080" y="365040"/>
-            <a:ext cx="10515240" cy="1325160"/>
+            <a:off x="609480" y="273600"/>
+            <a:ext cx="10972440" cy="1144800"/>
           </a:xfrm>
           <a:prstGeom prst="rect">
             <a:avLst/>
@@ -2244,23 +2260,24 @@
         <p:txBody>
           <a:bodyPr lIns="0" rIns="0" tIns="0" bIns="0" anchor="ctr"/>
           <a:p>
-            <a:endParaRPr b="0" lang="en-US" sz="1800" spc="-1" strike="noStrike">
-              <a:solidFill>
-                <a:srgbClr val="000000"/>
-              </a:solidFill>
-              <a:uFill>
-                <a:solidFill>
-                  <a:srgbClr val="ffffff"/>
-                </a:solidFill>
-              </a:uFill>
-              <a:latin typeface="Calibri"/>
-            </a:endParaRPr>
-          </a:p>
-        </p:txBody>
-      </p:sp>
-      <p:sp>
-        <p:nvSpPr>
-          <p:cNvPr id="10" name="PlaceHolder 2"/>
+            <a:pPr algn="ctr"/>
+            <a:endParaRPr b="0" lang="en-US" sz="4400" spc="-1" strike="noStrike">
+              <a:solidFill>
+                <a:srgbClr val="000000"/>
+              </a:solidFill>
+              <a:uFill>
+                <a:solidFill>
+                  <a:srgbClr val="ffffff"/>
+                </a:solidFill>
+              </a:uFill>
+              <a:latin typeface="Arial"/>
+            </a:endParaRPr>
+          </a:p>
+        </p:txBody>
+      </p:sp>
+      <p:sp>
+        <p:nvSpPr>
+          <p:cNvPr id="7" name="PlaceHolder 2"/>
           <p:cNvSpPr>
             <a:spLocks noGrp="1"/>
           </p:cNvSpPr>
@@ -2270,8 +2287,8 @@
         </p:nvSpPr>
         <p:spPr>
           <a:xfrm>
-            <a:off x="838080" y="1825560"/>
-            <a:ext cx="5131080" cy="4350960"/>
+            <a:off x="609480" y="1604520"/>
+            <a:ext cx="5354280" cy="3977280"/>
           </a:xfrm>
           <a:prstGeom prst="rect">
             <a:avLst/>
@@ -2280,23 +2297,23 @@
         <p:txBody>
           <a:bodyPr lIns="0" rIns="0" tIns="0" bIns="0"/>
           <a:p>
-            <a:endParaRPr b="0" lang="en-US" sz="2800" spc="-1" strike="noStrike">
-              <a:solidFill>
-                <a:srgbClr val="000000"/>
-              </a:solidFill>
-              <a:uFill>
-                <a:solidFill>
-                  <a:srgbClr val="ffffff"/>
-                </a:solidFill>
-              </a:uFill>
-              <a:latin typeface="Calibri"/>
-            </a:endParaRPr>
-          </a:p>
-        </p:txBody>
-      </p:sp>
-      <p:sp>
-        <p:nvSpPr>
-          <p:cNvPr id="11" name="PlaceHolder 3"/>
+            <a:endParaRPr b="0" lang="en-US" sz="3200" spc="-1" strike="noStrike">
+              <a:solidFill>
+                <a:srgbClr val="000000"/>
+              </a:solidFill>
+              <a:uFill>
+                <a:solidFill>
+                  <a:srgbClr val="ffffff"/>
+                </a:solidFill>
+              </a:uFill>
+              <a:latin typeface="Arial"/>
+            </a:endParaRPr>
+          </a:p>
+        </p:txBody>
+      </p:sp>
+      <p:sp>
+        <p:nvSpPr>
+          <p:cNvPr id="8" name="PlaceHolder 3"/>
           <p:cNvSpPr>
             <a:spLocks noGrp="1"/>
           </p:cNvSpPr>
@@ -2306,8 +2323,8 @@
         </p:nvSpPr>
         <p:spPr>
           <a:xfrm>
-            <a:off x="6226200" y="1825560"/>
-            <a:ext cx="5131080" cy="4350960"/>
+            <a:off x="6231960" y="1604520"/>
+            <a:ext cx="5354280" cy="3977280"/>
           </a:xfrm>
           <a:prstGeom prst="rect">
             <a:avLst/>
@@ -2316,16 +2333,16 @@
         <p:txBody>
           <a:bodyPr lIns="0" rIns="0" tIns="0" bIns="0"/>
           <a:p>
-            <a:endParaRPr b="0" lang="en-US" sz="2800" spc="-1" strike="noStrike">
-              <a:solidFill>
-                <a:srgbClr val="000000"/>
-              </a:solidFill>
-              <a:uFill>
-                <a:solidFill>
-                  <a:srgbClr val="ffffff"/>
-                </a:solidFill>
-              </a:uFill>
-              <a:latin typeface="Calibri"/>
+            <a:endParaRPr b="0" lang="en-US" sz="3200" spc="-1" strike="noStrike">
+              <a:solidFill>
+                <a:srgbClr val="000000"/>
+              </a:solidFill>
+              <a:uFill>
+                <a:solidFill>
+                  <a:srgbClr val="ffffff"/>
+                </a:solidFill>
+              </a:uFill>
+              <a:latin typeface="Arial"/>
             </a:endParaRPr>
           </a:p>
         </p:txBody>
@@ -2354,7 +2371,7 @@
       </p:grpSpPr>
       <p:sp>
         <p:nvSpPr>
-          <p:cNvPr id="12" name="PlaceHolder 1"/>
+          <p:cNvPr id="9" name="PlaceHolder 1"/>
           <p:cNvSpPr>
             <a:spLocks noGrp="1"/>
           </p:cNvSpPr>
@@ -2364,8 +2381,8 @@
         </p:nvSpPr>
         <p:spPr>
           <a:xfrm>
-            <a:off x="838080" y="365040"/>
-            <a:ext cx="10515240" cy="1325160"/>
+            <a:off x="609480" y="273600"/>
+            <a:ext cx="10972440" cy="1144800"/>
           </a:xfrm>
           <a:prstGeom prst="rect">
             <a:avLst/>
@@ -2374,16 +2391,17 @@
         <p:txBody>
           <a:bodyPr lIns="0" rIns="0" tIns="0" bIns="0" anchor="ctr"/>
           <a:p>
-            <a:endParaRPr b="0" lang="en-US" sz="1800" spc="-1" strike="noStrike">
-              <a:solidFill>
-                <a:srgbClr val="000000"/>
-              </a:solidFill>
-              <a:uFill>
-                <a:solidFill>
-                  <a:srgbClr val="ffffff"/>
-                </a:solidFill>
-              </a:uFill>
-              <a:latin typeface="Calibri"/>
+            <a:pPr algn="ctr"/>
+            <a:endParaRPr b="0" lang="en-US" sz="4400" spc="-1" strike="noStrike">
+              <a:solidFill>
+                <a:srgbClr val="000000"/>
+              </a:solidFill>
+              <a:uFill>
+                <a:solidFill>
+                  <a:srgbClr val="ffffff"/>
+                </a:solidFill>
+              </a:uFill>
+              <a:latin typeface="Arial"/>
             </a:endParaRPr>
           </a:p>
         </p:txBody>
@@ -2412,7 +2430,7 @@
       </p:grpSpPr>
       <p:sp>
         <p:nvSpPr>
-          <p:cNvPr id="13" name="PlaceHolder 1"/>
+          <p:cNvPr id="10" name="PlaceHolder 1"/>
           <p:cNvSpPr>
             <a:spLocks noGrp="1"/>
           </p:cNvSpPr>
@@ -2422,8 +2440,8 @@
         </p:nvSpPr>
         <p:spPr>
           <a:xfrm>
-            <a:off x="838080" y="365040"/>
-            <a:ext cx="10515240" cy="6144120"/>
+            <a:off x="609480" y="273600"/>
+            <a:ext cx="10972440" cy="5307840"/>
           </a:xfrm>
           <a:prstGeom prst="rect">
             <a:avLst/>
@@ -2471,7 +2489,7 @@
       </p:grpSpPr>
       <p:sp>
         <p:nvSpPr>
-          <p:cNvPr id="14" name="PlaceHolder 1"/>
+          <p:cNvPr id="11" name="PlaceHolder 1"/>
           <p:cNvSpPr>
             <a:spLocks noGrp="1"/>
           </p:cNvSpPr>
@@ -2481,8 +2499,8 @@
         </p:nvSpPr>
         <p:spPr>
           <a:xfrm>
-            <a:off x="838080" y="365040"/>
-            <a:ext cx="10515240" cy="1325160"/>
+            <a:off x="609480" y="273600"/>
+            <a:ext cx="10972440" cy="1144800"/>
           </a:xfrm>
           <a:prstGeom prst="rect">
             <a:avLst/>
@@ -2491,23 +2509,24 @@
         <p:txBody>
           <a:bodyPr lIns="0" rIns="0" tIns="0" bIns="0" anchor="ctr"/>
           <a:p>
-            <a:endParaRPr b="0" lang="en-US" sz="1800" spc="-1" strike="noStrike">
-              <a:solidFill>
-                <a:srgbClr val="000000"/>
-              </a:solidFill>
-              <a:uFill>
-                <a:solidFill>
-                  <a:srgbClr val="ffffff"/>
-                </a:solidFill>
-              </a:uFill>
-              <a:latin typeface="Calibri"/>
-            </a:endParaRPr>
-          </a:p>
-        </p:txBody>
-      </p:sp>
-      <p:sp>
-        <p:nvSpPr>
-          <p:cNvPr id="15" name="PlaceHolder 2"/>
+            <a:pPr algn="ctr"/>
+            <a:endParaRPr b="0" lang="en-US" sz="4400" spc="-1" strike="noStrike">
+              <a:solidFill>
+                <a:srgbClr val="000000"/>
+              </a:solidFill>
+              <a:uFill>
+                <a:solidFill>
+                  <a:srgbClr val="ffffff"/>
+                </a:solidFill>
+              </a:uFill>
+              <a:latin typeface="Arial"/>
+            </a:endParaRPr>
+          </a:p>
+        </p:txBody>
+      </p:sp>
+      <p:sp>
+        <p:nvSpPr>
+          <p:cNvPr id="12" name="PlaceHolder 2"/>
           <p:cNvSpPr>
             <a:spLocks noGrp="1"/>
           </p:cNvSpPr>
@@ -2517,8 +2536,8 @@
         </p:nvSpPr>
         <p:spPr>
           <a:xfrm>
-            <a:off x="838080" y="1825560"/>
-            <a:ext cx="5131080" cy="2075040"/>
+            <a:off x="609480" y="1604520"/>
+            <a:ext cx="5354280" cy="1896840"/>
           </a:xfrm>
           <a:prstGeom prst="rect">
             <a:avLst/>
@@ -2527,23 +2546,23 @@
         <p:txBody>
           <a:bodyPr lIns="0" rIns="0" tIns="0" bIns="0"/>
           <a:p>
-            <a:endParaRPr b="0" lang="en-US" sz="2800" spc="-1" strike="noStrike">
-              <a:solidFill>
-                <a:srgbClr val="000000"/>
-              </a:solidFill>
-              <a:uFill>
-                <a:solidFill>
-                  <a:srgbClr val="ffffff"/>
-                </a:solidFill>
-              </a:uFill>
-              <a:latin typeface="Calibri"/>
-            </a:endParaRPr>
-          </a:p>
-        </p:txBody>
-      </p:sp>
-      <p:sp>
-        <p:nvSpPr>
-          <p:cNvPr id="16" name="PlaceHolder 3"/>
+            <a:endParaRPr b="0" lang="en-US" sz="3200" spc="-1" strike="noStrike">
+              <a:solidFill>
+                <a:srgbClr val="000000"/>
+              </a:solidFill>
+              <a:uFill>
+                <a:solidFill>
+                  <a:srgbClr val="ffffff"/>
+                </a:solidFill>
+              </a:uFill>
+              <a:latin typeface="Arial"/>
+            </a:endParaRPr>
+          </a:p>
+        </p:txBody>
+      </p:sp>
+      <p:sp>
+        <p:nvSpPr>
+          <p:cNvPr id="13" name="PlaceHolder 3"/>
           <p:cNvSpPr>
             <a:spLocks noGrp="1"/>
           </p:cNvSpPr>
@@ -2553,8 +2572,8 @@
         </p:nvSpPr>
         <p:spPr>
           <a:xfrm>
-            <a:off x="838080" y="4098240"/>
-            <a:ext cx="5131080" cy="2075040"/>
+            <a:off x="609480" y="3682080"/>
+            <a:ext cx="5354280" cy="1896840"/>
           </a:xfrm>
           <a:prstGeom prst="rect">
             <a:avLst/>
@@ -2563,23 +2582,23 @@
         <p:txBody>
           <a:bodyPr lIns="0" rIns="0" tIns="0" bIns="0"/>
           <a:p>
-            <a:endParaRPr b="0" lang="en-US" sz="2800" spc="-1" strike="noStrike">
-              <a:solidFill>
-                <a:srgbClr val="000000"/>
-              </a:solidFill>
-              <a:uFill>
-                <a:solidFill>
-                  <a:srgbClr val="ffffff"/>
-                </a:solidFill>
-              </a:uFill>
-              <a:latin typeface="Calibri"/>
-            </a:endParaRPr>
-          </a:p>
-        </p:txBody>
-      </p:sp>
-      <p:sp>
-        <p:nvSpPr>
-          <p:cNvPr id="17" name="PlaceHolder 4"/>
+            <a:endParaRPr b="0" lang="en-US" sz="3200" spc="-1" strike="noStrike">
+              <a:solidFill>
+                <a:srgbClr val="000000"/>
+              </a:solidFill>
+              <a:uFill>
+                <a:solidFill>
+                  <a:srgbClr val="ffffff"/>
+                </a:solidFill>
+              </a:uFill>
+              <a:latin typeface="Arial"/>
+            </a:endParaRPr>
+          </a:p>
+        </p:txBody>
+      </p:sp>
+      <p:sp>
+        <p:nvSpPr>
+          <p:cNvPr id="14" name="PlaceHolder 4"/>
           <p:cNvSpPr>
             <a:spLocks noGrp="1"/>
           </p:cNvSpPr>
@@ -2589,8 +2608,8 @@
         </p:nvSpPr>
         <p:spPr>
           <a:xfrm>
-            <a:off x="6226200" y="1825560"/>
-            <a:ext cx="5131080" cy="4350960"/>
+            <a:off x="6231960" y="1604520"/>
+            <a:ext cx="5354280" cy="3977280"/>
           </a:xfrm>
           <a:prstGeom prst="rect">
             <a:avLst/>
@@ -2599,16 +2618,16 @@
         <p:txBody>
           <a:bodyPr lIns="0" rIns="0" tIns="0" bIns="0"/>
           <a:p>
-            <a:endParaRPr b="0" lang="en-US" sz="2800" spc="-1" strike="noStrike">
-              <a:solidFill>
-                <a:srgbClr val="000000"/>
-              </a:solidFill>
-              <a:uFill>
-                <a:solidFill>
-                  <a:srgbClr val="ffffff"/>
-                </a:solidFill>
-              </a:uFill>
-              <a:latin typeface="Calibri"/>
+            <a:endParaRPr b="0" lang="en-US" sz="3200" spc="-1" strike="noStrike">
+              <a:solidFill>
+                <a:srgbClr val="000000"/>
+              </a:solidFill>
+              <a:uFill>
+                <a:solidFill>
+                  <a:srgbClr val="ffffff"/>
+                </a:solidFill>
+              </a:uFill>
+              <a:latin typeface="Arial"/>
             </a:endParaRPr>
           </a:p>
         </p:txBody>
@@ -2637,7 +2656,7 @@
       </p:grpSpPr>
       <p:sp>
         <p:nvSpPr>
-          <p:cNvPr id="18" name="PlaceHolder 1"/>
+          <p:cNvPr id="15" name="PlaceHolder 1"/>
           <p:cNvSpPr>
             <a:spLocks noGrp="1"/>
           </p:cNvSpPr>
@@ -2647,8 +2666,8 @@
         </p:nvSpPr>
         <p:spPr>
           <a:xfrm>
-            <a:off x="838080" y="365040"/>
-            <a:ext cx="10515240" cy="1325160"/>
+            <a:off x="609480" y="273600"/>
+            <a:ext cx="10972440" cy="1144800"/>
           </a:xfrm>
           <a:prstGeom prst="rect">
             <a:avLst/>
@@ -2657,23 +2676,24 @@
         <p:txBody>
           <a:bodyPr lIns="0" rIns="0" tIns="0" bIns="0" anchor="ctr"/>
           <a:p>
-            <a:endParaRPr b="0" lang="en-US" sz="1800" spc="-1" strike="noStrike">
-              <a:solidFill>
-                <a:srgbClr val="000000"/>
-              </a:solidFill>
-              <a:uFill>
-                <a:solidFill>
-                  <a:srgbClr val="ffffff"/>
-                </a:solidFill>
-              </a:uFill>
-              <a:latin typeface="Calibri"/>
-            </a:endParaRPr>
-          </a:p>
-        </p:txBody>
-      </p:sp>
-      <p:sp>
-        <p:nvSpPr>
-          <p:cNvPr id="19" name="PlaceHolder 2"/>
+            <a:pPr algn="ctr"/>
+            <a:endParaRPr b="0" lang="en-US" sz="4400" spc="-1" strike="noStrike">
+              <a:solidFill>
+                <a:srgbClr val="000000"/>
+              </a:solidFill>
+              <a:uFill>
+                <a:solidFill>
+                  <a:srgbClr val="ffffff"/>
+                </a:solidFill>
+              </a:uFill>
+              <a:latin typeface="Arial"/>
+            </a:endParaRPr>
+          </a:p>
+        </p:txBody>
+      </p:sp>
+      <p:sp>
+        <p:nvSpPr>
+          <p:cNvPr id="16" name="PlaceHolder 2"/>
           <p:cNvSpPr>
             <a:spLocks noGrp="1"/>
           </p:cNvSpPr>
@@ -2683,8 +2703,8 @@
         </p:nvSpPr>
         <p:spPr>
           <a:xfrm>
-            <a:off x="838080" y="1825560"/>
-            <a:ext cx="5131080" cy="4350960"/>
+            <a:off x="609480" y="1604520"/>
+            <a:ext cx="5354280" cy="3977280"/>
           </a:xfrm>
           <a:prstGeom prst="rect">
             <a:avLst/>
@@ -2693,23 +2713,23 @@
         <p:txBody>
           <a:bodyPr lIns="0" rIns="0" tIns="0" bIns="0"/>
           <a:p>
-            <a:endParaRPr b="0" lang="en-US" sz="2800" spc="-1" strike="noStrike">
-              <a:solidFill>
-                <a:srgbClr val="000000"/>
-              </a:solidFill>
-              <a:uFill>
-                <a:solidFill>
-                  <a:srgbClr val="ffffff"/>
-                </a:solidFill>
-              </a:uFill>
-              <a:latin typeface="Calibri"/>
-            </a:endParaRPr>
-          </a:p>
-        </p:txBody>
-      </p:sp>
-      <p:sp>
-        <p:nvSpPr>
-          <p:cNvPr id="20" name="PlaceHolder 3"/>
+            <a:endParaRPr b="0" lang="en-US" sz="3200" spc="-1" strike="noStrike">
+              <a:solidFill>
+                <a:srgbClr val="000000"/>
+              </a:solidFill>
+              <a:uFill>
+                <a:solidFill>
+                  <a:srgbClr val="ffffff"/>
+                </a:solidFill>
+              </a:uFill>
+              <a:latin typeface="Arial"/>
+            </a:endParaRPr>
+          </a:p>
+        </p:txBody>
+      </p:sp>
+      <p:sp>
+        <p:nvSpPr>
+          <p:cNvPr id="17" name="PlaceHolder 3"/>
           <p:cNvSpPr>
             <a:spLocks noGrp="1"/>
           </p:cNvSpPr>
@@ -2719,8 +2739,8 @@
         </p:nvSpPr>
         <p:spPr>
           <a:xfrm>
-            <a:off x="6226200" y="1825560"/>
-            <a:ext cx="5131080" cy="2075040"/>
+            <a:off x="6231960" y="1604520"/>
+            <a:ext cx="5354280" cy="1896840"/>
           </a:xfrm>
           <a:prstGeom prst="rect">
             <a:avLst/>
@@ -2729,23 +2749,23 @@
         <p:txBody>
           <a:bodyPr lIns="0" rIns="0" tIns="0" bIns="0"/>
           <a:p>
-            <a:endParaRPr b="0" lang="en-US" sz="2800" spc="-1" strike="noStrike">
-              <a:solidFill>
-                <a:srgbClr val="000000"/>
-              </a:solidFill>
-              <a:uFill>
-                <a:solidFill>
-                  <a:srgbClr val="ffffff"/>
-                </a:solidFill>
-              </a:uFill>
-              <a:latin typeface="Calibri"/>
-            </a:endParaRPr>
-          </a:p>
-        </p:txBody>
-      </p:sp>
-      <p:sp>
-        <p:nvSpPr>
-          <p:cNvPr id="21" name="PlaceHolder 4"/>
+            <a:endParaRPr b="0" lang="en-US" sz="3200" spc="-1" strike="noStrike">
+              <a:solidFill>
+                <a:srgbClr val="000000"/>
+              </a:solidFill>
+              <a:uFill>
+                <a:solidFill>
+                  <a:srgbClr val="ffffff"/>
+                </a:solidFill>
+              </a:uFill>
+              <a:latin typeface="Arial"/>
+            </a:endParaRPr>
+          </a:p>
+        </p:txBody>
+      </p:sp>
+      <p:sp>
+        <p:nvSpPr>
+          <p:cNvPr id="18" name="PlaceHolder 4"/>
           <p:cNvSpPr>
             <a:spLocks noGrp="1"/>
           </p:cNvSpPr>
@@ -2755,8 +2775,8 @@
         </p:nvSpPr>
         <p:spPr>
           <a:xfrm>
-            <a:off x="6226200" y="4098240"/>
-            <a:ext cx="5131080" cy="2075040"/>
+            <a:off x="6231960" y="3682080"/>
+            <a:ext cx="5354280" cy="1896840"/>
           </a:xfrm>
           <a:prstGeom prst="rect">
             <a:avLst/>
@@ -2765,16 +2785,16 @@
         <p:txBody>
           <a:bodyPr lIns="0" rIns="0" tIns="0" bIns="0"/>
           <a:p>
-            <a:endParaRPr b="0" lang="en-US" sz="2800" spc="-1" strike="noStrike">
-              <a:solidFill>
-                <a:srgbClr val="000000"/>
-              </a:solidFill>
-              <a:uFill>
-                <a:solidFill>
-                  <a:srgbClr val="ffffff"/>
-                </a:solidFill>
-              </a:uFill>
-              <a:latin typeface="Calibri"/>
+            <a:endParaRPr b="0" lang="en-US" sz="3200" spc="-1" strike="noStrike">
+              <a:solidFill>
+                <a:srgbClr val="000000"/>
+              </a:solidFill>
+              <a:uFill>
+                <a:solidFill>
+                  <a:srgbClr val="ffffff"/>
+                </a:solidFill>
+              </a:uFill>
+              <a:latin typeface="Arial"/>
             </a:endParaRPr>
           </a:p>
         </p:txBody>
@@ -2803,7 +2823,7 @@
       </p:grpSpPr>
       <p:sp>
         <p:nvSpPr>
-          <p:cNvPr id="22" name="PlaceHolder 1"/>
+          <p:cNvPr id="19" name="PlaceHolder 1"/>
           <p:cNvSpPr>
             <a:spLocks noGrp="1"/>
           </p:cNvSpPr>
@@ -2813,8 +2833,8 @@
         </p:nvSpPr>
         <p:spPr>
           <a:xfrm>
-            <a:off x="838080" y="365040"/>
-            <a:ext cx="10515240" cy="1325160"/>
+            <a:off x="609480" y="273600"/>
+            <a:ext cx="10972440" cy="1144800"/>
           </a:xfrm>
           <a:prstGeom prst="rect">
             <a:avLst/>
@@ -2823,23 +2843,24 @@
         <p:txBody>
           <a:bodyPr lIns="0" rIns="0" tIns="0" bIns="0" anchor="ctr"/>
           <a:p>
-            <a:endParaRPr b="0" lang="en-US" sz="1800" spc="-1" strike="noStrike">
-              <a:solidFill>
-                <a:srgbClr val="000000"/>
-              </a:solidFill>
-              <a:uFill>
-                <a:solidFill>
-                  <a:srgbClr val="ffffff"/>
-                </a:solidFill>
-              </a:uFill>
-              <a:latin typeface="Calibri"/>
-            </a:endParaRPr>
-          </a:p>
-        </p:txBody>
-      </p:sp>
-      <p:sp>
-        <p:nvSpPr>
-          <p:cNvPr id="23" name="PlaceHolder 2"/>
+            <a:pPr algn="ctr"/>
+            <a:endParaRPr b="0" lang="en-US" sz="4400" spc="-1" strike="noStrike">
+              <a:solidFill>
+                <a:srgbClr val="000000"/>
+              </a:solidFill>
+              <a:uFill>
+                <a:solidFill>
+                  <a:srgbClr val="ffffff"/>
+                </a:solidFill>
+              </a:uFill>
+              <a:latin typeface="Arial"/>
+            </a:endParaRPr>
+          </a:p>
+        </p:txBody>
+      </p:sp>
+      <p:sp>
+        <p:nvSpPr>
+          <p:cNvPr id="20" name="PlaceHolder 2"/>
           <p:cNvSpPr>
             <a:spLocks noGrp="1"/>
           </p:cNvSpPr>
@@ -2849,8 +2870,8 @@
         </p:nvSpPr>
         <p:spPr>
           <a:xfrm>
-            <a:off x="838080" y="1825560"/>
-            <a:ext cx="5131080" cy="2075040"/>
+            <a:off x="609480" y="1604520"/>
+            <a:ext cx="5354280" cy="1896840"/>
           </a:xfrm>
           <a:prstGeom prst="rect">
             <a:avLst/>
@@ -2859,23 +2880,23 @@
         <p:txBody>
           <a:bodyPr lIns="0" rIns="0" tIns="0" bIns="0"/>
           <a:p>
-            <a:endParaRPr b="0" lang="en-US" sz="2800" spc="-1" strike="noStrike">
-              <a:solidFill>
-                <a:srgbClr val="000000"/>
-              </a:solidFill>
-              <a:uFill>
-                <a:solidFill>
-                  <a:srgbClr val="ffffff"/>
-                </a:solidFill>
-              </a:uFill>
-              <a:latin typeface="Calibri"/>
-            </a:endParaRPr>
-          </a:p>
-        </p:txBody>
-      </p:sp>
-      <p:sp>
-        <p:nvSpPr>
-          <p:cNvPr id="24" name="PlaceHolder 3"/>
+            <a:endParaRPr b="0" lang="en-US" sz="3200" spc="-1" strike="noStrike">
+              <a:solidFill>
+                <a:srgbClr val="000000"/>
+              </a:solidFill>
+              <a:uFill>
+                <a:solidFill>
+                  <a:srgbClr val="ffffff"/>
+                </a:solidFill>
+              </a:uFill>
+              <a:latin typeface="Arial"/>
+            </a:endParaRPr>
+          </a:p>
+        </p:txBody>
+      </p:sp>
+      <p:sp>
+        <p:nvSpPr>
+          <p:cNvPr id="21" name="PlaceHolder 3"/>
           <p:cNvSpPr>
             <a:spLocks noGrp="1"/>
           </p:cNvSpPr>
@@ -2885,8 +2906,8 @@
         </p:nvSpPr>
         <p:spPr>
           <a:xfrm>
-            <a:off x="6226200" y="1825560"/>
-            <a:ext cx="5131080" cy="2075040"/>
+            <a:off x="6231960" y="1604520"/>
+            <a:ext cx="5354280" cy="1896840"/>
           </a:xfrm>
           <a:prstGeom prst="rect">
             <a:avLst/>
@@ -2895,23 +2916,23 @@
         <p:txBody>
           <a:bodyPr lIns="0" rIns="0" tIns="0" bIns="0"/>
           <a:p>
-            <a:endParaRPr b="0" lang="en-US" sz="2800" spc="-1" strike="noStrike">
-              <a:solidFill>
-                <a:srgbClr val="000000"/>
-              </a:solidFill>
-              <a:uFill>
-                <a:solidFill>
-                  <a:srgbClr val="ffffff"/>
-                </a:solidFill>
-              </a:uFill>
-              <a:latin typeface="Calibri"/>
-            </a:endParaRPr>
-          </a:p>
-        </p:txBody>
-      </p:sp>
-      <p:sp>
-        <p:nvSpPr>
-          <p:cNvPr id="25" name="PlaceHolder 4"/>
+            <a:endParaRPr b="0" lang="en-US" sz="3200" spc="-1" strike="noStrike">
+              <a:solidFill>
+                <a:srgbClr val="000000"/>
+              </a:solidFill>
+              <a:uFill>
+                <a:solidFill>
+                  <a:srgbClr val="ffffff"/>
+                </a:solidFill>
+              </a:uFill>
+              <a:latin typeface="Arial"/>
+            </a:endParaRPr>
+          </a:p>
+        </p:txBody>
+      </p:sp>
+      <p:sp>
+        <p:nvSpPr>
+          <p:cNvPr id="22" name="PlaceHolder 4"/>
           <p:cNvSpPr>
             <a:spLocks noGrp="1"/>
           </p:cNvSpPr>
@@ -2921,8 +2942,8 @@
         </p:nvSpPr>
         <p:spPr>
           <a:xfrm>
-            <a:off x="838080" y="4098240"/>
-            <a:ext cx="10515240" cy="2075040"/>
+            <a:off x="609480" y="3682080"/>
+            <a:ext cx="10972440" cy="1896840"/>
           </a:xfrm>
           <a:prstGeom prst="rect">
             <a:avLst/>
@@ -2931,16 +2952,16 @@
         <p:txBody>
           <a:bodyPr lIns="0" rIns="0" tIns="0" bIns="0"/>
           <a:p>
-            <a:endParaRPr b="0" lang="en-US" sz="2800" spc="-1" strike="noStrike">
-              <a:solidFill>
-                <a:srgbClr val="000000"/>
-              </a:solidFill>
-              <a:uFill>
-                <a:solidFill>
-                  <a:srgbClr val="ffffff"/>
-                </a:solidFill>
-              </a:uFill>
-              <a:latin typeface="Calibri"/>
+            <a:endParaRPr b="0" lang="en-US" sz="3200" spc="-1" strike="noStrike">
+              <a:solidFill>
+                <a:srgbClr val="000000"/>
+              </a:solidFill>
+              <a:uFill>
+                <a:solidFill>
+                  <a:srgbClr val="ffffff"/>
+                </a:solidFill>
+              </a:uFill>
+              <a:latin typeface="Arial"/>
             </a:endParaRPr>
           </a:p>
         </p:txBody>
@@ -2986,21 +3007,17 @@
         </p:nvSpPr>
         <p:spPr>
           <a:xfrm>
-            <a:off x="838080" y="365040"/>
-            <a:ext cx="10515240" cy="1325160"/>
-          </a:xfrm>
-          <a:prstGeom prst="rect">
-            <a:avLst/>
-          </a:prstGeom>
-        </p:spPr>
-        <p:txBody>
-          <a:bodyPr anchor="ctr"/>
-          <a:p>
-            <a:pPr>
-              <a:lnSpc>
-                <a:spcPct val="90000"/>
-              </a:lnSpc>
-            </a:pPr>
+            <a:off x="609480" y="273600"/>
+            <a:ext cx="10972440" cy="1144800"/>
+          </a:xfrm>
+          <a:prstGeom prst="rect">
+            <a:avLst/>
+          </a:prstGeom>
+        </p:spPr>
+        <p:txBody>
+          <a:bodyPr lIns="0" rIns="0" tIns="0" bIns="0" anchor="ctr"/>
+          <a:p>
+            <a:pPr algn="ctr"/>
             <a:r>
               <a:rPr b="0" lang="en-US" sz="4400" spc="-1" strike="noStrike">
                 <a:solidFill>
@@ -3011,20 +3028,62 @@
                     <a:srgbClr val="ffffff"/>
                   </a:solidFill>
                 </a:uFill>
-                <a:latin typeface="Calibri Light"/>
+                <a:latin typeface="Arial"/>
               </a:rPr>
-              <a:t>Haga clic para modificar el estilo de título del patrón</a:t>
+              <a:t>Click to </a:t>
             </a:r>
-            <a:endParaRPr b="0" lang="en-US" sz="1800" spc="-1" strike="noStrike">
-              <a:solidFill>
-                <a:srgbClr val="000000"/>
-              </a:solidFill>
-              <a:uFill>
-                <a:solidFill>
-                  <a:srgbClr val="ffffff"/>
-                </a:solidFill>
-              </a:uFill>
-              <a:latin typeface="Calibri"/>
+            <a:r>
+              <a:rPr b="0" lang="en-US" sz="4400" spc="-1" strike="noStrike">
+                <a:solidFill>
+                  <a:srgbClr val="000000"/>
+                </a:solidFill>
+                <a:uFill>
+                  <a:solidFill>
+                    <a:srgbClr val="ffffff"/>
+                  </a:solidFill>
+                </a:uFill>
+                <a:latin typeface="Arial"/>
+              </a:rPr>
+              <a:t>edit the </a:t>
+            </a:r>
+            <a:r>
+              <a:rPr b="0" lang="en-US" sz="4400" spc="-1" strike="noStrike">
+                <a:solidFill>
+                  <a:srgbClr val="000000"/>
+                </a:solidFill>
+                <a:uFill>
+                  <a:solidFill>
+                    <a:srgbClr val="ffffff"/>
+                  </a:solidFill>
+                </a:uFill>
+                <a:latin typeface="Arial"/>
+              </a:rPr>
+              <a:t>title text </a:t>
+            </a:r>
+            <a:r>
+              <a:rPr b="0" lang="en-US" sz="4400" spc="-1" strike="noStrike">
+                <a:solidFill>
+                  <a:srgbClr val="000000"/>
+                </a:solidFill>
+                <a:uFill>
+                  <a:solidFill>
+                    <a:srgbClr val="ffffff"/>
+                  </a:solidFill>
+                </a:uFill>
+                <a:latin typeface="Arial"/>
+              </a:rPr>
+              <a:t>format</a:t>
+            </a:r>
+            <a:endParaRPr b="0" lang="en-US" sz="4400" spc="-1" strike="noStrike">
+              <a:solidFill>
+                <a:srgbClr val="000000"/>
+              </a:solidFill>
+              <a:uFill>
+                <a:solidFill>
+                  <a:srgbClr val="ffffff"/>
+                </a:solidFill>
+              </a:uFill>
+              <a:latin typeface="Arial"/>
             </a:endParaRPr>
           </a:p>
         </p:txBody>
@@ -3041,15 +3100,15 @@
         </p:nvSpPr>
         <p:spPr>
           <a:xfrm>
-            <a:off x="838080" y="1825560"/>
-            <a:ext cx="10515240" cy="4350960"/>
-          </a:xfrm>
-          <a:prstGeom prst="rect">
-            <a:avLst/>
-          </a:prstGeom>
-        </p:spPr>
-        <p:txBody>
-          <a:bodyPr/>
+            <a:off x="609480" y="1604520"/>
+            <a:ext cx="10972440" cy="3977280"/>
+          </a:xfrm>
+          <a:prstGeom prst="rect">
+            <a:avLst/>
+          </a:prstGeom>
+        </p:spPr>
+        <p:txBody>
+          <a:bodyPr lIns="0" rIns="0" tIns="0" bIns="0"/>
           <a:p>
             <a:pPr marL="432000" indent="-324000">
               <a:buClr>
@@ -3060,7 +3119,7 @@
               <a:buChar char=""/>
             </a:pPr>
             <a:r>
-              <a:rPr b="0" lang="en-US" sz="2800" spc="-1" strike="noStrike">
+              <a:rPr b="0" lang="en-US" sz="3200" spc="-1" strike="noStrike">
                 <a:solidFill>
                   <a:srgbClr val="000000"/>
                 </a:solidFill>
@@ -3069,20 +3128,20 @@
                     <a:srgbClr val="ffffff"/>
                   </a:solidFill>
                 </a:uFill>
-                <a:latin typeface="Calibri"/>
+                <a:latin typeface="Arial"/>
               </a:rPr>
               <a:t>Click to edit the outline text format</a:t>
             </a:r>
-            <a:endParaRPr b="0" lang="en-US" sz="2800" spc="-1" strike="noStrike">
-              <a:solidFill>
-                <a:srgbClr val="000000"/>
-              </a:solidFill>
-              <a:uFill>
-                <a:solidFill>
-                  <a:srgbClr val="ffffff"/>
-                </a:solidFill>
-              </a:uFill>
-              <a:latin typeface="Calibri"/>
+            <a:endParaRPr b="0" lang="en-US" sz="3200" spc="-1" strike="noStrike">
+              <a:solidFill>
+                <a:srgbClr val="000000"/>
+              </a:solidFill>
+              <a:uFill>
+                <a:solidFill>
+                  <a:srgbClr val="ffffff"/>
+                </a:solidFill>
+              </a:uFill>
+              <a:latin typeface="Arial"/>
             </a:endParaRPr>
           </a:p>
           <a:p>
@@ -3104,7 +3163,7 @@
                     <a:srgbClr val="ffffff"/>
                   </a:solidFill>
                 </a:uFill>
-                <a:latin typeface="Calibri"/>
+                <a:latin typeface="Arial"/>
               </a:rPr>
               <a:t>Second Outline Level</a:t>
             </a:r>
@@ -3117,7 +3176,7 @@
                   <a:srgbClr val="ffffff"/>
                 </a:solidFill>
               </a:uFill>
-              <a:latin typeface="Calibri"/>
+              <a:latin typeface="Arial"/>
             </a:endParaRPr>
           </a:p>
           <a:p>
@@ -3130,7 +3189,7 @@
               <a:buChar char=""/>
             </a:pPr>
             <a:r>
-              <a:rPr b="0" lang="en-US" sz="2800" spc="-1" strike="noStrike">
+              <a:rPr b="0" lang="en-US" sz="2400" spc="-1" strike="noStrike">
                 <a:solidFill>
                   <a:srgbClr val="000000"/>
                 </a:solidFill>
@@ -3139,20 +3198,20 @@
                     <a:srgbClr val="ffffff"/>
                   </a:solidFill>
                 </a:uFill>
-                <a:latin typeface="Calibri"/>
+                <a:latin typeface="Arial"/>
               </a:rPr>
               <a:t>Third Outline Level</a:t>
             </a:r>
-            <a:endParaRPr b="0" lang="en-US" sz="2800" spc="-1" strike="noStrike">
-              <a:solidFill>
-                <a:srgbClr val="000000"/>
-              </a:solidFill>
-              <a:uFill>
-                <a:solidFill>
-                  <a:srgbClr val="ffffff"/>
-                </a:solidFill>
-              </a:uFill>
-              <a:latin typeface="Calibri"/>
+            <a:endParaRPr b="0" lang="en-US" sz="2400" spc="-1" strike="noStrike">
+              <a:solidFill>
+                <a:srgbClr val="000000"/>
+              </a:solidFill>
+              <a:uFill>
+                <a:solidFill>
+                  <a:srgbClr val="ffffff"/>
+                </a:solidFill>
+              </a:uFill>
+              <a:latin typeface="Arial"/>
             </a:endParaRPr>
           </a:p>
           <a:p>
@@ -3165,7 +3224,7 @@
               <a:buChar char=""/>
             </a:pPr>
             <a:r>
-              <a:rPr b="0" lang="en-US" sz="2800" spc="-1" strike="noStrike">
+              <a:rPr b="0" lang="en-US" sz="2000" spc="-1" strike="noStrike">
                 <a:solidFill>
                   <a:srgbClr val="000000"/>
                 </a:solidFill>
@@ -3174,20 +3233,20 @@
                     <a:srgbClr val="ffffff"/>
                   </a:solidFill>
                 </a:uFill>
-                <a:latin typeface="Calibri"/>
+                <a:latin typeface="Arial"/>
               </a:rPr>
               <a:t>Fourth Outline Level</a:t>
             </a:r>
-            <a:endParaRPr b="0" lang="en-US" sz="2800" spc="-1" strike="noStrike">
-              <a:solidFill>
-                <a:srgbClr val="000000"/>
-              </a:solidFill>
-              <a:uFill>
-                <a:solidFill>
-                  <a:srgbClr val="ffffff"/>
-                </a:solidFill>
-              </a:uFill>
-              <a:latin typeface="Calibri"/>
+            <a:endParaRPr b="0" lang="en-US" sz="2000" spc="-1" strike="noStrike">
+              <a:solidFill>
+                <a:srgbClr val="000000"/>
+              </a:solidFill>
+              <a:uFill>
+                <a:solidFill>
+                  <a:srgbClr val="ffffff"/>
+                </a:solidFill>
+              </a:uFill>
+              <a:latin typeface="Arial"/>
             </a:endParaRPr>
           </a:p>
           <a:p>
@@ -3200,7 +3259,7 @@
               <a:buChar char=""/>
             </a:pPr>
             <a:r>
-              <a:rPr b="0" lang="en-US" sz="2800" spc="-1" strike="noStrike">
+              <a:rPr b="0" lang="en-US" sz="2000" spc="-1" strike="noStrike">
                 <a:solidFill>
                   <a:srgbClr val="000000"/>
                 </a:solidFill>
@@ -3209,20 +3268,20 @@
                     <a:srgbClr val="ffffff"/>
                   </a:solidFill>
                 </a:uFill>
-                <a:latin typeface="Calibri"/>
+                <a:latin typeface="Arial"/>
               </a:rPr>
               <a:t>Fifth Outline Level</a:t>
             </a:r>
-            <a:endParaRPr b="0" lang="en-US" sz="2800" spc="-1" strike="noStrike">
-              <a:solidFill>
-                <a:srgbClr val="000000"/>
-              </a:solidFill>
-              <a:uFill>
-                <a:solidFill>
-                  <a:srgbClr val="ffffff"/>
-                </a:solidFill>
-              </a:uFill>
-              <a:latin typeface="Calibri"/>
+            <a:endParaRPr b="0" lang="en-US" sz="2000" spc="-1" strike="noStrike">
+              <a:solidFill>
+                <a:srgbClr val="000000"/>
+              </a:solidFill>
+              <a:uFill>
+                <a:solidFill>
+                  <a:srgbClr val="ffffff"/>
+                </a:solidFill>
+              </a:uFill>
+              <a:latin typeface="Arial"/>
             </a:endParaRPr>
           </a:p>
           <a:p>
@@ -3235,7 +3294,7 @@
               <a:buChar char=""/>
             </a:pPr>
             <a:r>
-              <a:rPr b="0" lang="en-US" sz="2800" spc="-1" strike="noStrike">
+              <a:rPr b="0" lang="en-US" sz="2000" spc="-1" strike="noStrike">
                 <a:solidFill>
                   <a:srgbClr val="000000"/>
                 </a:solidFill>
@@ -3244,35 +3303,33 @@
                     <a:srgbClr val="ffffff"/>
                   </a:solidFill>
                 </a:uFill>
-                <a:latin typeface="Calibri"/>
+                <a:latin typeface="Arial"/>
               </a:rPr>
               <a:t>Sixth Outline Level</a:t>
             </a:r>
-            <a:endParaRPr b="0" lang="en-US" sz="2800" spc="-1" strike="noStrike">
-              <a:solidFill>
-                <a:srgbClr val="000000"/>
-              </a:solidFill>
-              <a:uFill>
-                <a:solidFill>
-                  <a:srgbClr val="ffffff"/>
-                </a:solidFill>
-              </a:uFill>
-              <a:latin typeface="Calibri"/>
-            </a:endParaRPr>
-          </a:p>
-          <a:p>
-            <a:pPr marL="228600" indent="-228240">
-              <a:lnSpc>
-                <a:spcPct val="100000"/>
-              </a:lnSpc>
+            <a:endParaRPr b="0" lang="en-US" sz="2000" spc="-1" strike="noStrike">
+              <a:solidFill>
+                <a:srgbClr val="000000"/>
+              </a:solidFill>
+              <a:uFill>
+                <a:solidFill>
+                  <a:srgbClr val="ffffff"/>
+                </a:solidFill>
+              </a:uFill>
+              <a:latin typeface="Arial"/>
+            </a:endParaRPr>
+          </a:p>
+          <a:p>
+            <a:pPr lvl="6" marL="3024000" indent="-216000">
               <a:buClr>
                 <a:srgbClr val="000000"/>
               </a:buClr>
-              <a:buFont typeface="Arial"/>
-              <a:buChar char="•"/>
+              <a:buSzPct val="45000"/>
+              <a:buFont typeface="Wingdings" charset="2"/>
+              <a:buChar char=""/>
             </a:pPr>
             <a:r>
-              <a:rPr b="0" lang="en-US" sz="2800" spc="-1" strike="noStrike">
+              <a:rPr b="0" lang="en-US" sz="2000" spc="-1" strike="noStrike">
                 <a:solidFill>
                   <a:srgbClr val="000000"/>
                 </a:solidFill>
@@ -3281,314 +3338,20 @@
                     <a:srgbClr val="ffffff"/>
                   </a:solidFill>
                 </a:uFill>
-                <a:latin typeface="Calibri"/>
+                <a:latin typeface="Arial"/>
               </a:rPr>
-              <a:t>Seventh Outline LevelEditar el estilo de texto del patrón</a:t>
+              <a:t>Seventh Outline Level</a:t>
             </a:r>
-            <a:endParaRPr b="0" lang="en-US" sz="2800" spc="-1" strike="noStrike">
-              <a:solidFill>
-                <a:srgbClr val="000000"/>
-              </a:solidFill>
-              <a:uFill>
-                <a:solidFill>
-                  <a:srgbClr val="ffffff"/>
-                </a:solidFill>
-              </a:uFill>
-              <a:latin typeface="Calibri"/>
-            </a:endParaRPr>
-          </a:p>
-          <a:p>
-            <a:pPr lvl="1" marL="685800" indent="-228240">
-              <a:lnSpc>
-                <a:spcPct val="100000"/>
-              </a:lnSpc>
-              <a:buClr>
-                <a:srgbClr val="000000"/>
-              </a:buClr>
-              <a:buFont typeface="Arial"/>
-              <a:buChar char="•"/>
-            </a:pPr>
-            <a:r>
-              <a:rPr b="0" lang="en-US" sz="2400" spc="-1" strike="noStrike">
-                <a:solidFill>
-                  <a:srgbClr val="000000"/>
-                </a:solidFill>
-                <a:uFill>
-                  <a:solidFill>
-                    <a:srgbClr val="ffffff"/>
-                  </a:solidFill>
-                </a:uFill>
-                <a:latin typeface="Calibri"/>
-              </a:rPr>
-              <a:t>Segundo nivel</a:t>
-            </a:r>
-            <a:endParaRPr b="0" lang="en-US" sz="2800" spc="-1" strike="noStrike">
-              <a:solidFill>
-                <a:srgbClr val="000000"/>
-              </a:solidFill>
-              <a:uFill>
-                <a:solidFill>
-                  <a:srgbClr val="ffffff"/>
-                </a:solidFill>
-              </a:uFill>
-              <a:latin typeface="Calibri"/>
-            </a:endParaRPr>
-          </a:p>
-          <a:p>
-            <a:pPr lvl="2" marL="1143000" indent="-228240">
-              <a:lnSpc>
-                <a:spcPct val="100000"/>
-              </a:lnSpc>
-              <a:buClr>
-                <a:srgbClr val="000000"/>
-              </a:buClr>
-              <a:buFont typeface="Arial"/>
-              <a:buChar char="•"/>
-            </a:pPr>
-            <a:r>
-              <a:rPr b="0" lang="en-US" sz="2000" spc="-1" strike="noStrike">
-                <a:solidFill>
-                  <a:srgbClr val="000000"/>
-                </a:solidFill>
-                <a:uFill>
-                  <a:solidFill>
-                    <a:srgbClr val="ffffff"/>
-                  </a:solidFill>
-                </a:uFill>
-                <a:latin typeface="Calibri"/>
-              </a:rPr>
-              <a:t>Tercer nivel</a:t>
-            </a:r>
-            <a:endParaRPr b="0" lang="en-US" sz="2800" spc="-1" strike="noStrike">
-              <a:solidFill>
-                <a:srgbClr val="000000"/>
-              </a:solidFill>
-              <a:uFill>
-                <a:solidFill>
-                  <a:srgbClr val="ffffff"/>
-                </a:solidFill>
-              </a:uFill>
-              <a:latin typeface="Calibri"/>
-            </a:endParaRPr>
-          </a:p>
-          <a:p>
-            <a:pPr lvl="3" marL="1600200" indent="-228240">
-              <a:lnSpc>
-                <a:spcPct val="100000"/>
-              </a:lnSpc>
-              <a:buClr>
-                <a:srgbClr val="000000"/>
-              </a:buClr>
-              <a:buFont typeface="Arial"/>
-              <a:buChar char="•"/>
-            </a:pPr>
-            <a:r>
-              <a:rPr b="0" lang="en-US" sz="1800" spc="-1" strike="noStrike">
-                <a:solidFill>
-                  <a:srgbClr val="000000"/>
-                </a:solidFill>
-                <a:uFill>
-                  <a:solidFill>
-                    <a:srgbClr val="ffffff"/>
-                  </a:solidFill>
-                </a:uFill>
-                <a:latin typeface="Calibri"/>
-              </a:rPr>
-              <a:t>Cuarto nivel</a:t>
-            </a:r>
-            <a:endParaRPr b="0" lang="en-US" sz="2800" spc="-1" strike="noStrike">
-              <a:solidFill>
-                <a:srgbClr val="000000"/>
-              </a:solidFill>
-              <a:uFill>
-                <a:solidFill>
-                  <a:srgbClr val="ffffff"/>
-                </a:solidFill>
-              </a:uFill>
-              <a:latin typeface="Calibri"/>
-            </a:endParaRPr>
-          </a:p>
-          <a:p>
-            <a:pPr lvl="4" marL="2057400" indent="-228240">
-              <a:lnSpc>
-                <a:spcPct val="100000"/>
-              </a:lnSpc>
-              <a:buClr>
-                <a:srgbClr val="000000"/>
-              </a:buClr>
-              <a:buFont typeface="Arial"/>
-              <a:buChar char="•"/>
-            </a:pPr>
-            <a:r>
-              <a:rPr b="0" lang="en-US" sz="1800" spc="-1" strike="noStrike">
-                <a:solidFill>
-                  <a:srgbClr val="000000"/>
-                </a:solidFill>
-                <a:uFill>
-                  <a:solidFill>
-                    <a:srgbClr val="ffffff"/>
-                  </a:solidFill>
-                </a:uFill>
-                <a:latin typeface="Calibri"/>
-              </a:rPr>
-              <a:t>Quinto nivel</a:t>
-            </a:r>
-            <a:endParaRPr b="0" lang="en-US" sz="2800" spc="-1" strike="noStrike">
-              <a:solidFill>
-                <a:srgbClr val="000000"/>
-              </a:solidFill>
-              <a:uFill>
-                <a:solidFill>
-                  <a:srgbClr val="ffffff"/>
-                </a:solidFill>
-              </a:uFill>
-              <a:latin typeface="Calibri"/>
-            </a:endParaRPr>
-          </a:p>
-        </p:txBody>
-      </p:sp>
-      <p:sp>
-        <p:nvSpPr>
-          <p:cNvPr id="2" name="PlaceHolder 3"/>
-          <p:cNvSpPr>
-            <a:spLocks noGrp="1"/>
-          </p:cNvSpPr>
-          <p:nvPr>
-            <p:ph type="dt"/>
-          </p:nvPr>
-        </p:nvSpPr>
-        <p:spPr>
-          <a:xfrm>
-            <a:off x="838080" y="6356520"/>
-            <a:ext cx="2742840" cy="364680"/>
-          </a:xfrm>
-          <a:prstGeom prst="rect">
-            <a:avLst/>
-          </a:prstGeom>
-        </p:spPr>
-        <p:txBody>
-          <a:bodyPr anchor="ctr"/>
-          <a:p>
-            <a:pPr>
-              <a:lnSpc>
-                <a:spcPct val="100000"/>
-              </a:lnSpc>
-            </a:pPr>
-            <a:r>
-              <a:rPr b="0" lang="en-US" sz="1200" spc="-1" strike="noStrike">
-                <a:solidFill>
-                  <a:srgbClr val="8b8b8b"/>
-                </a:solidFill>
-                <a:uFill>
-                  <a:solidFill>
-                    <a:srgbClr val="ffffff"/>
-                  </a:solidFill>
-                </a:uFill>
-                <a:latin typeface="Calibri"/>
-              </a:rPr>
-              <a:t>12/13/16</a:t>
-            </a:r>
-            <a:endParaRPr b="0" lang="en-US" sz="1400" spc="-1" strike="noStrike">
-              <a:solidFill>
-                <a:srgbClr val="000000"/>
-              </a:solidFill>
-              <a:uFill>
-                <a:solidFill>
-                  <a:srgbClr val="ffffff"/>
-                </a:solidFill>
-              </a:uFill>
-              <a:latin typeface="Times New Roman"/>
-            </a:endParaRPr>
-          </a:p>
-        </p:txBody>
-      </p:sp>
-      <p:sp>
-        <p:nvSpPr>
-          <p:cNvPr id="3" name="PlaceHolder 4"/>
-          <p:cNvSpPr>
-            <a:spLocks noGrp="1"/>
-          </p:cNvSpPr>
-          <p:nvPr>
-            <p:ph type="ftr"/>
-          </p:nvPr>
-        </p:nvSpPr>
-        <p:spPr>
-          <a:xfrm>
-            <a:off x="4038480" y="6356520"/>
-            <a:ext cx="4114440" cy="364680"/>
-          </a:xfrm>
-          <a:prstGeom prst="rect">
-            <a:avLst/>
-          </a:prstGeom>
-        </p:spPr>
-        <p:txBody>
-          <a:bodyPr anchor="ctr"/>
-          <a:p>
-            <a:endParaRPr b="0" lang="en-US" sz="2400" spc="-1" strike="noStrike">
-              <a:solidFill>
-                <a:srgbClr val="000000"/>
-              </a:solidFill>
-              <a:uFill>
-                <a:solidFill>
-                  <a:srgbClr val="ffffff"/>
-                </a:solidFill>
-              </a:uFill>
-              <a:latin typeface="Times New Roman"/>
-            </a:endParaRPr>
-          </a:p>
-        </p:txBody>
-      </p:sp>
-      <p:sp>
-        <p:nvSpPr>
-          <p:cNvPr id="4" name="PlaceHolder 5"/>
-          <p:cNvSpPr>
-            <a:spLocks noGrp="1"/>
-          </p:cNvSpPr>
-          <p:nvPr>
-            <p:ph type="sldNum"/>
-          </p:nvPr>
-        </p:nvSpPr>
-        <p:spPr>
-          <a:xfrm>
-            <a:off x="8610480" y="6356520"/>
-            <a:ext cx="2742840" cy="364680"/>
-          </a:xfrm>
-          <a:prstGeom prst="rect">
-            <a:avLst/>
-          </a:prstGeom>
-        </p:spPr>
-        <p:txBody>
-          <a:bodyPr anchor="ctr"/>
-          <a:p>
-            <a:pPr algn="r">
-              <a:lnSpc>
-                <a:spcPct val="100000"/>
-              </a:lnSpc>
-            </a:pPr>
-            <a:fld id="{3B78AE10-858B-4A16-8522-F00FC569DFCD}" type="slidenum">
-              <a:rPr b="0" lang="en-US" sz="1200" spc="-1" strike="noStrike">
-                <a:solidFill>
-                  <a:srgbClr val="8b8b8b"/>
-                </a:solidFill>
-                <a:uFill>
-                  <a:solidFill>
-                    <a:srgbClr val="ffffff"/>
-                  </a:solidFill>
-                </a:uFill>
-                <a:latin typeface="Calibri"/>
-              </a:rPr>
-              <a:t>&lt;number&gt;</a:t>
-            </a:fld>
-            <a:endParaRPr b="0" lang="en-US" sz="1400" spc="-1" strike="noStrike">
-              <a:solidFill>
-                <a:srgbClr val="000000"/>
-              </a:solidFill>
-              <a:uFill>
-                <a:solidFill>
-                  <a:srgbClr val="ffffff"/>
-                </a:solidFill>
-              </a:uFill>
-              <a:latin typeface="Times New Roman"/>
+            <a:endParaRPr b="0" lang="en-US" sz="2000" spc="-1" strike="noStrike">
+              <a:solidFill>
+                <a:srgbClr val="000000"/>
+              </a:solidFill>
+              <a:uFill>
+                <a:solidFill>
+                  <a:srgbClr val="ffffff"/>
+                </a:solidFill>
+              </a:uFill>
+              <a:latin typeface="Arial"/>
             </a:endParaRPr>
           </a:p>
         </p:txBody>
@@ -3639,7 +3402,7 @@
       </p:grpSpPr>
       <p:sp>
         <p:nvSpPr>
-          <p:cNvPr id="39" name="PlaceHolder 1"/>
+          <p:cNvPr id="36" name="PlaceHolder 1"/>
           <p:cNvSpPr>
             <a:spLocks noGrp="1"/>
           </p:cNvSpPr>
@@ -3649,198 +3412,34 @@
         </p:nvSpPr>
         <p:spPr>
           <a:xfrm>
-            <a:off x="1523880" y="1122480"/>
-            <a:ext cx="9143640" cy="2387160"/>
-          </a:xfrm>
-          <a:prstGeom prst="rect">
-            <a:avLst/>
-          </a:prstGeom>
-        </p:spPr>
-        <p:txBody>
-          <a:bodyPr anchor="b"/>
-          <a:p>
-            <a:pPr algn="ctr">
-              <a:lnSpc>
-                <a:spcPct val="100000"/>
-              </a:lnSpc>
-            </a:pPr>
-            <a:r>
-              <a:rPr b="0" lang="en-US" sz="6000" spc="-1" strike="noStrike">
-                <a:solidFill>
-                  <a:srgbClr val="000000"/>
-                </a:solidFill>
-                <a:uFill>
-                  <a:solidFill>
-                    <a:srgbClr val="ffffff"/>
-                  </a:solidFill>
-                </a:uFill>
-                <a:latin typeface="Calibri Light"/>
-              </a:rPr>
-              <a:t>Haga clic para modificar el estilo de título del patrón</a:t>
-            </a:r>
-            <a:endParaRPr b="0" lang="en-US" sz="1800" spc="-1" strike="noStrike">
-              <a:solidFill>
-                <a:srgbClr val="000000"/>
-              </a:solidFill>
-              <a:uFill>
-                <a:solidFill>
-                  <a:srgbClr val="ffffff"/>
-                </a:solidFill>
-              </a:uFill>
-              <a:latin typeface="Calibri"/>
-            </a:endParaRPr>
-          </a:p>
-        </p:txBody>
-      </p:sp>
-      <p:sp>
-        <p:nvSpPr>
-          <p:cNvPr id="40" name="PlaceHolder 2"/>
-          <p:cNvSpPr>
-            <a:spLocks noGrp="1"/>
-          </p:cNvSpPr>
-          <p:nvPr>
-            <p:ph type="dt"/>
-          </p:nvPr>
-        </p:nvSpPr>
-        <p:spPr>
-          <a:xfrm>
-            <a:off x="838080" y="6356520"/>
-            <a:ext cx="2742840" cy="364680"/>
-          </a:xfrm>
-          <a:prstGeom prst="rect">
-            <a:avLst/>
-          </a:prstGeom>
-        </p:spPr>
-        <p:txBody>
-          <a:bodyPr anchor="ctr"/>
-          <a:p>
-            <a:pPr>
-              <a:lnSpc>
-                <a:spcPct val="100000"/>
-              </a:lnSpc>
-            </a:pPr>
-            <a:r>
-              <a:rPr b="0" lang="en-US" sz="1200" spc="-1" strike="noStrike">
-                <a:solidFill>
-                  <a:srgbClr val="8b8b8b"/>
-                </a:solidFill>
-                <a:uFill>
-                  <a:solidFill>
-                    <a:srgbClr val="ffffff"/>
-                  </a:solidFill>
-                </a:uFill>
-                <a:latin typeface="Calibri"/>
-              </a:rPr>
-              <a:t>12/13/16</a:t>
-            </a:r>
-            <a:endParaRPr b="0" lang="en-US" sz="1400" spc="-1" strike="noStrike">
-              <a:solidFill>
-                <a:srgbClr val="000000"/>
-              </a:solidFill>
-              <a:uFill>
-                <a:solidFill>
-                  <a:srgbClr val="ffffff"/>
-                </a:solidFill>
-              </a:uFill>
-              <a:latin typeface="Times New Roman"/>
-            </a:endParaRPr>
-          </a:p>
-        </p:txBody>
-      </p:sp>
-      <p:sp>
-        <p:nvSpPr>
-          <p:cNvPr id="41" name="PlaceHolder 3"/>
-          <p:cNvSpPr>
-            <a:spLocks noGrp="1"/>
-          </p:cNvSpPr>
-          <p:nvPr>
-            <p:ph type="ftr"/>
-          </p:nvPr>
-        </p:nvSpPr>
-        <p:spPr>
-          <a:xfrm>
-            <a:off x="4038480" y="6356520"/>
-            <a:ext cx="4114440" cy="364680"/>
-          </a:xfrm>
-          <a:prstGeom prst="rect">
-            <a:avLst/>
-          </a:prstGeom>
-        </p:spPr>
-        <p:txBody>
-          <a:bodyPr anchor="ctr"/>
-          <a:p>
-            <a:endParaRPr b="0" lang="en-US" sz="2400" spc="-1" strike="noStrike">
-              <a:solidFill>
-                <a:srgbClr val="000000"/>
-              </a:solidFill>
-              <a:uFill>
-                <a:solidFill>
-                  <a:srgbClr val="ffffff"/>
-                </a:solidFill>
-              </a:uFill>
-              <a:latin typeface="Times New Roman"/>
-            </a:endParaRPr>
-          </a:p>
-        </p:txBody>
-      </p:sp>
-      <p:sp>
-        <p:nvSpPr>
-          <p:cNvPr id="42" name="PlaceHolder 4"/>
-          <p:cNvSpPr>
-            <a:spLocks noGrp="1"/>
-          </p:cNvSpPr>
-          <p:nvPr>
-            <p:ph type="sldNum"/>
-          </p:nvPr>
-        </p:nvSpPr>
-        <p:spPr>
-          <a:xfrm>
-            <a:off x="8610480" y="6356520"/>
-            <a:ext cx="2742840" cy="364680"/>
-          </a:xfrm>
-          <a:prstGeom prst="rect">
-            <a:avLst/>
-          </a:prstGeom>
-        </p:spPr>
-        <p:txBody>
-          <a:bodyPr anchor="ctr"/>
-          <a:p>
-            <a:pPr algn="r">
-              <a:lnSpc>
-                <a:spcPct val="100000"/>
-              </a:lnSpc>
-            </a:pPr>
-            <a:fld id="{3BF70010-9FDB-4442-A729-9384027F8CB3}" type="slidenum">
-              <a:rPr b="0" lang="en-US" sz="1200" spc="-1" strike="noStrike">
-                <a:solidFill>
-                  <a:srgbClr val="8b8b8b"/>
-                </a:solidFill>
-                <a:uFill>
-                  <a:solidFill>
-                    <a:srgbClr val="ffffff"/>
-                  </a:solidFill>
-                </a:uFill>
-                <a:latin typeface="Calibri"/>
-              </a:rPr>
-              <a:t>1</a:t>
-            </a:fld>
-            <a:endParaRPr b="0" lang="en-US" sz="1400" spc="-1" strike="noStrike">
-              <a:solidFill>
-                <a:srgbClr val="000000"/>
-              </a:solidFill>
-              <a:uFill>
-                <a:solidFill>
-                  <a:srgbClr val="ffffff"/>
-                </a:solidFill>
-              </a:uFill>
-              <a:latin typeface="Times New Roman"/>
-            </a:endParaRPr>
-          </a:p>
-        </p:txBody>
-      </p:sp>
-      <p:sp>
-        <p:nvSpPr>
-          <p:cNvPr id="43" name="PlaceHolder 5"/>
+            <a:off x="838080" y="365040"/>
+            <a:ext cx="10514880" cy="1324800"/>
+          </a:xfrm>
+          <a:prstGeom prst="rect">
+            <a:avLst/>
+          </a:prstGeom>
+        </p:spPr>
+        <p:txBody>
+          <a:bodyPr lIns="0" rIns="0" tIns="0" bIns="0" anchor="ctr"/>
+          <a:p>
+            <a:pPr algn="ctr"/>
+            <a:endParaRPr b="0" lang="en-US" sz="4400" spc="-1" strike="noStrike">
+              <a:solidFill>
+                <a:srgbClr val="000000"/>
+              </a:solidFill>
+              <a:uFill>
+                <a:solidFill>
+                  <a:srgbClr val="ffffff"/>
+                </a:solidFill>
+              </a:uFill>
+              <a:latin typeface="Arial"/>
+            </a:endParaRPr>
+          </a:p>
+        </p:txBody>
+      </p:sp>
+      <p:sp>
+        <p:nvSpPr>
+          <p:cNvPr id="37" name="PlaceHolder 2"/>
           <p:cNvSpPr>
             <a:spLocks noGrp="1"/>
           </p:cNvSpPr>
@@ -3869,7 +3468,7 @@
               <a:buChar char=""/>
             </a:pPr>
             <a:r>
-              <a:rPr b="0" lang="en-US" sz="2800" spc="-1" strike="noStrike">
+              <a:rPr b="0" lang="en-US" sz="3200" spc="-1" strike="noStrike">
                 <a:solidFill>
                   <a:srgbClr val="000000"/>
                 </a:solidFill>
@@ -3878,10 +3477,45 @@
                     <a:srgbClr val="ffffff"/>
                   </a:solidFill>
                 </a:uFill>
-                <a:latin typeface="Calibri"/>
+                <a:latin typeface="Arial"/>
               </a:rPr>
               <a:t>Click to edit the outline text format</a:t>
             </a:r>
+            <a:endParaRPr b="0" lang="en-US" sz="3200" spc="-1" strike="noStrike">
+              <a:solidFill>
+                <a:srgbClr val="000000"/>
+              </a:solidFill>
+              <a:uFill>
+                <a:solidFill>
+                  <a:srgbClr val="ffffff"/>
+                </a:solidFill>
+              </a:uFill>
+              <a:latin typeface="Arial"/>
+            </a:endParaRPr>
+          </a:p>
+          <a:p>
+            <a:pPr lvl="1" marL="864000" indent="-324000">
+              <a:buClr>
+                <a:srgbClr val="000000"/>
+              </a:buClr>
+              <a:buSzPct val="75000"/>
+              <a:buFont typeface="Symbol" charset="2"/>
+              <a:buChar char=""/>
+            </a:pPr>
+            <a:r>
+              <a:rPr b="0" lang="en-US" sz="2800" spc="-1" strike="noStrike">
+                <a:solidFill>
+                  <a:srgbClr val="000000"/>
+                </a:solidFill>
+                <a:uFill>
+                  <a:solidFill>
+                    <a:srgbClr val="ffffff"/>
+                  </a:solidFill>
+                </a:uFill>
+                <a:latin typeface="Arial"/>
+              </a:rPr>
+              <a:t>Second Outline Level</a:t>
+            </a:r>
             <a:endParaRPr b="0" lang="en-US" sz="2800" spc="-1" strike="noStrike">
               <a:solidFill>
                 <a:srgbClr val="000000"/>
@@ -3891,11 +3525,46 @@
                   <a:srgbClr val="ffffff"/>
                 </a:solidFill>
               </a:uFill>
-              <a:latin typeface="Calibri"/>
-            </a:endParaRPr>
-          </a:p>
-          <a:p>
-            <a:pPr lvl="1" marL="864000" indent="-324000">
+              <a:latin typeface="Arial"/>
+            </a:endParaRPr>
+          </a:p>
+          <a:p>
+            <a:pPr lvl="2" marL="1296000" indent="-288000">
+              <a:buClr>
+                <a:srgbClr val="000000"/>
+              </a:buClr>
+              <a:buSzPct val="45000"/>
+              <a:buFont typeface="Wingdings" charset="2"/>
+              <a:buChar char=""/>
+            </a:pPr>
+            <a:r>
+              <a:rPr b="0" lang="en-US" sz="2400" spc="-1" strike="noStrike">
+                <a:solidFill>
+                  <a:srgbClr val="000000"/>
+                </a:solidFill>
+                <a:uFill>
+                  <a:solidFill>
+                    <a:srgbClr val="ffffff"/>
+                  </a:solidFill>
+                </a:uFill>
+                <a:latin typeface="Arial"/>
+              </a:rPr>
+              <a:t>Third Outline Level</a:t>
+            </a:r>
+            <a:endParaRPr b="0" lang="en-US" sz="2400" spc="-1" strike="noStrike">
+              <a:solidFill>
+                <a:srgbClr val="000000"/>
+              </a:solidFill>
+              <a:uFill>
+                <a:solidFill>
+                  <a:srgbClr val="ffffff"/>
+                </a:solidFill>
+              </a:uFill>
+              <a:latin typeface="Arial"/>
+            </a:endParaRPr>
+          </a:p>
+          <a:p>
+            <a:pPr lvl="3" marL="1728000" indent="-216000">
               <a:buClr>
                 <a:srgbClr val="000000"/>
               </a:buClr>
@@ -3913,90 +3582,20 @@
                     <a:srgbClr val="ffffff"/>
                   </a:solidFill>
                 </a:uFill>
-                <a:latin typeface="Calibri"/>
-              </a:rPr>
-              <a:t>Second Outline Level</a:t>
-            </a:r>
-            <a:endParaRPr b="0" lang="en-US" sz="2000" spc="-1" strike="noStrike">
-              <a:solidFill>
-                <a:srgbClr val="000000"/>
-              </a:solidFill>
-              <a:uFill>
-                <a:solidFill>
-                  <a:srgbClr val="ffffff"/>
-                </a:solidFill>
-              </a:uFill>
-              <a:latin typeface="Calibri"/>
-            </a:endParaRPr>
-          </a:p>
-          <a:p>
-            <a:pPr lvl="2" marL="1296000" indent="-288000">
-              <a:buClr>
-                <a:srgbClr val="000000"/>
-              </a:buClr>
-              <a:buSzPct val="45000"/>
-              <a:buFont typeface="Wingdings" charset="2"/>
-              <a:buChar char=""/>
-            </a:pPr>
-            <a:r>
-              <a:rPr b="0" lang="en-US" sz="1800" spc="-1" strike="noStrike">
-                <a:solidFill>
-                  <a:srgbClr val="000000"/>
-                </a:solidFill>
-                <a:uFill>
-                  <a:solidFill>
-                    <a:srgbClr val="ffffff"/>
-                  </a:solidFill>
-                </a:uFill>
-                <a:latin typeface="Calibri"/>
-              </a:rPr>
-              <a:t>Third Outline Level</a:t>
-            </a:r>
-            <a:endParaRPr b="0" lang="en-US" sz="1800" spc="-1" strike="noStrike">
-              <a:solidFill>
-                <a:srgbClr val="000000"/>
-              </a:solidFill>
-              <a:uFill>
-                <a:solidFill>
-                  <a:srgbClr val="ffffff"/>
-                </a:solidFill>
-              </a:uFill>
-              <a:latin typeface="Calibri"/>
-            </a:endParaRPr>
-          </a:p>
-          <a:p>
-            <a:pPr lvl="3" marL="1728000" indent="-216000">
-              <a:buClr>
-                <a:srgbClr val="000000"/>
-              </a:buClr>
-              <a:buSzPct val="75000"/>
-              <a:buFont typeface="Symbol" charset="2"/>
-              <a:buChar char=""/>
-            </a:pPr>
-            <a:r>
-              <a:rPr b="0" lang="en-US" sz="1800" spc="-1" strike="noStrike">
-                <a:solidFill>
-                  <a:srgbClr val="000000"/>
-                </a:solidFill>
-                <a:uFill>
-                  <a:solidFill>
-                    <a:srgbClr val="ffffff"/>
-                  </a:solidFill>
-                </a:uFill>
-                <a:latin typeface="Calibri"/>
+                <a:latin typeface="Arial"/>
               </a:rPr>
               <a:t>Fourth Outline Level</a:t>
             </a:r>
-            <a:endParaRPr b="0" lang="en-US" sz="1800" spc="-1" strike="noStrike">
-              <a:solidFill>
-                <a:srgbClr val="000000"/>
-              </a:solidFill>
-              <a:uFill>
-                <a:solidFill>
-                  <a:srgbClr val="ffffff"/>
-                </a:solidFill>
-              </a:uFill>
-              <a:latin typeface="Calibri"/>
+            <a:endParaRPr b="0" lang="en-US" sz="2000" spc="-1" strike="noStrike">
+              <a:solidFill>
+                <a:srgbClr val="000000"/>
+              </a:solidFill>
+              <a:uFill>
+                <a:solidFill>
+                  <a:srgbClr val="ffffff"/>
+                </a:solidFill>
+              </a:uFill>
+              <a:latin typeface="Arial"/>
             </a:endParaRPr>
           </a:p>
           <a:p>
@@ -4018,7 +3617,7 @@
                     <a:srgbClr val="ffffff"/>
                   </a:solidFill>
                 </a:uFill>
-                <a:latin typeface="Calibri"/>
+                <a:latin typeface="Arial"/>
               </a:rPr>
               <a:t>Fifth Outline Level</a:t>
             </a:r>
@@ -4031,7 +3630,7 @@
                   <a:srgbClr val="ffffff"/>
                 </a:solidFill>
               </a:uFill>
-              <a:latin typeface="Calibri"/>
+              <a:latin typeface="Arial"/>
             </a:endParaRPr>
           </a:p>
           <a:p>
@@ -4053,7 +3652,7 @@
                     <a:srgbClr val="ffffff"/>
                   </a:solidFill>
                 </a:uFill>
-                <a:latin typeface="Calibri"/>
+                <a:latin typeface="Arial"/>
               </a:rPr>
               <a:t>Sixth Outline Level</a:t>
             </a:r>
@@ -4066,7 +3665,7 @@
                   <a:srgbClr val="ffffff"/>
                 </a:solidFill>
               </a:uFill>
-              <a:latin typeface="Calibri"/>
+              <a:latin typeface="Arial"/>
             </a:endParaRPr>
           </a:p>
           <a:p>
@@ -4088,7 +3687,7 @@
                     <a:srgbClr val="ffffff"/>
                   </a:solidFill>
                 </a:uFill>
-                <a:latin typeface="Calibri"/>
+                <a:latin typeface="Arial"/>
               </a:rPr>
               <a:t>Seventh Outline Level</a:t>
             </a:r>
@@ -4101,7 +3700,7 @@
                   <a:srgbClr val="ffffff"/>
                 </a:solidFill>
               </a:uFill>
-              <a:latin typeface="Calibri"/>
+              <a:latin typeface="Arial"/>
             </a:endParaRPr>
           </a:p>
         </p:txBody>
@@ -4145,14 +3744,14 @@
       </p:grpSpPr>
       <p:sp>
         <p:nvSpPr>
-          <p:cNvPr id="78" name="TextShape 1"/>
-          <p:cNvSpPr txBox="1"/>
+          <p:cNvPr id="72" name="CustomShape 1"/>
+          <p:cNvSpPr/>
           <p:nvPr/>
         </p:nvSpPr>
         <p:spPr>
           <a:xfrm>
             <a:off x="838080" y="365040"/>
-            <a:ext cx="10515240" cy="1325160"/>
+            <a:ext cx="10514880" cy="1324800"/>
           </a:xfrm>
           <a:prstGeom prst="rect">
             <a:avLst/>
@@ -4162,8 +3761,14 @@
             <a:noFill/>
           </a:ln>
         </p:spPr>
-        <p:txBody>
-          <a:bodyPr anchor="ctr"/>
+        <p:style>
+          <a:lnRef idx="0"/>
+          <a:fillRef idx="0"/>
+          <a:effectRef idx="0"/>
+          <a:fontRef idx="minor"/>
+        </p:style>
+        <p:txBody>
+          <a:bodyPr lIns="90000" rIns="90000" tIns="45000" bIns="45000" anchor="ctr"/>
           <a:p>
             <a:pPr>
               <a:lnSpc>
@@ -4193,21 +3798,21 @@
                   <a:srgbClr val="ffffff"/>
                 </a:solidFill>
               </a:uFill>
-              <a:latin typeface="Calibri"/>
-            </a:endParaRPr>
-          </a:p>
-        </p:txBody>
-      </p:sp>
-      <p:sp>
-        <p:nvSpPr>
-          <p:cNvPr id="79" name="TextShape 2"/>
-          <p:cNvSpPr txBox="1"/>
+              <a:latin typeface="Arial"/>
+            </a:endParaRPr>
+          </a:p>
+        </p:txBody>
+      </p:sp>
+      <p:sp>
+        <p:nvSpPr>
+          <p:cNvPr id="73" name="CustomShape 2"/>
+          <p:cNvSpPr/>
           <p:nvPr/>
         </p:nvSpPr>
         <p:spPr>
           <a:xfrm>
             <a:off x="838080" y="1825560"/>
-            <a:ext cx="10515240" cy="4350960"/>
+            <a:ext cx="10514880" cy="4350600"/>
           </a:xfrm>
           <a:prstGeom prst="rect">
             <a:avLst/>
@@ -4217,10 +3822,16 @@
             <a:noFill/>
           </a:ln>
         </p:spPr>
-        <p:txBody>
-          <a:bodyPr/>
-          <a:p>
-            <a:pPr marL="228600" indent="-228240">
+        <p:style>
+          <a:lnRef idx="0"/>
+          <a:fillRef idx="0"/>
+          <a:effectRef idx="0"/>
+          <a:fontRef idx="minor"/>
+        </p:style>
+        <p:txBody>
+          <a:bodyPr lIns="90000" rIns="90000" tIns="45000" bIns="45000"/>
+          <a:p>
+            <a:pPr marL="228600" indent="-227880">
               <a:lnSpc>
                 <a:spcPct val="90000"/>
               </a:lnSpc>
@@ -4244,20 +3855,20 @@
               </a:rPr>
               <a:t>Estimación del winrate a partir de las estadísticas oficiales de la NBA usando cuadrados mínimos lineales.</a:t>
             </a:r>
-            <a:endParaRPr b="0" lang="en-US" sz="2800" spc="-1" strike="noStrike">
-              <a:solidFill>
-                <a:srgbClr val="000000"/>
-              </a:solidFill>
-              <a:uFill>
-                <a:solidFill>
-                  <a:srgbClr val="ffffff"/>
-                </a:solidFill>
-              </a:uFill>
-              <a:latin typeface="Calibri"/>
-            </a:endParaRPr>
-          </a:p>
-          <a:p>
-            <a:pPr marL="228600" indent="-228240">
+            <a:endParaRPr b="0" lang="en-US" sz="1800" spc="-1" strike="noStrike">
+              <a:solidFill>
+                <a:srgbClr val="000000"/>
+              </a:solidFill>
+              <a:uFill>
+                <a:solidFill>
+                  <a:srgbClr val="ffffff"/>
+                </a:solidFill>
+              </a:uFill>
+              <a:latin typeface="Arial"/>
+            </a:endParaRPr>
+          </a:p>
+          <a:p>
+            <a:pPr marL="228600" indent="-227880">
               <a:lnSpc>
                 <a:spcPct val="90000"/>
               </a:lnSpc>
@@ -4281,20 +3892,20 @@
               </a:rPr>
               <a:t>Creación de métricas propias.</a:t>
             </a:r>
-            <a:endParaRPr b="0" lang="en-US" sz="2800" spc="-1" strike="noStrike">
-              <a:solidFill>
-                <a:srgbClr val="000000"/>
-              </a:solidFill>
-              <a:uFill>
-                <a:solidFill>
-                  <a:srgbClr val="ffffff"/>
-                </a:solidFill>
-              </a:uFill>
-              <a:latin typeface="Calibri"/>
-            </a:endParaRPr>
-          </a:p>
-          <a:p>
-            <a:pPr marL="228600" indent="-228240">
+            <a:endParaRPr b="0" lang="en-US" sz="1800" spc="-1" strike="noStrike">
+              <a:solidFill>
+                <a:srgbClr val="000000"/>
+              </a:solidFill>
+              <a:uFill>
+                <a:solidFill>
+                  <a:srgbClr val="ffffff"/>
+                </a:solidFill>
+              </a:uFill>
+              <a:latin typeface="Arial"/>
+            </a:endParaRPr>
+          </a:p>
+          <a:p>
+            <a:pPr marL="228600" indent="-227880">
               <a:lnSpc>
                 <a:spcPct val="90000"/>
               </a:lnSpc>
@@ -4318,16 +3929,16 @@
               </a:rPr>
               <a:t>Comparación con Four Factors y PER.</a:t>
             </a:r>
-            <a:endParaRPr b="0" lang="en-US" sz="2800" spc="-1" strike="noStrike">
-              <a:solidFill>
-                <a:srgbClr val="000000"/>
-              </a:solidFill>
-              <a:uFill>
-                <a:solidFill>
-                  <a:srgbClr val="ffffff"/>
-                </a:solidFill>
-              </a:uFill>
-              <a:latin typeface="Calibri"/>
+            <a:endParaRPr b="0" lang="en-US" sz="1800" spc="-1" strike="noStrike">
+              <a:solidFill>
+                <a:srgbClr val="000000"/>
+              </a:solidFill>
+              <a:uFill>
+                <a:solidFill>
+                  <a:srgbClr val="ffffff"/>
+                </a:solidFill>
+              </a:uFill>
+              <a:latin typeface="Arial"/>
             </a:endParaRPr>
           </a:p>
         </p:txBody>
@@ -4383,14 +3994,14 @@
       </p:grpSpPr>
       <p:sp>
         <p:nvSpPr>
-          <p:cNvPr id="101" name="TextShape 1"/>
-          <p:cNvSpPr txBox="1"/>
+          <p:cNvPr id="104" name="CustomShape 1"/>
+          <p:cNvSpPr/>
           <p:nvPr/>
         </p:nvSpPr>
         <p:spPr>
           <a:xfrm>
             <a:off x="838080" y="365040"/>
-            <a:ext cx="10515240" cy="1325160"/>
+            <a:ext cx="10514880" cy="1324800"/>
           </a:xfrm>
           <a:prstGeom prst="rect">
             <a:avLst/>
@@ -4400,8 +4011,231 @@
             <a:noFill/>
           </a:ln>
         </p:spPr>
-        <p:txBody>
-          <a:bodyPr anchor="ctr"/>
+        <p:style>
+          <a:lnRef idx="0"/>
+          <a:fillRef idx="0"/>
+          <a:effectRef idx="0"/>
+          <a:fontRef idx="minor"/>
+        </p:style>
+        <p:txBody>
+          <a:bodyPr lIns="90000" rIns="90000" tIns="45000" bIns="45000" anchor="ctr"/>
+          <a:p>
+            <a:pPr>
+              <a:lnSpc>
+                <a:spcPct val="90000"/>
+              </a:lnSpc>
+            </a:pPr>
+            <a:r>
+              <a:rPr b="0" lang="en-US" sz="4400" spc="-1" strike="noStrike">
+                <a:solidFill>
+                  <a:srgbClr val="000000"/>
+                </a:solidFill>
+                <a:uFill>
+                  <a:solidFill>
+                    <a:srgbClr val="ffffff"/>
+                  </a:solidFill>
+                </a:uFill>
+                <a:latin typeface="Calibri Light"/>
+              </a:rPr>
+              <a:t>Resultados de la métrica de Jugadores</a:t>
+            </a:r>
+            <a:endParaRPr b="0" lang="en-US" sz="1800" spc="-1" strike="noStrike">
+              <a:solidFill>
+                <a:srgbClr val="000000"/>
+              </a:solidFill>
+              <a:uFill>
+                <a:solidFill>
+                  <a:srgbClr val="ffffff"/>
+                </a:solidFill>
+              </a:uFill>
+              <a:latin typeface="Arial"/>
+            </a:endParaRPr>
+          </a:p>
+        </p:txBody>
+      </p:sp>
+      <p:sp>
+        <p:nvSpPr>
+          <p:cNvPr id="105" name="CustomShape 2"/>
+          <p:cNvSpPr/>
+          <p:nvPr/>
+        </p:nvSpPr>
+        <p:spPr>
+          <a:xfrm>
+            <a:off x="838080" y="1825560"/>
+            <a:ext cx="10514880" cy="4350600"/>
+          </a:xfrm>
+          <a:prstGeom prst="rect">
+            <a:avLst/>
+          </a:prstGeom>
+          <a:noFill/>
+          <a:ln>
+            <a:noFill/>
+          </a:ln>
+        </p:spPr>
+        <p:style>
+          <a:lnRef idx="0"/>
+          <a:fillRef idx="0"/>
+          <a:effectRef idx="0"/>
+          <a:fontRef idx="minor"/>
+        </p:style>
+        <p:txBody>
+          <a:bodyPr lIns="90000" rIns="90000" tIns="45000" bIns="45000"/>
+          <a:p>
+            <a:pPr marL="228600" indent="-227880">
+              <a:lnSpc>
+                <a:spcPct val="90000"/>
+              </a:lnSpc>
+              <a:buClr>
+                <a:srgbClr val="000000"/>
+              </a:buClr>
+              <a:buFont typeface="Arial"/>
+              <a:buChar char="•"/>
+            </a:pPr>
+            <a:r>
+              <a:rPr b="0" lang="en-US" sz="2800" spc="-1" strike="noStrike">
+                <a:solidFill>
+                  <a:srgbClr val="000000"/>
+                </a:solidFill>
+                <a:uFill>
+                  <a:solidFill>
+                    <a:srgbClr val="ffffff"/>
+                  </a:solidFill>
+                </a:uFill>
+                <a:latin typeface="Calibri"/>
+              </a:rPr>
+              <a:t>Resultado de la aproximación de una temporada:</a:t>
+            </a:r>
+            <a:endParaRPr b="0" lang="en-US" sz="1800" spc="-1" strike="noStrike">
+              <a:solidFill>
+                <a:srgbClr val="000000"/>
+              </a:solidFill>
+              <a:uFill>
+                <a:solidFill>
+                  <a:srgbClr val="ffffff"/>
+                </a:solidFill>
+              </a:uFill>
+              <a:latin typeface="Arial"/>
+            </a:endParaRPr>
+          </a:p>
+          <a:p>
+            <a:pPr>
+              <a:lnSpc>
+                <a:spcPct val="90000"/>
+              </a:lnSpc>
+            </a:pPr>
+            <a:endParaRPr b="0" lang="en-US" sz="1800" spc="-1" strike="noStrike">
+              <a:solidFill>
+                <a:srgbClr val="000000"/>
+              </a:solidFill>
+              <a:uFill>
+                <a:solidFill>
+                  <a:srgbClr val="ffffff"/>
+                </a:solidFill>
+              </a:uFill>
+              <a:latin typeface="Arial"/>
+            </a:endParaRPr>
+          </a:p>
+        </p:txBody>
+      </p:sp>
+      <p:pic>
+        <p:nvPicPr>
+          <p:cNvPr id="106" name="Imagen 3" descr=""/>
+          <p:cNvPicPr/>
+          <p:nvPr/>
+        </p:nvPicPr>
+        <p:blipFill>
+          <a:blip r:embed="rId1"/>
+          <a:stretch/>
+        </p:blipFill>
+        <p:spPr>
+          <a:xfrm>
+            <a:off x="1718280" y="2287800"/>
+            <a:ext cx="9243360" cy="4569480"/>
+          </a:xfrm>
+          <a:prstGeom prst="rect">
+            <a:avLst/>
+          </a:prstGeom>
+          <a:ln>
+            <a:noFill/>
+          </a:ln>
+        </p:spPr>
+      </p:pic>
+    </p:spTree>
+  </p:cSld>
+  <p:timing>
+    <p:tnLst>
+      <p:par>
+        <p:cTn id="17" dur="indefinite" restart="never" nodeType="tmRoot">
+          <p:childTnLst>
+            <p:seq>
+              <p:cTn id="18" nodeType="mainSeq"/>
+              <p:prevCondLst>
+                <p:cond delay="0" evt="onPrev">
+                  <p:tgtEl>
+                    <p:sldTgt/>
+                  </p:tgtEl>
+                </p:cond>
+              </p:prevCondLst>
+              <p:nextCondLst>
+                <p:cond delay="0" evt="onNext">
+                  <p:tgtEl>
+                    <p:sldTgt/>
+                  </p:tgtEl>
+                </p:cond>
+              </p:nextCondLst>
+            </p:seq>
+          </p:childTnLst>
+        </p:cTn>
+      </p:par>
+    </p:tnLst>
+  </p:timing>
+</p:sld>
+</file>
+
+<file path=ppt/slides/slide11.xml><?xml version="1.0" encoding="utf-8"?>
+<p:sld xmlns:a="http://schemas.openxmlformats.org/drawingml/2006/main" xmlns:p="http://schemas.openxmlformats.org/presentationml/2006/main" xmlns:r="http://schemas.openxmlformats.org/officeDocument/2006/relationships" xmlns:p14="http://schemas.microsoft.com/office/powerpoint/2010/main" xmlns:p15="http://schemas.microsoft.com/office/powerpoint/2012/main" xmlns:mc="http://schemas.openxmlformats.org/markup-compatibility/2006">
+  <p:cSld>
+    <p:spTree>
+      <p:nvGrpSpPr>
+        <p:cNvPr id="1" name=""/>
+        <p:cNvGrpSpPr/>
+        <p:nvPr/>
+      </p:nvGrpSpPr>
+      <p:grpSpPr>
+        <a:xfrm>
+          <a:off x="0" y="0"/>
+          <a:ext cx="0" cy="0"/>
+          <a:chOff x="0" y="0"/>
+          <a:chExt cx="0" cy="0"/>
+        </a:xfrm>
+      </p:grpSpPr>
+      <p:sp>
+        <p:nvSpPr>
+          <p:cNvPr id="107" name="CustomShape 1"/>
+          <p:cNvSpPr/>
+          <p:nvPr/>
+        </p:nvSpPr>
+        <p:spPr>
+          <a:xfrm>
+            <a:off x="838080" y="365040"/>
+            <a:ext cx="10514880" cy="1324800"/>
+          </a:xfrm>
+          <a:prstGeom prst="rect">
+            <a:avLst/>
+          </a:prstGeom>
+          <a:noFill/>
+          <a:ln>
+            <a:noFill/>
+          </a:ln>
+        </p:spPr>
+        <p:style>
+          <a:lnRef idx="0"/>
+          <a:fillRef idx="0"/>
+          <a:effectRef idx="0"/>
+          <a:fontRef idx="minor"/>
+        </p:style>
+        <p:txBody>
+          <a:bodyPr lIns="90000" rIns="90000" tIns="45000" bIns="45000" anchor="ctr"/>
           <a:p>
             <a:pPr>
               <a:lnSpc>
@@ -4431,14 +4265,14 @@
                   <a:srgbClr val="ffffff"/>
                 </a:solidFill>
               </a:uFill>
-              <a:latin typeface="Calibri"/>
+              <a:latin typeface="Arial"/>
             </a:endParaRPr>
           </a:p>
         </p:txBody>
       </p:sp>
       <p:pic>
         <p:nvPicPr>
-          <p:cNvPr id="102" name="Imagen 3" descr=""/>
+          <p:cNvPr id="108" name="Imagen 3" descr=""/>
           <p:cNvPicPr/>
           <p:nvPr/>
         </p:nvPicPr>
@@ -4449,7 +4283,7 @@
         <p:spPr>
           <a:xfrm>
             <a:off x="0" y="1918440"/>
-            <a:ext cx="6257160" cy="4523760"/>
+            <a:ext cx="6256800" cy="4523400"/>
           </a:xfrm>
           <a:prstGeom prst="rect">
             <a:avLst/>
@@ -4461,7 +4295,7 @@
       </p:pic>
       <p:pic>
         <p:nvPicPr>
-          <p:cNvPr id="103" name="Imagen 4" descr=""/>
+          <p:cNvPr id="109" name="Imagen 4" descr=""/>
           <p:cNvPicPr/>
           <p:nvPr/>
         </p:nvPicPr>
@@ -4472,7 +4306,7 @@
         <p:spPr>
           <a:xfrm>
             <a:off x="5671800" y="1918440"/>
-            <a:ext cx="6519960" cy="4523760"/>
+            <a:ext cx="6519600" cy="4523400"/>
           </a:xfrm>
           <a:prstGeom prst="rect">
             <a:avLst/>
@@ -4533,14 +4367,14 @@
       </p:grpSpPr>
       <p:sp>
         <p:nvSpPr>
-          <p:cNvPr id="80" name="TextShape 1"/>
-          <p:cNvSpPr txBox="1"/>
+          <p:cNvPr id="74" name="CustomShape 1"/>
+          <p:cNvSpPr/>
           <p:nvPr/>
         </p:nvSpPr>
         <p:spPr>
           <a:xfrm>
             <a:off x="1523880" y="1122480"/>
-            <a:ext cx="9143640" cy="2387160"/>
+            <a:ext cx="9143280" cy="2386800"/>
           </a:xfrm>
           <a:prstGeom prst="rect">
             <a:avLst/>
@@ -4550,14 +4384,15 @@
             <a:noFill/>
           </a:ln>
         </p:spPr>
-        <p:txBody>
-          <a:bodyPr anchor="b"/>
-          <a:p>
-            <a:pPr algn="ctr">
-              <a:lnSpc>
-                <a:spcPct val="100000"/>
-              </a:lnSpc>
-            </a:pPr>
+        <p:style>
+          <a:lnRef idx="0"/>
+          <a:fillRef idx="0"/>
+          <a:effectRef idx="0"/>
+          <a:fontRef idx="minor"/>
+        </p:style>
+        <p:txBody>
+          <a:bodyPr lIns="90000" rIns="90000" tIns="45000" bIns="45000" anchor="b"/>
+          <a:p>
             <a:r>
               <a:rPr b="0" lang="en-US" sz="6000" spc="-1" strike="noStrike">
                 <a:solidFill>
@@ -4572,21 +4407,6 @@
               </a:rPr>
               <a:t>Cuadrados mínimos lineales (CML)</a:t>
             </a:r>
-            <a:r>
-              <a:rPr b="0" lang="en-US" sz="6000" spc="-1" strike="noStrike">
-                <a:solidFill>
-                  <a:srgbClr val="000000"/>
-                </a:solidFill>
-                <a:uFill>
-                  <a:solidFill>
-                    <a:srgbClr val="ffffff"/>
-                  </a:solidFill>
-                </a:uFill>
-                <a:latin typeface="Calibri Light"/>
-              </a:rPr>
-              <a:t>
-</a:t>
-            </a:r>
             <a:endParaRPr b="0" lang="en-US" sz="1800" spc="-1" strike="noStrike">
               <a:solidFill>
                 <a:srgbClr val="000000"/>
@@ -4596,21 +4416,39 @@
                   <a:srgbClr val="ffffff"/>
                 </a:solidFill>
               </a:uFill>
-              <a:latin typeface="Calibri"/>
-            </a:endParaRPr>
-          </a:p>
-        </p:txBody>
-      </p:sp>
-      <p:sp>
-        <p:nvSpPr>
-          <p:cNvPr id="81" name="TextShape 2"/>
-          <p:cNvSpPr txBox="1"/>
+              <a:latin typeface="Arial"/>
+            </a:endParaRPr>
+          </a:p>
+          <a:p>
+            <a:pPr algn="ctr">
+              <a:lnSpc>
+                <a:spcPct val="100000"/>
+              </a:lnSpc>
+            </a:pPr>
+            <a:endParaRPr b="0" lang="en-US" sz="1800" spc="-1" strike="noStrike">
+              <a:solidFill>
+                <a:srgbClr val="000000"/>
+              </a:solidFill>
+              <a:uFill>
+                <a:solidFill>
+                  <a:srgbClr val="ffffff"/>
+                </a:solidFill>
+              </a:uFill>
+              <a:latin typeface="Arial"/>
+            </a:endParaRPr>
+          </a:p>
+        </p:txBody>
+      </p:sp>
+      <p:sp>
+        <p:nvSpPr>
+          <p:cNvPr id="75" name="CustomShape 2"/>
+          <p:cNvSpPr/>
           <p:nvPr/>
         </p:nvSpPr>
         <p:spPr>
           <a:xfrm>
             <a:off x="1523880" y="3602160"/>
-            <a:ext cx="9143640" cy="1655280"/>
+            <a:ext cx="9143280" cy="1654920"/>
           </a:xfrm>
           <a:prstGeom prst="rect">
             <a:avLst/>
@@ -4620,8 +4458,14 @@
             <a:noFill/>
           </a:ln>
         </p:spPr>
-        <p:txBody>
-          <a:bodyPr/>
+        <p:style>
+          <a:lnRef idx="0"/>
+          <a:fillRef idx="0"/>
+          <a:effectRef idx="0"/>
+          <a:fontRef idx="minor"/>
+        </p:style>
+        <p:txBody>
+          <a:bodyPr lIns="90000" rIns="90000" tIns="45000" bIns="45000"/>
           <a:p>
             <a:pPr algn="ctr">
               <a:lnSpc>
@@ -4642,7 +4486,7 @@
               </a:rPr>
               <a:t>La técnica de cuadrados mínimos lineales se utiliza para calcular, dentro de una familia de funciones, cual es la que mejor aproxima a un conjunto de puntos (x1,y1)..(xm,ym). </a:t>
             </a:r>
-            <a:endParaRPr b="0" lang="en-US" sz="3200" spc="-1" strike="noStrike">
+            <a:endParaRPr b="0" lang="en-US" sz="1800" spc="-1" strike="noStrike">
               <a:solidFill>
                 <a:srgbClr val="000000"/>
               </a:solidFill>
@@ -4707,14 +4551,14 @@
       </p:grpSpPr>
       <p:sp>
         <p:nvSpPr>
-          <p:cNvPr id="82" name="TextShape 1"/>
-          <p:cNvSpPr txBox="1"/>
+          <p:cNvPr id="76" name="CustomShape 1"/>
+          <p:cNvSpPr/>
           <p:nvPr/>
         </p:nvSpPr>
         <p:spPr>
           <a:xfrm>
             <a:off x="838080" y="365040"/>
-            <a:ext cx="10515240" cy="1325160"/>
+            <a:ext cx="10514880" cy="1324800"/>
           </a:xfrm>
           <a:prstGeom prst="rect">
             <a:avLst/>
@@ -4724,8 +4568,14 @@
             <a:noFill/>
           </a:ln>
         </p:spPr>
-        <p:txBody>
-          <a:bodyPr anchor="ctr"/>
+        <p:style>
+          <a:lnRef idx="0"/>
+          <a:fillRef idx="0"/>
+          <a:effectRef idx="0"/>
+          <a:fontRef idx="minor"/>
+        </p:style>
+        <p:txBody>
+          <a:bodyPr lIns="90000" rIns="90000" tIns="45000" bIns="45000" anchor="ctr"/>
           <a:p>
             <a:pPr>
               <a:lnSpc>
@@ -4755,21 +4605,21 @@
                   <a:srgbClr val="ffffff"/>
                 </a:solidFill>
               </a:uFill>
-              <a:latin typeface="Calibri"/>
-            </a:endParaRPr>
-          </a:p>
-        </p:txBody>
-      </p:sp>
-      <p:sp>
-        <p:nvSpPr>
-          <p:cNvPr id="83" name="TextShape 2"/>
-          <p:cNvSpPr txBox="1"/>
+              <a:latin typeface="Arial"/>
+            </a:endParaRPr>
+          </a:p>
+        </p:txBody>
+      </p:sp>
+      <p:sp>
+        <p:nvSpPr>
+          <p:cNvPr id="77" name="CustomShape 2"/>
+          <p:cNvSpPr/>
           <p:nvPr/>
         </p:nvSpPr>
         <p:spPr>
           <a:xfrm>
             <a:off x="838080" y="1825560"/>
-            <a:ext cx="10515240" cy="4350960"/>
+            <a:ext cx="10514880" cy="4350600"/>
           </a:xfrm>
           <a:prstGeom prst="rect">
             <a:avLst/>
@@ -4779,10 +4629,16 @@
             <a:noFill/>
           </a:ln>
         </p:spPr>
-        <p:txBody>
-          <a:bodyPr/>
-          <a:p>
-            <a:pPr marL="228600" indent="-228240">
+        <p:style>
+          <a:lnRef idx="0"/>
+          <a:fillRef idx="0"/>
+          <a:effectRef idx="0"/>
+          <a:fontRef idx="minor"/>
+        </p:style>
+        <p:txBody>
+          <a:bodyPr lIns="90000" rIns="90000" tIns="45000" bIns="45000"/>
+          <a:p>
+            <a:pPr marL="228600" indent="-227880">
               <a:lnSpc>
                 <a:spcPct val="90000"/>
               </a:lnSpc>
@@ -4806,20 +4662,20 @@
               </a:rPr>
               <a:t>WinRate: Es la métrica más simple, se calcula winrate = #Victorias/#Partidos</a:t>
             </a:r>
-            <a:endParaRPr b="0" lang="en-US" sz="2800" spc="-1" strike="noStrike">
-              <a:solidFill>
-                <a:srgbClr val="000000"/>
-              </a:solidFill>
-              <a:uFill>
-                <a:solidFill>
-                  <a:srgbClr val="ffffff"/>
-                </a:solidFill>
-              </a:uFill>
-              <a:latin typeface="Calibri"/>
-            </a:endParaRPr>
-          </a:p>
-          <a:p>
-            <a:pPr marL="228600" indent="-228240">
+            <a:endParaRPr b="0" lang="en-US" sz="1800" spc="-1" strike="noStrike">
+              <a:solidFill>
+                <a:srgbClr val="000000"/>
+              </a:solidFill>
+              <a:uFill>
+                <a:solidFill>
+                  <a:srgbClr val="ffffff"/>
+                </a:solidFill>
+              </a:uFill>
+              <a:latin typeface="Arial"/>
+            </a:endParaRPr>
+          </a:p>
+          <a:p>
+            <a:pPr marL="228600" indent="-227880">
               <a:lnSpc>
                 <a:spcPct val="90000"/>
               </a:lnSpc>
@@ -4843,20 +4699,20 @@
               </a:rPr>
               <a:t>Four Factors:  Consiste en ponderar las estadísticas Shooting, Turnovers, Rebounding, Free throws del equipo para obtenerla.</a:t>
             </a:r>
-            <a:endParaRPr b="0" lang="en-US" sz="2800" spc="-1" strike="noStrike">
-              <a:solidFill>
-                <a:srgbClr val="000000"/>
-              </a:solidFill>
-              <a:uFill>
-                <a:solidFill>
-                  <a:srgbClr val="ffffff"/>
-                </a:solidFill>
-              </a:uFill>
-              <a:latin typeface="Calibri"/>
-            </a:endParaRPr>
-          </a:p>
-          <a:p>
-            <a:pPr marL="228600" indent="-228240">
+            <a:endParaRPr b="0" lang="en-US" sz="1800" spc="-1" strike="noStrike">
+              <a:solidFill>
+                <a:srgbClr val="000000"/>
+              </a:solidFill>
+              <a:uFill>
+                <a:solidFill>
+                  <a:srgbClr val="ffffff"/>
+                </a:solidFill>
+              </a:uFill>
+              <a:latin typeface="Arial"/>
+            </a:endParaRPr>
+          </a:p>
+          <a:p>
+            <a:pPr marL="228600" indent="-227880">
               <a:lnSpc>
                 <a:spcPct val="90000"/>
               </a:lnSpc>
@@ -4880,16 +4736,16 @@
               </a:rPr>
               <a:t>Player Eﬃciency Rate (PER):  Es una métrica calculada con las estadísticas de los jugadores y algunas del equipo. La misma fue desarrollada por ESPN y se concentra mucho en estadísticas ofensivas.</a:t>
             </a:r>
-            <a:endParaRPr b="0" lang="en-US" sz="2800" spc="-1" strike="noStrike">
-              <a:solidFill>
-                <a:srgbClr val="000000"/>
-              </a:solidFill>
-              <a:uFill>
-                <a:solidFill>
-                  <a:srgbClr val="ffffff"/>
-                </a:solidFill>
-              </a:uFill>
-              <a:latin typeface="Calibri"/>
+            <a:endParaRPr b="0" lang="en-US" sz="1800" spc="-1" strike="noStrike">
+              <a:solidFill>
+                <a:srgbClr val="000000"/>
+              </a:solidFill>
+              <a:uFill>
+                <a:solidFill>
+                  <a:srgbClr val="ffffff"/>
+                </a:solidFill>
+              </a:uFill>
+              <a:latin typeface="Arial"/>
             </a:endParaRPr>
           </a:p>
           <a:p>
@@ -4898,16 +4754,16 @@
                 <a:spcPct val="90000"/>
               </a:lnSpc>
             </a:pPr>
-            <a:endParaRPr b="0" lang="en-US" sz="2800" spc="-1" strike="noStrike">
-              <a:solidFill>
-                <a:srgbClr val="000000"/>
-              </a:solidFill>
-              <a:uFill>
-                <a:solidFill>
-                  <a:srgbClr val="ffffff"/>
-                </a:solidFill>
-              </a:uFill>
-              <a:latin typeface="Calibri"/>
+            <a:endParaRPr b="0" lang="en-US" sz="1800" spc="-1" strike="noStrike">
+              <a:solidFill>
+                <a:srgbClr val="000000"/>
+              </a:solidFill>
+              <a:uFill>
+                <a:solidFill>
+                  <a:srgbClr val="ffffff"/>
+                </a:solidFill>
+              </a:uFill>
+              <a:latin typeface="Arial"/>
             </a:endParaRPr>
           </a:p>
         </p:txBody>
@@ -4963,14 +4819,14 @@
       </p:grpSpPr>
       <p:sp>
         <p:nvSpPr>
-          <p:cNvPr id="84" name="TextShape 1"/>
-          <p:cNvSpPr txBox="1"/>
+          <p:cNvPr id="78" name="CustomShape 1"/>
+          <p:cNvSpPr/>
           <p:nvPr/>
         </p:nvSpPr>
         <p:spPr>
           <a:xfrm>
             <a:off x="838080" y="365040"/>
-            <a:ext cx="10515240" cy="1325160"/>
+            <a:ext cx="10514880" cy="1324800"/>
           </a:xfrm>
           <a:prstGeom prst="rect">
             <a:avLst/>
@@ -4980,8 +4836,14 @@
             <a:noFill/>
           </a:ln>
         </p:spPr>
-        <p:txBody>
-          <a:bodyPr anchor="ctr"/>
+        <p:style>
+          <a:lnRef idx="0"/>
+          <a:fillRef idx="0"/>
+          <a:effectRef idx="0"/>
+          <a:fontRef idx="minor"/>
+        </p:style>
+        <p:txBody>
+          <a:bodyPr lIns="90000" rIns="90000" tIns="45000" bIns="45000" anchor="ctr"/>
           <a:p>
             <a:pPr>
               <a:lnSpc>
@@ -5011,21 +4873,21 @@
                   <a:srgbClr val="ffffff"/>
                 </a:solidFill>
               </a:uFill>
-              <a:latin typeface="Calibri"/>
-            </a:endParaRPr>
-          </a:p>
-        </p:txBody>
-      </p:sp>
-      <p:sp>
-        <p:nvSpPr>
-          <p:cNvPr id="85" name="TextShape 2"/>
-          <p:cNvSpPr txBox="1"/>
+              <a:latin typeface="Arial"/>
+            </a:endParaRPr>
+          </a:p>
+        </p:txBody>
+      </p:sp>
+      <p:sp>
+        <p:nvSpPr>
+          <p:cNvPr id="79" name="CustomShape 2"/>
+          <p:cNvSpPr/>
           <p:nvPr/>
         </p:nvSpPr>
         <p:spPr>
           <a:xfrm>
             <a:off x="838080" y="1825560"/>
-            <a:ext cx="10515240" cy="4350960"/>
+            <a:ext cx="10514880" cy="4350600"/>
           </a:xfrm>
           <a:prstGeom prst="rect">
             <a:avLst/>
@@ -5035,10 +4897,16 @@
             <a:noFill/>
           </a:ln>
         </p:spPr>
-        <p:txBody>
-          <a:bodyPr/>
-          <a:p>
-            <a:pPr marL="228600" indent="-228240">
+        <p:style>
+          <a:lnRef idx="0"/>
+          <a:fillRef idx="0"/>
+          <a:effectRef idx="0"/>
+          <a:fontRef idx="minor"/>
+        </p:style>
+        <p:txBody>
+          <a:bodyPr lIns="90000" rIns="90000" tIns="45000" bIns="45000"/>
+          <a:p>
+            <a:pPr marL="228600" indent="-227880">
               <a:lnSpc>
                 <a:spcPct val="90000"/>
               </a:lnSpc>
@@ -5062,20 +4930,20 @@
               </a:rPr>
               <a:t>Métrica basadas en el equipo</a:t>
             </a:r>
-            <a:endParaRPr b="0" lang="en-US" sz="2800" spc="-1" strike="noStrike">
-              <a:solidFill>
-                <a:srgbClr val="000000"/>
-              </a:solidFill>
-              <a:uFill>
-                <a:solidFill>
-                  <a:srgbClr val="ffffff"/>
-                </a:solidFill>
-              </a:uFill>
-              <a:latin typeface="Calibri"/>
-            </a:endParaRPr>
-          </a:p>
-          <a:p>
-            <a:pPr lvl="1" marL="685800" indent="-228240">
+            <a:endParaRPr b="0" lang="en-US" sz="1800" spc="-1" strike="noStrike">
+              <a:solidFill>
+                <a:srgbClr val="000000"/>
+              </a:solidFill>
+              <a:uFill>
+                <a:solidFill>
+                  <a:srgbClr val="ffffff"/>
+                </a:solidFill>
+              </a:uFill>
+              <a:latin typeface="Arial"/>
+            </a:endParaRPr>
+          </a:p>
+          <a:p>
+            <a:pPr lvl="1" marL="685800" indent="-227880">
               <a:lnSpc>
                 <a:spcPct val="100000"/>
               </a:lnSpc>
@@ -5099,20 +4967,20 @@
               </a:rPr>
               <a:t>Usando un subconjunto de estadísticas:  Se eligieron las 9 estadísticas que mostraron gráficamente mayor covarianza con el winrate.</a:t>
             </a:r>
-            <a:endParaRPr b="0" lang="en-US" sz="2000" spc="-1" strike="noStrike">
-              <a:solidFill>
-                <a:srgbClr val="000000"/>
-              </a:solidFill>
-              <a:uFill>
-                <a:solidFill>
-                  <a:srgbClr val="ffffff"/>
-                </a:solidFill>
-              </a:uFill>
-              <a:latin typeface="Calibri"/>
-            </a:endParaRPr>
-          </a:p>
-          <a:p>
-            <a:pPr lvl="1" marL="685800" indent="-228240">
+            <a:endParaRPr b="0" lang="en-US" sz="1800" spc="-1" strike="noStrike">
+              <a:solidFill>
+                <a:srgbClr val="000000"/>
+              </a:solidFill>
+              <a:uFill>
+                <a:solidFill>
+                  <a:srgbClr val="ffffff"/>
+                </a:solidFill>
+              </a:uFill>
+              <a:latin typeface="Arial"/>
+            </a:endParaRPr>
+          </a:p>
+          <a:p>
+            <a:pPr lvl="1" marL="685800" indent="-227880">
               <a:lnSpc>
                 <a:spcPct val="100000"/>
               </a:lnSpc>
@@ -5136,20 +5004,20 @@
               </a:rPr>
               <a:t>Usando todas las estadísticas: Se observó experimentalmente que usar todas las estadísticas disponibles para un equipo el resultado era mejor (menor ECM).</a:t>
             </a:r>
-            <a:endParaRPr b="0" lang="en-US" sz="2000" spc="-1" strike="noStrike">
-              <a:solidFill>
-                <a:srgbClr val="000000"/>
-              </a:solidFill>
-              <a:uFill>
-                <a:solidFill>
-                  <a:srgbClr val="ffffff"/>
-                </a:solidFill>
-              </a:uFill>
-              <a:latin typeface="Calibri"/>
-            </a:endParaRPr>
-          </a:p>
-          <a:p>
-            <a:pPr marL="228600" indent="-228240">
+            <a:endParaRPr b="0" lang="en-US" sz="1800" spc="-1" strike="noStrike">
+              <a:solidFill>
+                <a:srgbClr val="000000"/>
+              </a:solidFill>
+              <a:uFill>
+                <a:solidFill>
+                  <a:srgbClr val="ffffff"/>
+                </a:solidFill>
+              </a:uFill>
+              <a:latin typeface="Arial"/>
+            </a:endParaRPr>
+          </a:p>
+          <a:p>
+            <a:pPr marL="228600" indent="-227880">
               <a:lnSpc>
                 <a:spcPct val="90000"/>
               </a:lnSpc>
@@ -5173,20 +5041,20 @@
               </a:rPr>
               <a:t>Métricas basadas en los jugadores:</a:t>
             </a:r>
-            <a:endParaRPr b="0" lang="en-US" sz="2800" spc="-1" strike="noStrike">
-              <a:solidFill>
-                <a:srgbClr val="000000"/>
-              </a:solidFill>
-              <a:uFill>
-                <a:solidFill>
-                  <a:srgbClr val="ffffff"/>
-                </a:solidFill>
-              </a:uFill>
-              <a:latin typeface="Calibri"/>
-            </a:endParaRPr>
-          </a:p>
-          <a:p>
-            <a:pPr lvl="1" marL="685800" indent="-228240">
+            <a:endParaRPr b="0" lang="en-US" sz="1800" spc="-1" strike="noStrike">
+              <a:solidFill>
+                <a:srgbClr val="000000"/>
+              </a:solidFill>
+              <a:uFill>
+                <a:solidFill>
+                  <a:srgbClr val="ffffff"/>
+                </a:solidFill>
+              </a:uFill>
+              <a:latin typeface="Arial"/>
+            </a:endParaRPr>
+          </a:p>
+          <a:p>
+            <a:pPr lvl="1" marL="685800" indent="-227880">
               <a:lnSpc>
                 <a:spcPct val="100000"/>
               </a:lnSpc>
@@ -5210,16 +5078,16 @@
               </a:rPr>
               <a:t>Se eligieron estadísticas defensivas para de ésta manera contrastar con las estadísticas ofensivas elegidas para el cálculo de PER.</a:t>
             </a:r>
-            <a:endParaRPr b="0" lang="en-US" sz="2000" spc="-1" strike="noStrike">
-              <a:solidFill>
-                <a:srgbClr val="000000"/>
-              </a:solidFill>
-              <a:uFill>
-                <a:solidFill>
-                  <a:srgbClr val="ffffff"/>
-                </a:solidFill>
-              </a:uFill>
-              <a:latin typeface="Calibri"/>
+            <a:endParaRPr b="0" lang="en-US" sz="1800" spc="-1" strike="noStrike">
+              <a:solidFill>
+                <a:srgbClr val="000000"/>
+              </a:solidFill>
+              <a:uFill>
+                <a:solidFill>
+                  <a:srgbClr val="ffffff"/>
+                </a:solidFill>
+              </a:uFill>
+              <a:latin typeface="Arial"/>
             </a:endParaRPr>
           </a:p>
         </p:txBody>
@@ -5275,14 +5143,14 @@
       </p:grpSpPr>
       <p:sp>
         <p:nvSpPr>
-          <p:cNvPr id="86" name="TextShape 1"/>
-          <p:cNvSpPr txBox="1"/>
+          <p:cNvPr id="80" name="CustomShape 1"/>
+          <p:cNvSpPr/>
           <p:nvPr/>
         </p:nvSpPr>
         <p:spPr>
           <a:xfrm>
             <a:off x="838080" y="365040"/>
-            <a:ext cx="10515240" cy="1325160"/>
+            <a:ext cx="10514880" cy="1324800"/>
           </a:xfrm>
           <a:prstGeom prst="rect">
             <a:avLst/>
@@ -5292,8 +5160,14 @@
             <a:noFill/>
           </a:ln>
         </p:spPr>
-        <p:txBody>
-          <a:bodyPr anchor="ctr"/>
+        <p:style>
+          <a:lnRef idx="0"/>
+          <a:fillRef idx="0"/>
+          <a:effectRef idx="0"/>
+          <a:fontRef idx="minor"/>
+        </p:style>
+        <p:txBody>
+          <a:bodyPr lIns="90000" rIns="90000" tIns="45000" bIns="45000" anchor="ctr"/>
           <a:p>
             <a:pPr>
               <a:lnSpc>
@@ -5312,301 +5186,7 @@
                 </a:uFill>
                 <a:latin typeface="Calibri Light"/>
               </a:rPr>
-              <a:t>Mé</a:t>
-            </a:r>
-            <a:r>
-              <a:rPr b="0" lang="en-US" sz="4400" spc="-1" strike="noStrike">
-                <a:solidFill>
-                  <a:srgbClr val="000000"/>
-                </a:solidFill>
-                <a:uFill>
-                  <a:solidFill>
-                    <a:srgbClr val="ffffff"/>
-                  </a:solidFill>
-                </a:uFill>
-                <a:latin typeface="Calibri Light"/>
-              </a:rPr>
-              <a:t>tric</a:t>
-            </a:r>
-            <a:r>
-              <a:rPr b="0" lang="en-US" sz="4400" spc="-1" strike="noStrike">
-                <a:solidFill>
-                  <a:srgbClr val="000000"/>
-                </a:solidFill>
-                <a:uFill>
-                  <a:solidFill>
-                    <a:srgbClr val="ffffff"/>
-                  </a:solidFill>
-                </a:uFill>
-                <a:latin typeface="Calibri Light"/>
-              </a:rPr>
-              <a:t>a </a:t>
-            </a:r>
-            <a:r>
-              <a:rPr b="0" lang="en-US" sz="4400" spc="-1" strike="noStrike">
-                <a:solidFill>
-                  <a:srgbClr val="000000"/>
-                </a:solidFill>
-                <a:uFill>
-                  <a:solidFill>
-                    <a:srgbClr val="ffffff"/>
-                  </a:solidFill>
-                </a:uFill>
-                <a:latin typeface="Calibri Light"/>
-              </a:rPr>
-              <a:t>de </a:t>
-            </a:r>
-            <a:r>
-              <a:rPr b="0" lang="en-US" sz="4400" spc="-1" strike="noStrike">
-                <a:solidFill>
-                  <a:srgbClr val="000000"/>
-                </a:solidFill>
-                <a:uFill>
-                  <a:solidFill>
-                    <a:srgbClr val="ffffff"/>
-                  </a:solidFill>
-                </a:uFill>
-                <a:latin typeface="Calibri Light"/>
-              </a:rPr>
-              <a:t>eq</a:t>
-            </a:r>
-            <a:r>
-              <a:rPr b="0" lang="en-US" sz="4400" spc="-1" strike="noStrike">
-                <a:solidFill>
-                  <a:srgbClr val="000000"/>
-                </a:solidFill>
-                <a:uFill>
-                  <a:solidFill>
-                    <a:srgbClr val="ffffff"/>
-                  </a:solidFill>
-                </a:uFill>
-                <a:latin typeface="Calibri Light"/>
-              </a:rPr>
-              <a:t>uip</a:t>
-            </a:r>
-            <a:r>
-              <a:rPr b="0" lang="en-US" sz="4400" spc="-1" strike="noStrike">
-                <a:solidFill>
-                  <a:srgbClr val="000000"/>
-                </a:solidFill>
-                <a:uFill>
-                  <a:solidFill>
-                    <a:srgbClr val="ffffff"/>
-                  </a:solidFill>
-                </a:uFill>
-                <a:latin typeface="Calibri Light"/>
-              </a:rPr>
-              <a:t>o </a:t>
-            </a:r>
-            <a:r>
-              <a:rPr b="0" lang="en-US" sz="4400" spc="-1" strike="noStrike">
-                <a:solidFill>
-                  <a:srgbClr val="000000"/>
-                </a:solidFill>
-                <a:uFill>
-                  <a:solidFill>
-                    <a:srgbClr val="ffffff"/>
-                  </a:solidFill>
-                </a:uFill>
-                <a:latin typeface="Calibri Light"/>
-              </a:rPr>
-              <a:t>us</a:t>
-            </a:r>
-            <a:r>
-              <a:rPr b="0" lang="en-US" sz="4400" spc="-1" strike="noStrike">
-                <a:solidFill>
-                  <a:srgbClr val="000000"/>
-                </a:solidFill>
-                <a:uFill>
-                  <a:solidFill>
-                    <a:srgbClr val="ffffff"/>
-                  </a:solidFill>
-                </a:uFill>
-                <a:latin typeface="Calibri Light"/>
-              </a:rPr>
-              <a:t>an</a:t>
-            </a:r>
-            <a:r>
-              <a:rPr b="0" lang="en-US" sz="4400" spc="-1" strike="noStrike">
-                <a:solidFill>
-                  <a:srgbClr val="000000"/>
-                </a:solidFill>
-                <a:uFill>
-                  <a:solidFill>
-                    <a:srgbClr val="ffffff"/>
-                  </a:solidFill>
-                </a:uFill>
-                <a:latin typeface="Calibri Light"/>
-              </a:rPr>
-              <a:t>do </a:t>
-            </a:r>
-            <a:r>
-              <a:rPr b="0" lang="en-US" sz="4400" spc="-1" strike="noStrike">
-                <a:solidFill>
-                  <a:srgbClr val="000000"/>
-                </a:solidFill>
-                <a:uFill>
-                  <a:solidFill>
-                    <a:srgbClr val="ffffff"/>
-                  </a:solidFill>
-                </a:uFill>
-                <a:latin typeface="Calibri Light"/>
-              </a:rPr>
-              <a:t>un </a:t>
-            </a:r>
-            <a:r>
-              <a:rPr b="0" lang="en-US" sz="4400" spc="-1" strike="noStrike">
-                <a:solidFill>
-                  <a:srgbClr val="000000"/>
-                </a:solidFill>
-                <a:uFill>
-                  <a:solidFill>
-                    <a:srgbClr val="ffffff"/>
-                  </a:solidFill>
-                </a:uFill>
-                <a:latin typeface="Calibri Light"/>
-              </a:rPr>
-              <a:t>su</a:t>
-            </a:r>
-            <a:r>
-              <a:rPr b="0" lang="en-US" sz="4400" spc="-1" strike="noStrike">
-                <a:solidFill>
-                  <a:srgbClr val="000000"/>
-                </a:solidFill>
-                <a:uFill>
-                  <a:solidFill>
-                    <a:srgbClr val="ffffff"/>
-                  </a:solidFill>
-                </a:uFill>
-                <a:latin typeface="Calibri Light"/>
-              </a:rPr>
-              <a:t>bc</a:t>
-            </a:r>
-            <a:r>
-              <a:rPr b="0" lang="en-US" sz="4400" spc="-1" strike="noStrike">
-                <a:solidFill>
-                  <a:srgbClr val="000000"/>
-                </a:solidFill>
-                <a:uFill>
-                  <a:solidFill>
-                    <a:srgbClr val="ffffff"/>
-                  </a:solidFill>
-                </a:uFill>
-                <a:latin typeface="Calibri Light"/>
-              </a:rPr>
-              <a:t>onj</a:t>
-            </a:r>
-            <a:r>
-              <a:rPr b="0" lang="en-US" sz="4400" spc="-1" strike="noStrike">
-                <a:solidFill>
-                  <a:srgbClr val="000000"/>
-                </a:solidFill>
-                <a:uFill>
-                  <a:solidFill>
-                    <a:srgbClr val="ffffff"/>
-                  </a:solidFill>
-                </a:uFill>
-                <a:latin typeface="Calibri Light"/>
-              </a:rPr>
-              <a:t>un</a:t>
-            </a:r>
-            <a:r>
-              <a:rPr b="0" lang="en-US" sz="4400" spc="-1" strike="noStrike">
-                <a:solidFill>
-                  <a:srgbClr val="000000"/>
-                </a:solidFill>
-                <a:uFill>
-                  <a:solidFill>
-                    <a:srgbClr val="ffffff"/>
-                  </a:solidFill>
-                </a:uFill>
-                <a:latin typeface="Calibri Light"/>
-              </a:rPr>
-              <a:t>to </a:t>
-            </a:r>
-            <a:r>
-              <a:rPr b="0" lang="en-US" sz="4400" spc="-1" strike="noStrike">
-                <a:solidFill>
-                  <a:srgbClr val="000000"/>
-                </a:solidFill>
-                <a:uFill>
-                  <a:solidFill>
-                    <a:srgbClr val="ffffff"/>
-                  </a:solidFill>
-                </a:uFill>
-                <a:latin typeface="Calibri Light"/>
-              </a:rPr>
-              <a:t>de  </a:t>
-            </a:r>
-            <a:r>
-              <a:rPr b="0" lang="en-US" sz="4400" spc="-1" strike="noStrike">
-                <a:solidFill>
-                  <a:srgbClr val="000000"/>
-                </a:solidFill>
-                <a:uFill>
-                  <a:solidFill>
-                    <a:srgbClr val="ffffff"/>
-                  </a:solidFill>
-                </a:uFill>
-                <a:latin typeface="Calibri Light"/>
-              </a:rPr>
-              <a:t>est</a:t>
-            </a:r>
-            <a:r>
-              <a:rPr b="0" lang="en-US" sz="4400" spc="-1" strike="noStrike">
-                <a:solidFill>
-                  <a:srgbClr val="000000"/>
-                </a:solidFill>
-                <a:uFill>
-                  <a:solidFill>
-                    <a:srgbClr val="ffffff"/>
-                  </a:solidFill>
-                </a:uFill>
-                <a:latin typeface="Calibri Light"/>
-              </a:rPr>
-              <a:t>adí</a:t>
-            </a:r>
-            <a:r>
-              <a:rPr b="0" lang="en-US" sz="4400" spc="-1" strike="noStrike">
-                <a:solidFill>
-                  <a:srgbClr val="000000"/>
-                </a:solidFill>
-                <a:uFill>
-                  <a:solidFill>
-                    <a:srgbClr val="ffffff"/>
-                  </a:solidFill>
-                </a:uFill>
-                <a:latin typeface="Calibri Light"/>
-              </a:rPr>
-              <a:t>sti</a:t>
-            </a:r>
-            <a:r>
-              <a:rPr b="0" lang="en-US" sz="4400" spc="-1" strike="noStrike">
-                <a:solidFill>
-                  <a:srgbClr val="000000"/>
-                </a:solidFill>
-                <a:uFill>
-                  <a:solidFill>
-                    <a:srgbClr val="ffffff"/>
-                  </a:solidFill>
-                </a:uFill>
-                <a:latin typeface="Calibri Light"/>
-              </a:rPr>
-              <a:t>ca</a:t>
-            </a:r>
-            <a:r>
-              <a:rPr b="0" lang="en-US" sz="4400" spc="-1" strike="noStrike">
-                <a:solidFill>
-                  <a:srgbClr val="000000"/>
-                </a:solidFill>
-                <a:uFill>
-                  <a:solidFill>
-                    <a:srgbClr val="ffffff"/>
-                  </a:solidFill>
-                </a:uFill>
-                <a:latin typeface="Calibri Light"/>
-              </a:rPr>
-              <a:t>s</a:t>
+              <a:t>Métrica de equipo usando un subconjunto de  estadísticas</a:t>
             </a:r>
             <a:endParaRPr b="0" lang="en-US" sz="1800" spc="-1" strike="noStrike">
               <a:solidFill>
@@ -5617,21 +5197,21 @@
                   <a:srgbClr val="ffffff"/>
                 </a:solidFill>
               </a:uFill>
-              <a:latin typeface="Calibri"/>
-            </a:endParaRPr>
-          </a:p>
-        </p:txBody>
-      </p:sp>
-      <p:sp>
-        <p:nvSpPr>
-          <p:cNvPr id="87" name="TextShape 2"/>
-          <p:cNvSpPr txBox="1"/>
+              <a:latin typeface="Arial"/>
+            </a:endParaRPr>
+          </a:p>
+        </p:txBody>
+      </p:sp>
+      <p:sp>
+        <p:nvSpPr>
+          <p:cNvPr id="81" name="CustomShape 2"/>
+          <p:cNvSpPr/>
           <p:nvPr/>
         </p:nvSpPr>
         <p:spPr>
           <a:xfrm>
             <a:off x="640080" y="1828800"/>
-            <a:ext cx="10424160" cy="4347720"/>
+            <a:ext cx="10423800" cy="4347360"/>
           </a:xfrm>
           <a:prstGeom prst="rect">
             <a:avLst/>
@@ -5641,8 +5221,14 @@
             <a:noFill/>
           </a:ln>
         </p:spPr>
-        <p:txBody>
-          <a:bodyPr/>
+        <p:style>
+          <a:lnRef idx="0"/>
+          <a:fillRef idx="0"/>
+          <a:effectRef idx="0"/>
+          <a:fontRef idx="minor"/>
+        </p:style>
+        <p:txBody>
+          <a:bodyPr lIns="90000" rIns="90000" tIns="45000" bIns="45000"/>
           <a:p>
             <a:pPr>
               <a:lnSpc>
@@ -5663,23 +5249,23 @@
               </a:rPr>
               <a:t>Elegimos las siguientes estadísticas: 2P%, 3P%, FG%, P/G%, DR, 2PA%, FGA%, AA% y PA</a:t>
             </a:r>
-            <a:endParaRPr b="0" lang="en-US" sz="2800" spc="-1" strike="noStrike">
-              <a:solidFill>
-                <a:srgbClr val="000000"/>
-              </a:solidFill>
-              <a:uFill>
-                <a:solidFill>
-                  <a:srgbClr val="ffffff"/>
-                </a:solidFill>
-              </a:uFill>
-              <a:latin typeface="Calibri"/>
+            <a:endParaRPr b="0" lang="en-US" sz="1800" spc="-1" strike="noStrike">
+              <a:solidFill>
+                <a:srgbClr val="000000"/>
+              </a:solidFill>
+              <a:uFill>
+                <a:solidFill>
+                  <a:srgbClr val="ffffff"/>
+                </a:solidFill>
+              </a:uFill>
+              <a:latin typeface="Arial"/>
             </a:endParaRPr>
           </a:p>
         </p:txBody>
       </p:sp>
       <p:pic>
         <p:nvPicPr>
-          <p:cNvPr id="88" name="Imagen 3" descr=""/>
+          <p:cNvPr id="82" name="Imagen 3" descr=""/>
           <p:cNvPicPr/>
           <p:nvPr/>
         </p:nvPicPr>
@@ -5690,7 +5276,7 @@
         <p:spPr>
           <a:xfrm>
             <a:off x="6858000" y="3291840"/>
-            <a:ext cx="3211920" cy="2408760"/>
+            <a:ext cx="3211560" cy="2408400"/>
           </a:xfrm>
           <a:prstGeom prst="rect">
             <a:avLst/>
@@ -5702,7 +5288,7 @@
       </p:pic>
       <p:pic>
         <p:nvPicPr>
-          <p:cNvPr id="89" name="Imagen 11" descr=""/>
+          <p:cNvPr id="83" name="Imagen 11" descr=""/>
           <p:cNvPicPr/>
           <p:nvPr/>
         </p:nvPicPr>
@@ -5713,7 +5299,7 @@
         <p:spPr>
           <a:xfrm>
             <a:off x="1737360" y="3291840"/>
-            <a:ext cx="3108960" cy="2331360"/>
+            <a:ext cx="3108600" cy="2331000"/>
           </a:xfrm>
           <a:prstGeom prst="rect">
             <a:avLst/>
@@ -5725,14 +5311,14 @@
       </p:pic>
       <p:sp>
         <p:nvSpPr>
-          <p:cNvPr id="90" name="TextShape 3"/>
-          <p:cNvSpPr txBox="1"/>
+          <p:cNvPr id="84" name="CustomShape 3"/>
+          <p:cNvSpPr/>
           <p:nvPr/>
         </p:nvSpPr>
         <p:spPr>
           <a:xfrm>
             <a:off x="2834640" y="5669280"/>
-            <a:ext cx="2286000" cy="346320"/>
+            <a:ext cx="2285640" cy="345960"/>
           </a:xfrm>
           <a:prstGeom prst="rect">
             <a:avLst/>
@@ -5742,6 +5328,12 @@
             <a:noFill/>
           </a:ln>
         </p:spPr>
+        <p:style>
+          <a:lnRef idx="0"/>
+          <a:fillRef idx="0"/>
+          <a:effectRef idx="0"/>
+          <a:fontRef idx="minor"/>
+        </p:style>
         <p:txBody>
           <a:bodyPr lIns="90000" rIns="90000" tIns="45000" bIns="45000"/>
           <a:p>
@@ -5775,14 +5367,14 @@
       </p:sp>
       <p:sp>
         <p:nvSpPr>
-          <p:cNvPr id="91" name="TextShape 4"/>
-          <p:cNvSpPr txBox="1"/>
+          <p:cNvPr id="85" name="CustomShape 4"/>
+          <p:cNvSpPr/>
           <p:nvPr/>
         </p:nvSpPr>
         <p:spPr>
           <a:xfrm>
             <a:off x="8138160" y="5760720"/>
-            <a:ext cx="1097280" cy="457200"/>
+            <a:ext cx="1096920" cy="456840"/>
           </a:xfrm>
           <a:prstGeom prst="rect">
             <a:avLst/>
@@ -5792,6 +5384,12 @@
             <a:noFill/>
           </a:ln>
         </p:spPr>
+        <p:style>
+          <a:lnRef idx="0"/>
+          <a:fillRef idx="0"/>
+          <a:effectRef idx="0"/>
+          <a:fontRef idx="minor"/>
+        </p:style>
         <p:txBody>
           <a:bodyPr lIns="90000" rIns="90000" tIns="45000" bIns="45000"/>
           <a:p>
@@ -5874,14 +5472,14 @@
       </p:grpSpPr>
       <p:sp>
         <p:nvSpPr>
-          <p:cNvPr id="92" name="TextShape 1"/>
-          <p:cNvSpPr txBox="1"/>
+          <p:cNvPr id="86" name="CustomShape 1"/>
+          <p:cNvSpPr/>
           <p:nvPr/>
         </p:nvSpPr>
         <p:spPr>
           <a:xfrm>
             <a:off x="838080" y="365040"/>
-            <a:ext cx="10515240" cy="1325160"/>
+            <a:ext cx="10514880" cy="1324800"/>
           </a:xfrm>
           <a:prstGeom prst="rect">
             <a:avLst/>
@@ -5891,8 +5489,14 @@
             <a:noFill/>
           </a:ln>
         </p:spPr>
-        <p:txBody>
-          <a:bodyPr anchor="ctr"/>
+        <p:style>
+          <a:lnRef idx="0"/>
+          <a:fillRef idx="0"/>
+          <a:effectRef idx="0"/>
+          <a:fontRef idx="minor"/>
+        </p:style>
+        <p:txBody>
+          <a:bodyPr lIns="90000" rIns="90000" tIns="45000" bIns="45000" anchor="ctr"/>
           <a:p>
             <a:pPr>
               <a:lnSpc>
@@ -5911,91 +5515,7 @@
                 </a:uFill>
                 <a:latin typeface="Calibri Light"/>
               </a:rPr>
-              <a:t>Métrica </a:t>
-            </a:r>
-            <a:r>
-              <a:rPr b="0" lang="en-US" sz="4400" spc="-1" strike="noStrike">
-                <a:solidFill>
-                  <a:srgbClr val="000000"/>
-                </a:solidFill>
-                <a:uFill>
-                  <a:solidFill>
-                    <a:srgbClr val="ffffff"/>
-                  </a:solidFill>
-                </a:uFill>
-                <a:latin typeface="Calibri Light"/>
-              </a:rPr>
-              <a:t>de </a:t>
-            </a:r>
-            <a:r>
-              <a:rPr b="0" lang="en-US" sz="4400" spc="-1" strike="noStrike">
-                <a:solidFill>
-                  <a:srgbClr val="000000"/>
-                </a:solidFill>
-                <a:uFill>
-                  <a:solidFill>
-                    <a:srgbClr val="ffffff"/>
-                  </a:solidFill>
-                </a:uFill>
-                <a:latin typeface="Calibri Light"/>
-              </a:rPr>
-              <a:t>equipos </a:t>
-            </a:r>
-            <a:r>
-              <a:rPr b="0" lang="en-US" sz="4400" spc="-1" strike="noStrike">
-                <a:solidFill>
-                  <a:srgbClr val="000000"/>
-                </a:solidFill>
-                <a:uFill>
-                  <a:solidFill>
-                    <a:srgbClr val="ffffff"/>
-                  </a:solidFill>
-                </a:uFill>
-                <a:latin typeface="Calibri Light"/>
-              </a:rPr>
-              <a:t>usando </a:t>
-            </a:r>
-            <a:r>
-              <a:rPr b="0" lang="en-US" sz="4400" spc="-1" strike="noStrike">
-                <a:solidFill>
-                  <a:srgbClr val="000000"/>
-                </a:solidFill>
-                <a:uFill>
-                  <a:solidFill>
-                    <a:srgbClr val="ffffff"/>
-                  </a:solidFill>
-                </a:uFill>
-                <a:latin typeface="Calibri Light"/>
-              </a:rPr>
-              <a:t>todas las </a:t>
-            </a:r>
-            <a:r>
-              <a:rPr b="0" lang="en-US" sz="4400" spc="-1" strike="noStrike">
-                <a:solidFill>
-                  <a:srgbClr val="000000"/>
-                </a:solidFill>
-                <a:uFill>
-                  <a:solidFill>
-                    <a:srgbClr val="ffffff"/>
-                  </a:solidFill>
-                </a:uFill>
-                <a:latin typeface="Calibri Light"/>
-              </a:rPr>
-              <a:t>estadístic</a:t>
-            </a:r>
-            <a:r>
-              <a:rPr b="0" lang="en-US" sz="4400" spc="-1" strike="noStrike">
-                <a:solidFill>
-                  <a:srgbClr val="000000"/>
-                </a:solidFill>
-                <a:uFill>
-                  <a:solidFill>
-                    <a:srgbClr val="ffffff"/>
-                  </a:solidFill>
-                </a:uFill>
-                <a:latin typeface="Calibri Light"/>
-              </a:rPr>
-              <a:t>as</a:t>
+              <a:t>Comparación de métricas de equipos</a:t>
             </a:r>
             <a:endParaRPr b="0" lang="en-US" sz="1800" spc="-1" strike="noStrike">
               <a:solidFill>
@@ -6006,21 +5526,21 @@
                   <a:srgbClr val="ffffff"/>
                 </a:solidFill>
               </a:uFill>
-              <a:latin typeface="Calibri"/>
-            </a:endParaRPr>
-          </a:p>
-        </p:txBody>
-      </p:sp>
-      <p:sp>
-        <p:nvSpPr>
-          <p:cNvPr id="93" name="TextShape 2"/>
-          <p:cNvSpPr txBox="1"/>
+              <a:latin typeface="Arial"/>
+            </a:endParaRPr>
+          </a:p>
+        </p:txBody>
+      </p:sp>
+      <p:sp>
+        <p:nvSpPr>
+          <p:cNvPr id="87" name="CustomShape 2"/>
+          <p:cNvSpPr/>
           <p:nvPr/>
         </p:nvSpPr>
         <p:spPr>
           <a:xfrm>
             <a:off x="838080" y="1825560"/>
-            <a:ext cx="10515240" cy="4350960"/>
+            <a:ext cx="10514880" cy="4350600"/>
           </a:xfrm>
           <a:prstGeom prst="rect">
             <a:avLst/>
@@ -6030,10 +5550,16 @@
             <a:noFill/>
           </a:ln>
         </p:spPr>
-        <p:txBody>
-          <a:bodyPr/>
-          <a:p>
-            <a:pPr marL="228600" indent="-228240">
+        <p:style>
+          <a:lnRef idx="0"/>
+          <a:fillRef idx="0"/>
+          <a:effectRef idx="0"/>
+          <a:fontRef idx="minor"/>
+        </p:style>
+        <p:txBody>
+          <a:bodyPr lIns="90000" rIns="90000" tIns="45000" bIns="45000"/>
+          <a:p>
+            <a:pPr marL="228600" indent="-227880">
               <a:lnSpc>
                 <a:spcPct val="90000"/>
               </a:lnSpc>
@@ -6055,33 +5581,69 @@
                 </a:uFill>
                 <a:latin typeface="Calibri"/>
               </a:rPr>
-              <a:t>Comparación entre subconjunto y todas las estadísticas:</a:t>
+              <a:t>Elección del parámetro de entrenamiento</a:t>
             </a:r>
-            <a:endParaRPr b="0" lang="en-US" sz="2800" spc="-1" strike="noStrike">
-              <a:solidFill>
-                <a:srgbClr val="000000"/>
-              </a:solidFill>
-              <a:uFill>
-                <a:solidFill>
-                  <a:srgbClr val="ffffff"/>
-                </a:solidFill>
-              </a:uFill>
-              <a:latin typeface="Calibri"/>
-            </a:endParaRPr>
-          </a:p>
-          <a:p>
-            <a:pPr marL="228600" indent="-228240">
-              <a:lnSpc>
-                <a:spcPct val="90000"/>
-              </a:lnSpc>
-              <a:buClr>
-                <a:srgbClr val="000000"/>
-              </a:buClr>
-              <a:buFont typeface="Arial"/>
-              <a:buChar char="•"/>
-            </a:pPr>
+            <a:endParaRPr b="0" lang="en-US" sz="1800" spc="-1" strike="noStrike">
+              <a:solidFill>
+                <a:srgbClr val="000000"/>
+              </a:solidFill>
+              <a:uFill>
+                <a:solidFill>
+                  <a:srgbClr val="ffffff"/>
+                </a:solidFill>
+              </a:uFill>
+              <a:latin typeface="Arial"/>
+            </a:endParaRPr>
+          </a:p>
+        </p:txBody>
+      </p:sp>
+      <p:pic>
+        <p:nvPicPr>
+          <p:cNvPr id="88" name="" descr=""/>
+          <p:cNvPicPr/>
+          <p:nvPr/>
+        </p:nvPicPr>
+        <p:blipFill>
+          <a:blip r:embed="rId1"/>
+          <a:stretch/>
+        </p:blipFill>
+        <p:spPr>
+          <a:xfrm>
+            <a:off x="1463040" y="3200400"/>
+            <a:ext cx="3518640" cy="2651760"/>
+          </a:xfrm>
+          <a:prstGeom prst="rect">
+            <a:avLst/>
+          </a:prstGeom>
+          <a:ln>
+            <a:noFill/>
+          </a:ln>
+        </p:spPr>
+      </p:pic>
+      <p:sp>
+        <p:nvSpPr>
+          <p:cNvPr id="89" name="TextShape 3"/>
+          <p:cNvSpPr txBox="1"/>
+          <p:nvPr/>
+        </p:nvSpPr>
+        <p:spPr>
+          <a:xfrm>
+            <a:off x="1231920" y="5780160"/>
+            <a:ext cx="4071600" cy="346320"/>
+          </a:xfrm>
+          <a:prstGeom prst="rect">
+            <a:avLst/>
+          </a:prstGeom>
+          <a:noFill/>
+          <a:ln>
+            <a:noFill/>
+          </a:ln>
+        </p:spPr>
+        <p:txBody>
+          <a:bodyPr lIns="90000" rIns="90000" tIns="45000" bIns="45000"/>
+          <a:p>
             <a:r>
-              <a:rPr b="0" lang="en-US" sz="2800" spc="-1" strike="noStrike">
+              <a:rPr b="0" lang="en-US" sz="1800" spc="-1" strike="noStrike">
                 <a:solidFill>
                   <a:srgbClr val="000000"/>
                 </a:solidFill>
@@ -6090,53 +5652,48 @@
                     <a:srgbClr val="ffffff"/>
                   </a:solidFill>
                 </a:uFill>
-                <a:latin typeface="Calibri"/>
+                <a:latin typeface="Arial"/>
               </a:rPr>
-              <a:t>Insert ECM</a:t>
+              <a:t>Temporadas de entrenamiento usadas</a:t>
             </a:r>
-            <a:endParaRPr b="0" lang="en-US" sz="2800" spc="-1" strike="noStrike">
-              <a:solidFill>
-                <a:srgbClr val="000000"/>
-              </a:solidFill>
-              <a:uFill>
-                <a:solidFill>
-                  <a:srgbClr val="ffffff"/>
-                </a:solidFill>
-              </a:uFill>
-              <a:latin typeface="Calibri"/>
-            </a:endParaRPr>
-          </a:p>
-          <a:p>
-            <a:pPr>
-              <a:lnSpc>
-                <a:spcPct val="90000"/>
-              </a:lnSpc>
-            </a:pPr>
-            <a:endParaRPr b="0" lang="en-US" sz="2800" spc="-1" strike="noStrike">
-              <a:solidFill>
-                <a:srgbClr val="000000"/>
-              </a:solidFill>
-              <a:uFill>
-                <a:solidFill>
-                  <a:srgbClr val="ffffff"/>
-                </a:solidFill>
-              </a:uFill>
-              <a:latin typeface="Calibri"/>
-            </a:endParaRPr>
-          </a:p>
-          <a:p>
-            <a:pPr marL="228600" indent="-228240">
-              <a:lnSpc>
-                <a:spcPct val="90000"/>
-              </a:lnSpc>
-              <a:buClr>
-                <a:srgbClr val="000000"/>
-              </a:buClr>
-              <a:buFont typeface="Arial"/>
-              <a:buChar char="•"/>
-            </a:pPr>
+            <a:endParaRPr b="0" lang="en-US" sz="1800" spc="-1" strike="noStrike">
+              <a:solidFill>
+                <a:srgbClr val="000000"/>
+              </a:solidFill>
+              <a:uFill>
+                <a:solidFill>
+                  <a:srgbClr val="ffffff"/>
+                </a:solidFill>
+              </a:uFill>
+              <a:latin typeface="Arial"/>
+            </a:endParaRPr>
+          </a:p>
+        </p:txBody>
+      </p:sp>
+      <p:sp>
+        <p:nvSpPr>
+          <p:cNvPr id="90" name="TextShape 4"/>
+          <p:cNvSpPr txBox="1"/>
+          <p:nvPr/>
+        </p:nvSpPr>
+        <p:spPr>
+          <a:xfrm>
+            <a:off x="838080" y="4297680"/>
+            <a:ext cx="688320" cy="365760"/>
+          </a:xfrm>
+          <a:prstGeom prst="rect">
+            <a:avLst/>
+          </a:prstGeom>
+          <a:noFill/>
+          <a:ln>
+            <a:noFill/>
+          </a:ln>
+        </p:spPr>
+        <p:txBody>
+          <a:bodyPr lIns="90000" rIns="90000" tIns="45000" bIns="45000"/>
+          <a:p>
             <a:r>
-              <a:rPr b="0" lang="en-US" sz="2800" spc="-1" strike="noStrike">
+              <a:rPr b="0" lang="en-US" sz="1800" spc="-1" strike="noStrike">
                 <a:solidFill>
                   <a:srgbClr val="000000"/>
                 </a:solidFill>
@@ -6145,35 +5702,48 @@
                     <a:srgbClr val="ffffff"/>
                   </a:solidFill>
                 </a:uFill>
-                <a:latin typeface="Calibri"/>
+                <a:latin typeface="Arial"/>
               </a:rPr>
-              <a:t>Elección del parámetro de entrenamiento:</a:t>
+              <a:t>ECM</a:t>
             </a:r>
-            <a:endParaRPr b="0" lang="en-US" sz="2800" spc="-1" strike="noStrike">
-              <a:solidFill>
-                <a:srgbClr val="000000"/>
-              </a:solidFill>
-              <a:uFill>
-                <a:solidFill>
-                  <a:srgbClr val="ffffff"/>
-                </a:solidFill>
-              </a:uFill>
-              <a:latin typeface="Calibri"/>
-            </a:endParaRPr>
-          </a:p>
-          <a:p>
-            <a:pPr marL="228600" indent="-228240">
-              <a:lnSpc>
-                <a:spcPct val="90000"/>
-              </a:lnSpc>
-              <a:buClr>
-                <a:srgbClr val="000000"/>
-              </a:buClr>
-              <a:buFont typeface="Arial"/>
-              <a:buChar char="•"/>
-            </a:pPr>
+            <a:endParaRPr b="0" lang="en-US" sz="1800" spc="-1" strike="noStrike">
+              <a:solidFill>
+                <a:srgbClr val="000000"/>
+              </a:solidFill>
+              <a:uFill>
+                <a:solidFill>
+                  <a:srgbClr val="ffffff"/>
+                </a:solidFill>
+              </a:uFill>
+              <a:latin typeface="Arial"/>
+            </a:endParaRPr>
+          </a:p>
+        </p:txBody>
+      </p:sp>
+      <p:sp>
+        <p:nvSpPr>
+          <p:cNvPr id="91" name="TextShape 5"/>
+          <p:cNvSpPr txBox="1"/>
+          <p:nvPr/>
+        </p:nvSpPr>
+        <p:spPr>
+          <a:xfrm>
+            <a:off x="1828800" y="3036960"/>
+            <a:ext cx="3033720" cy="346320"/>
+          </a:xfrm>
+          <a:prstGeom prst="rect">
+            <a:avLst/>
+          </a:prstGeom>
+          <a:noFill/>
+          <a:ln>
+            <a:noFill/>
+          </a:ln>
+        </p:spPr>
+        <p:txBody>
+          <a:bodyPr lIns="90000" rIns="90000" tIns="45000" bIns="45000"/>
+          <a:p>
             <a:r>
-              <a:rPr b="0" lang="en-US" sz="2800" spc="-1" strike="noStrike">
+              <a:rPr b="0" lang="en-US" sz="1800" spc="-1" strike="noStrike">
                 <a:solidFill>
                   <a:srgbClr val="000000"/>
                 </a:solidFill>
@@ -6182,20 +5752,193 @@
                     <a:srgbClr val="ffffff"/>
                   </a:solidFill>
                 </a:uFill>
-                <a:latin typeface="Calibri"/>
+                <a:latin typeface="Arial"/>
               </a:rPr>
-              <a:t>Insert gráfico de ECM por años.</a:t>
+              <a:t>Subconjunto de estadísticas</a:t>
             </a:r>
-            <a:endParaRPr b="0" lang="en-US" sz="2800" spc="-1" strike="noStrike">
-              <a:solidFill>
-                <a:srgbClr val="000000"/>
-              </a:solidFill>
-              <a:uFill>
-                <a:solidFill>
-                  <a:srgbClr val="ffffff"/>
-                </a:solidFill>
-              </a:uFill>
-              <a:latin typeface="Calibri"/>
+            <a:endParaRPr b="0" lang="en-US" sz="1800" spc="-1" strike="noStrike">
+              <a:solidFill>
+                <a:srgbClr val="000000"/>
+              </a:solidFill>
+              <a:uFill>
+                <a:solidFill>
+                  <a:srgbClr val="ffffff"/>
+                </a:solidFill>
+              </a:uFill>
+              <a:latin typeface="Arial"/>
+            </a:endParaRPr>
+          </a:p>
+        </p:txBody>
+      </p:sp>
+      <p:pic>
+        <p:nvPicPr>
+          <p:cNvPr id="92" name="" descr=""/>
+          <p:cNvPicPr/>
+          <p:nvPr/>
+        </p:nvPicPr>
+        <p:blipFill>
+          <a:blip r:embed="rId2"/>
+          <a:stretch/>
+        </p:blipFill>
+        <p:spPr>
+          <a:xfrm rot="600">
+            <a:off x="6035040" y="3292200"/>
+            <a:ext cx="4908960" cy="2426760"/>
+          </a:xfrm>
+          <a:prstGeom prst="rect">
+            <a:avLst/>
+          </a:prstGeom>
+          <a:ln>
+            <a:noFill/>
+          </a:ln>
+        </p:spPr>
+      </p:pic>
+      <p:sp>
+        <p:nvSpPr>
+          <p:cNvPr id="93" name="TextShape 6"/>
+          <p:cNvSpPr txBox="1"/>
+          <p:nvPr/>
+        </p:nvSpPr>
+        <p:spPr>
+          <a:xfrm>
+            <a:off x="7187760" y="3036960"/>
+            <a:ext cx="2413440" cy="346320"/>
+          </a:xfrm>
+          <a:prstGeom prst="rect">
+            <a:avLst/>
+          </a:prstGeom>
+          <a:noFill/>
+          <a:ln>
+            <a:noFill/>
+          </a:ln>
+        </p:spPr>
+        <p:txBody>
+          <a:bodyPr lIns="90000" rIns="90000" tIns="45000" bIns="45000"/>
+          <a:p>
+            <a:r>
+              <a:rPr b="0" lang="en-US" sz="1800" spc="-1" strike="noStrike">
+                <a:solidFill>
+                  <a:srgbClr val="000000"/>
+                </a:solidFill>
+                <a:uFill>
+                  <a:solidFill>
+                    <a:srgbClr val="ffffff"/>
+                  </a:solidFill>
+                </a:uFill>
+                <a:latin typeface="Arial"/>
+              </a:rPr>
+              <a:t>Todas las estadísticas</a:t>
+            </a:r>
+            <a:endParaRPr b="0" lang="en-US" sz="1800" spc="-1" strike="noStrike">
+              <a:solidFill>
+                <a:srgbClr val="000000"/>
+              </a:solidFill>
+              <a:uFill>
+                <a:solidFill>
+                  <a:srgbClr val="ffffff"/>
+                </a:solidFill>
+              </a:uFill>
+              <a:latin typeface="Arial"/>
+            </a:endParaRPr>
+          </a:p>
+        </p:txBody>
+      </p:sp>
+      <p:sp>
+        <p:nvSpPr>
+          <p:cNvPr id="94" name="TextShape 7"/>
+          <p:cNvSpPr txBox="1"/>
+          <p:nvPr/>
+        </p:nvSpPr>
+        <p:spPr>
+          <a:xfrm>
+            <a:off x="6400800" y="5780160"/>
+            <a:ext cx="4071600" cy="346320"/>
+          </a:xfrm>
+          <a:prstGeom prst="rect">
+            <a:avLst/>
+          </a:prstGeom>
+          <a:noFill/>
+          <a:ln>
+            <a:noFill/>
+          </a:ln>
+        </p:spPr>
+        <p:txBody>
+          <a:bodyPr lIns="90000" rIns="90000" tIns="45000" bIns="45000"/>
+          <a:p>
+            <a:r>
+              <a:rPr b="0" lang="en-US" sz="1800" spc="-1" strike="noStrike">
+                <a:solidFill>
+                  <a:srgbClr val="000000"/>
+                </a:solidFill>
+                <a:uFill>
+                  <a:solidFill>
+                    <a:srgbClr val="ffffff"/>
+                  </a:solidFill>
+                </a:uFill>
+                <a:latin typeface="Arial"/>
+              </a:rPr>
+              <a:t>Temporadas de entrenamiento usadas</a:t>
+            </a:r>
+            <a:endParaRPr b="0" lang="en-US" sz="1800" spc="-1" strike="noStrike">
+              <a:solidFill>
+                <a:srgbClr val="000000"/>
+              </a:solidFill>
+              <a:uFill>
+                <a:solidFill>
+                  <a:srgbClr val="ffffff"/>
+                </a:solidFill>
+              </a:uFill>
+              <a:latin typeface="Arial"/>
+            </a:endParaRPr>
+          </a:p>
+        </p:txBody>
+      </p:sp>
+      <p:sp>
+        <p:nvSpPr>
+          <p:cNvPr id="95" name="TextShape 8"/>
+          <p:cNvSpPr txBox="1"/>
+          <p:nvPr/>
+        </p:nvSpPr>
+        <p:spPr>
+          <a:xfrm>
+            <a:off x="5760720" y="4297680"/>
+            <a:ext cx="688320" cy="346320"/>
+          </a:xfrm>
+          <a:prstGeom prst="rect">
+            <a:avLst/>
+          </a:prstGeom>
+          <a:noFill/>
+          <a:ln>
+            <a:noFill/>
+          </a:ln>
+        </p:spPr>
+        <p:txBody>
+          <a:bodyPr lIns="90000" rIns="90000" tIns="45000" bIns="45000"/>
+          <a:p>
+            <a:r>
+              <a:rPr b="0" lang="en-US" sz="1800" spc="-1" strike="noStrike">
+                <a:solidFill>
+                  <a:srgbClr val="000000"/>
+                </a:solidFill>
+                <a:uFill>
+                  <a:solidFill>
+                    <a:srgbClr val="ffffff"/>
+                  </a:solidFill>
+                </a:uFill>
+                <a:latin typeface="Arial"/>
+              </a:rPr>
+              <a:t>ECM</a:t>
+            </a:r>
+            <a:endParaRPr b="0" lang="en-US" sz="1800" spc="-1" strike="noStrike">
+              <a:solidFill>
+                <a:srgbClr val="000000"/>
+              </a:solidFill>
+              <a:uFill>
+                <a:solidFill>
+                  <a:srgbClr val="ffffff"/>
+                </a:solidFill>
+              </a:uFill>
+              <a:latin typeface="Arial"/>
             </a:endParaRPr>
           </a:p>
         </p:txBody>
@@ -6251,14 +5994,14 @@
       </p:grpSpPr>
       <p:sp>
         <p:nvSpPr>
-          <p:cNvPr id="94" name="TextShape 1"/>
-          <p:cNvSpPr txBox="1"/>
+          <p:cNvPr id="96" name="CustomShape 1"/>
+          <p:cNvSpPr/>
           <p:nvPr/>
         </p:nvSpPr>
         <p:spPr>
           <a:xfrm>
             <a:off x="838080" y="365040"/>
-            <a:ext cx="10515240" cy="1325160"/>
+            <a:ext cx="10514880" cy="1324800"/>
           </a:xfrm>
           <a:prstGeom prst="rect">
             <a:avLst/>
@@ -6268,8 +6011,14 @@
             <a:noFill/>
           </a:ln>
         </p:spPr>
-        <p:txBody>
-          <a:bodyPr anchor="ctr"/>
+        <p:style>
+          <a:lnRef idx="0"/>
+          <a:fillRef idx="0"/>
+          <a:effectRef idx="0"/>
+          <a:fontRef idx="minor"/>
+        </p:style>
+        <p:txBody>
+          <a:bodyPr lIns="90000" rIns="90000" tIns="45000" bIns="45000" anchor="ctr"/>
           <a:p>
             <a:pPr>
               <a:lnSpc>
@@ -6299,21 +6048,21 @@
                   <a:srgbClr val="ffffff"/>
                 </a:solidFill>
               </a:uFill>
-              <a:latin typeface="Calibri"/>
-            </a:endParaRPr>
-          </a:p>
-        </p:txBody>
-      </p:sp>
-      <p:sp>
-        <p:nvSpPr>
-          <p:cNvPr id="95" name="TextShape 2"/>
-          <p:cNvSpPr txBox="1"/>
+              <a:latin typeface="Arial"/>
+            </a:endParaRPr>
+          </a:p>
+        </p:txBody>
+      </p:sp>
+      <p:sp>
+        <p:nvSpPr>
+          <p:cNvPr id="97" name="CustomShape 2"/>
+          <p:cNvSpPr/>
           <p:nvPr/>
         </p:nvSpPr>
         <p:spPr>
           <a:xfrm>
             <a:off x="838080" y="1825560"/>
-            <a:ext cx="10515240" cy="4350960"/>
+            <a:ext cx="10514880" cy="4350600"/>
           </a:xfrm>
           <a:prstGeom prst="rect">
             <a:avLst/>
@@ -6323,10 +6072,16 @@
             <a:noFill/>
           </a:ln>
         </p:spPr>
-        <p:txBody>
-          <a:bodyPr/>
-          <a:p>
-            <a:pPr marL="228600" indent="-228240">
+        <p:style>
+          <a:lnRef idx="0"/>
+          <a:fillRef idx="0"/>
+          <a:effectRef idx="0"/>
+          <a:fontRef idx="minor"/>
+        </p:style>
+        <p:txBody>
+          <a:bodyPr lIns="90000" rIns="90000" tIns="45000" bIns="45000"/>
+          <a:p>
+            <a:pPr marL="228600" indent="-227880">
               <a:lnSpc>
                 <a:spcPct val="90000"/>
               </a:lnSpc>
@@ -6348,33 +6103,87 @@
                 </a:uFill>
                 <a:latin typeface="Calibri"/>
               </a:rPr>
-              <a:t>Insertar Gráfico de resultado de una temporada.</a:t>
+              <a:t> </a:t>
             </a:r>
-            <a:endParaRPr b="0" lang="en-US" sz="2800" spc="-1" strike="noStrike">
-              <a:solidFill>
-                <a:srgbClr val="000000"/>
-              </a:solidFill>
-              <a:uFill>
-                <a:solidFill>
-                  <a:srgbClr val="ffffff"/>
-                </a:solidFill>
-              </a:uFill>
-              <a:latin typeface="Calibri"/>
-            </a:endParaRPr>
-          </a:p>
-          <a:p>
-            <a:pPr marL="228600" indent="-228240">
+            <a:endParaRPr b="0" lang="en-US" sz="1800" spc="-1" strike="noStrike">
+              <a:solidFill>
+                <a:srgbClr val="000000"/>
+              </a:solidFill>
+              <a:uFill>
+                <a:solidFill>
+                  <a:srgbClr val="ffffff"/>
+                </a:solidFill>
+              </a:uFill>
+              <a:latin typeface="Arial"/>
+            </a:endParaRPr>
+          </a:p>
+          <a:p>
+            <a:pPr>
               <a:lnSpc>
                 <a:spcPct val="90000"/>
               </a:lnSpc>
-              <a:buClr>
-                <a:srgbClr val="000000"/>
-              </a:buClr>
-              <a:buFont typeface="Arial"/>
-              <a:buChar char="•"/>
             </a:pPr>
+            <a:endParaRPr b="0" lang="en-US" sz="1800" spc="-1" strike="noStrike">
+              <a:solidFill>
+                <a:srgbClr val="000000"/>
+              </a:solidFill>
+              <a:uFill>
+                <a:solidFill>
+                  <a:srgbClr val="ffffff"/>
+                </a:solidFill>
+              </a:uFill>
+              <a:latin typeface="Arial"/>
+            </a:endParaRPr>
+          </a:p>
+        </p:txBody>
+      </p:sp>
+      <p:pic>
+        <p:nvPicPr>
+          <p:cNvPr id="98" name="" descr=""/>
+          <p:cNvPicPr/>
+          <p:nvPr/>
+        </p:nvPicPr>
+        <p:blipFill>
+          <a:blip r:embed="rId1"/>
+          <a:stretch/>
+        </p:blipFill>
+        <p:spPr>
+          <a:xfrm>
+            <a:off x="1554480" y="1549800"/>
+            <a:ext cx="8483760" cy="4393800"/>
+          </a:xfrm>
+          <a:prstGeom prst="rect">
+            <a:avLst/>
+          </a:prstGeom>
+          <a:ln>
+            <a:noFill/>
+          </a:ln>
+        </p:spPr>
+      </p:pic>
+      <p:sp>
+        <p:nvSpPr>
+          <p:cNvPr id="99" name="TextShape 3"/>
+          <p:cNvSpPr txBox="1"/>
+          <p:nvPr/>
+        </p:nvSpPr>
+        <p:spPr>
+          <a:xfrm>
+            <a:off x="4875840" y="6035040"/>
+            <a:ext cx="1890720" cy="346320"/>
+          </a:xfrm>
+          <a:prstGeom prst="rect">
+            <a:avLst/>
+          </a:prstGeom>
+          <a:noFill/>
+          <a:ln>
+            <a:noFill/>
+          </a:ln>
+        </p:spPr>
+        <p:txBody>
+          <a:bodyPr lIns="90000" rIns="90000" tIns="45000" bIns="45000"/>
+          <a:p>
             <a:r>
-              <a:rPr b="0" lang="en-US" sz="2800" spc="-1" strike="noStrike">
+              <a:rPr b="0" lang="en-US" sz="1800" spc="-1" strike="noStrike">
                 <a:solidFill>
                   <a:srgbClr val="000000"/>
                 </a:solidFill>
@@ -6383,38 +6192,20 @@
                     <a:srgbClr val="ffffff"/>
                   </a:solidFill>
                 </a:uFill>
-                <a:latin typeface="Calibri"/>
+                <a:latin typeface="Arial"/>
               </a:rPr>
-              <a:t>Insertar Four Factors y PER</a:t>
+              <a:t>Temporada 1999</a:t>
             </a:r>
-            <a:endParaRPr b="0" lang="en-US" sz="2800" spc="-1" strike="noStrike">
-              <a:solidFill>
-                <a:srgbClr val="000000"/>
-              </a:solidFill>
-              <a:uFill>
-                <a:solidFill>
-                  <a:srgbClr val="ffffff"/>
-                </a:solidFill>
-              </a:uFill>
-              <a:latin typeface="Calibri"/>
-            </a:endParaRPr>
-          </a:p>
-          <a:p>
-            <a:pPr>
-              <a:lnSpc>
-                <a:spcPct val="90000"/>
-              </a:lnSpc>
-            </a:pPr>
-            <a:endParaRPr b="0" lang="en-US" sz="2800" spc="-1" strike="noStrike">
-              <a:solidFill>
-                <a:srgbClr val="000000"/>
-              </a:solidFill>
-              <a:uFill>
-                <a:solidFill>
-                  <a:srgbClr val="ffffff"/>
-                </a:solidFill>
-              </a:uFill>
-              <a:latin typeface="Calibri"/>
+            <a:endParaRPr b="0" lang="en-US" sz="1800" spc="-1" strike="noStrike">
+              <a:solidFill>
+                <a:srgbClr val="000000"/>
+              </a:solidFill>
+              <a:uFill>
+                <a:solidFill>
+                  <a:srgbClr val="ffffff"/>
+                </a:solidFill>
+              </a:uFill>
+              <a:latin typeface="Arial"/>
             </a:endParaRPr>
           </a:p>
         </p:txBody>
@@ -6470,14 +6261,14 @@
       </p:grpSpPr>
       <p:sp>
         <p:nvSpPr>
-          <p:cNvPr id="96" name="TextShape 1"/>
-          <p:cNvSpPr txBox="1"/>
+          <p:cNvPr id="100" name="CustomShape 1"/>
+          <p:cNvSpPr/>
           <p:nvPr/>
         </p:nvSpPr>
         <p:spPr>
           <a:xfrm>
             <a:off x="838080" y="365040"/>
-            <a:ext cx="10515240" cy="1325160"/>
+            <a:ext cx="10514880" cy="1324800"/>
           </a:xfrm>
           <a:prstGeom prst="rect">
             <a:avLst/>
@@ -6487,8 +6278,14 @@
             <a:noFill/>
           </a:ln>
         </p:spPr>
-        <p:txBody>
-          <a:bodyPr anchor="ctr"/>
+        <p:style>
+          <a:lnRef idx="0"/>
+          <a:fillRef idx="0"/>
+          <a:effectRef idx="0"/>
+          <a:fontRef idx="minor"/>
+        </p:style>
+        <p:txBody>
+          <a:bodyPr lIns="90000" rIns="90000" tIns="45000" bIns="45000" anchor="ctr"/>
           <a:p>
             <a:pPr>
               <a:lnSpc>
@@ -6518,21 +6315,21 @@
                   <a:srgbClr val="ffffff"/>
                 </a:solidFill>
               </a:uFill>
-              <a:latin typeface="Calibri"/>
-            </a:endParaRPr>
-          </a:p>
-        </p:txBody>
-      </p:sp>
-      <p:sp>
-        <p:nvSpPr>
-          <p:cNvPr id="97" name="TextShape 2"/>
-          <p:cNvSpPr txBox="1"/>
+              <a:latin typeface="Arial"/>
+            </a:endParaRPr>
+          </a:p>
+        </p:txBody>
+      </p:sp>
+      <p:sp>
+        <p:nvSpPr>
+          <p:cNvPr id="101" name="CustomShape 2"/>
+          <p:cNvSpPr/>
           <p:nvPr/>
         </p:nvSpPr>
         <p:spPr>
           <a:xfrm>
-            <a:off x="838080" y="1825560"/>
-            <a:ext cx="10515240" cy="4350960"/>
+            <a:off x="900000" y="1554480"/>
+            <a:ext cx="9707040" cy="3707280"/>
           </a:xfrm>
           <a:prstGeom prst="rect">
             <a:avLst/>
@@ -6542,12 +6339,18 @@
             <a:noFill/>
           </a:ln>
         </p:spPr>
-        <p:txBody>
-          <a:bodyPr/>
-          <a:p>
-            <a:pPr marL="228600" indent="-228240">
+        <p:style>
+          <a:lnRef idx="0"/>
+          <a:fillRef idx="0"/>
+          <a:effectRef idx="0"/>
+          <a:fontRef idx="minor"/>
+        </p:style>
+        <p:txBody>
+          <a:bodyPr lIns="90000" rIns="90000" tIns="45000" bIns="45000"/>
+          <a:p>
+            <a:pPr marL="228600" indent="-227880">
               <a:lnSpc>
-                <a:spcPct val="90000"/>
+                <a:spcPct val="100000"/>
               </a:lnSpc>
               <a:buClr>
                 <a:srgbClr val="000000"/>
@@ -6569,20 +6372,20 @@
               </a:rPr>
               <a:t>Comparación con PER:</a:t>
             </a:r>
-            <a:endParaRPr b="0" lang="en-US" sz="2800" spc="-1" strike="noStrike">
-              <a:solidFill>
-                <a:srgbClr val="000000"/>
-              </a:solidFill>
-              <a:uFill>
-                <a:solidFill>
-                  <a:srgbClr val="ffffff"/>
-                </a:solidFill>
-              </a:uFill>
-              <a:latin typeface="Calibri"/>
-            </a:endParaRPr>
-          </a:p>
-          <a:p>
-            <a:pPr lvl="1" marL="685800" indent="-228240">
+            <a:endParaRPr b="0" lang="en-US" sz="1800" spc="-1" strike="noStrike">
+              <a:solidFill>
+                <a:srgbClr val="000000"/>
+              </a:solidFill>
+              <a:uFill>
+                <a:solidFill>
+                  <a:srgbClr val="ffffff"/>
+                </a:solidFill>
+              </a:uFill>
+              <a:latin typeface="Arial"/>
+            </a:endParaRPr>
+          </a:p>
+          <a:p>
+            <a:pPr lvl="1" marL="685800" indent="-227880">
               <a:lnSpc>
                 <a:spcPct val="100000"/>
               </a:lnSpc>
@@ -6604,22 +6407,22 @@
                 </a:uFill>
                 <a:latin typeface="Calibri"/>
               </a:rPr>
-              <a:t>Mencionar las estadísticas usadas por PER y por nosotros.</a:t>
+              <a:t>Estadísticas usadas: Deffensive Rebounds, Steals, Blocks, Turnovers y Personal Fouls</a:t>
             </a:r>
-            <a:endParaRPr b="0" lang="en-US" sz="2000" spc="-1" strike="noStrike">
-              <a:solidFill>
-                <a:srgbClr val="000000"/>
-              </a:solidFill>
-              <a:uFill>
-                <a:solidFill>
-                  <a:srgbClr val="ffffff"/>
-                </a:solidFill>
-              </a:uFill>
-              <a:latin typeface="Calibri"/>
-            </a:endParaRPr>
-          </a:p>
-          <a:p>
-            <a:pPr lvl="1" marL="685800" indent="-228240">
+            <a:endParaRPr b="0" lang="en-US" sz="1800" spc="-1" strike="noStrike">
+              <a:solidFill>
+                <a:srgbClr val="000000"/>
+              </a:solidFill>
+              <a:uFill>
+                <a:solidFill>
+                  <a:srgbClr val="ffffff"/>
+                </a:solidFill>
+              </a:uFill>
+              <a:latin typeface="Arial"/>
+            </a:endParaRPr>
+          </a:p>
+          <a:p>
+            <a:pPr lvl="1" marL="685800" indent="-227880">
               <a:lnSpc>
                 <a:spcPct val="100000"/>
               </a:lnSpc>
@@ -6641,18 +6444,18 @@
                 </a:uFill>
                 <a:latin typeface="Calibri"/>
               </a:rPr>
-              <a:t>Explicar la métrica (promedio de jugadores y fila de cml por jugador promedio)</a:t>
+              <a:t>Dado que se busca predecir los resultados del equipo decidimos condensar los valores obtenidos de los jugadores realizando un promedio de los mismos</a:t>
             </a:r>
-            <a:endParaRPr b="0" lang="en-US" sz="2000" spc="-1" strike="noStrike">
-              <a:solidFill>
-                <a:srgbClr val="000000"/>
-              </a:solidFill>
-              <a:uFill>
-                <a:solidFill>
-                  <a:srgbClr val="ffffff"/>
-                </a:solidFill>
-              </a:uFill>
-              <a:latin typeface="Calibri"/>
+            <a:endParaRPr b="0" lang="en-US" sz="1800" spc="-1" strike="noStrike">
+              <a:solidFill>
+                <a:srgbClr val="000000"/>
+              </a:solidFill>
+              <a:uFill>
+                <a:solidFill>
+                  <a:srgbClr val="ffffff"/>
+                </a:solidFill>
+              </a:uFill>
+              <a:latin typeface="Arial"/>
             </a:endParaRPr>
           </a:p>
           <a:p>
@@ -6661,20 +6464,20 @@
                 <a:spcPct val="90000"/>
               </a:lnSpc>
             </a:pPr>
-            <a:endParaRPr b="0" lang="en-US" sz="2800" spc="-1" strike="noStrike">
-              <a:solidFill>
-                <a:srgbClr val="000000"/>
-              </a:solidFill>
-              <a:uFill>
-                <a:solidFill>
-                  <a:srgbClr val="ffffff"/>
-                </a:solidFill>
-              </a:uFill>
-              <a:latin typeface="Calibri"/>
-            </a:endParaRPr>
-          </a:p>
-          <a:p>
-            <a:pPr marL="228600" indent="-228240">
+            <a:endParaRPr b="0" lang="en-US" sz="1800" spc="-1" strike="noStrike">
+              <a:solidFill>
+                <a:srgbClr val="000000"/>
+              </a:solidFill>
+              <a:uFill>
+                <a:solidFill>
+                  <a:srgbClr val="ffffff"/>
+                </a:solidFill>
+              </a:uFill>
+              <a:latin typeface="Arial"/>
+            </a:endParaRPr>
+          </a:p>
+          <a:p>
+            <a:pPr marL="228600" indent="-227880">
               <a:lnSpc>
                 <a:spcPct val="90000"/>
               </a:lnSpc>
@@ -6698,20 +6501,20 @@
               </a:rPr>
               <a:t>Elección del parámetro de entrenamiento:</a:t>
             </a:r>
-            <a:endParaRPr b="0" lang="en-US" sz="2800" spc="-1" strike="noStrike">
-              <a:solidFill>
-                <a:srgbClr val="000000"/>
-              </a:solidFill>
-              <a:uFill>
-                <a:solidFill>
-                  <a:srgbClr val="ffffff"/>
-                </a:solidFill>
-              </a:uFill>
-              <a:latin typeface="Calibri"/>
-            </a:endParaRPr>
-          </a:p>
-          <a:p>
-            <a:pPr marL="228600" indent="-228240">
+            <a:endParaRPr b="0" lang="en-US" sz="1800" spc="-1" strike="noStrike">
+              <a:solidFill>
+                <a:srgbClr val="000000"/>
+              </a:solidFill>
+              <a:uFill>
+                <a:solidFill>
+                  <a:srgbClr val="ffffff"/>
+                </a:solidFill>
+              </a:uFill>
+              <a:latin typeface="Arial"/>
+            </a:endParaRPr>
+          </a:p>
+          <a:p>
+            <a:pPr marL="228600" indent="-227880">
               <a:lnSpc>
                 <a:spcPct val="90000"/>
               </a:lnSpc>
@@ -6733,22 +6536,45 @@
                 </a:uFill>
                 <a:latin typeface="Calibri"/>
               </a:rPr>
-              <a:t>Insert gráfico de ECM por años. Justificar elección.</a:t>
+              <a:t> </a:t>
             </a:r>
-            <a:endParaRPr b="0" lang="en-US" sz="2800" spc="-1" strike="noStrike">
-              <a:solidFill>
-                <a:srgbClr val="000000"/>
-              </a:solidFill>
-              <a:uFill>
-                <a:solidFill>
-                  <a:srgbClr val="ffffff"/>
-                </a:solidFill>
-              </a:uFill>
-              <a:latin typeface="Calibri"/>
-            </a:endParaRPr>
-          </a:p>
-        </p:txBody>
-      </p:sp>
+            <a:endParaRPr b="0" lang="en-US" sz="1800" spc="-1" strike="noStrike">
+              <a:solidFill>
+                <a:srgbClr val="000000"/>
+              </a:solidFill>
+              <a:uFill>
+                <a:solidFill>
+                  <a:srgbClr val="ffffff"/>
+                </a:solidFill>
+              </a:uFill>
+              <a:latin typeface="Arial"/>
+            </a:endParaRPr>
+          </a:p>
+        </p:txBody>
+      </p:sp>
+      <p:pic>
+        <p:nvPicPr>
+          <p:cNvPr id="102" name="" descr=""/>
+          <p:cNvPicPr/>
+          <p:nvPr/>
+        </p:nvPicPr>
+        <p:blipFill>
+          <a:blip r:embed="rId1"/>
+          <a:stretch/>
+        </p:blipFill>
+        <p:spPr>
+          <a:xfrm>
+            <a:off x="8823240" y="4343400"/>
+            <a:ext cx="2972520" cy="2240280"/>
+          </a:xfrm>
+          <a:prstGeom prst="rect">
+            <a:avLst/>
+          </a:prstGeom>
+          <a:ln>
+            <a:noFill/>
+          </a:ln>
+        </p:spPr>
+      </p:pic>
     </p:spTree>
   </p:cSld>
   <p:timing>
@@ -6800,14 +6626,14 @@
       </p:grpSpPr>
       <p:sp>
         <p:nvSpPr>
-          <p:cNvPr id="98" name="TextShape 1"/>
-          <p:cNvSpPr txBox="1"/>
+          <p:cNvPr id="103" name="CustomShape 1"/>
+          <p:cNvSpPr/>
           <p:nvPr/>
         </p:nvSpPr>
         <p:spPr>
           <a:xfrm>
             <a:off x="838080" y="365040"/>
-            <a:ext cx="10515240" cy="1325160"/>
+            <a:ext cx="10514880" cy="1324800"/>
           </a:xfrm>
           <a:prstGeom prst="rect">
             <a:avLst/>
@@ -6817,172 +6643,15 @@
             <a:noFill/>
           </a:ln>
         </p:spPr>
-        <p:txBody>
-          <a:bodyPr anchor="ctr"/>
-          <a:p>
-            <a:pPr>
-              <a:lnSpc>
-                <a:spcPct val="90000"/>
-              </a:lnSpc>
-            </a:pPr>
-            <a:r>
-              <a:rPr b="0" lang="en-US" sz="4400" spc="-1" strike="noStrike">
-                <a:solidFill>
-                  <a:srgbClr val="000000"/>
-                </a:solidFill>
-                <a:uFill>
-                  <a:solidFill>
-                    <a:srgbClr val="ffffff"/>
-                  </a:solidFill>
-                </a:uFill>
-                <a:latin typeface="Calibri Light"/>
-              </a:rPr>
-              <a:t>Resultados de la métrica de Jugadores</a:t>
-            </a:r>
-            <a:endParaRPr b="0" lang="en-US" sz="1800" spc="-1" strike="noStrike">
-              <a:solidFill>
-                <a:srgbClr val="000000"/>
-              </a:solidFill>
-              <a:uFill>
-                <a:solidFill>
-                  <a:srgbClr val="ffffff"/>
-                </a:solidFill>
-              </a:uFill>
-              <a:latin typeface="Calibri"/>
-            </a:endParaRPr>
-          </a:p>
-        </p:txBody>
-      </p:sp>
-      <p:sp>
-        <p:nvSpPr>
-          <p:cNvPr id="99" name="TextShape 2"/>
-          <p:cNvSpPr txBox="1"/>
-          <p:nvPr/>
-        </p:nvSpPr>
-        <p:spPr>
-          <a:xfrm>
-            <a:off x="838080" y="1825560"/>
-            <a:ext cx="10515240" cy="4350960"/>
-          </a:xfrm>
-          <a:prstGeom prst="rect">
-            <a:avLst/>
-          </a:prstGeom>
-          <a:noFill/>
-          <a:ln>
-            <a:noFill/>
-          </a:ln>
-        </p:spPr>
-        <p:txBody>
-          <a:bodyPr/>
-          <a:p>
-            <a:pPr marL="228600" indent="-228240">
-              <a:lnSpc>
-                <a:spcPct val="90000"/>
-              </a:lnSpc>
-              <a:buClr>
-                <a:srgbClr val="000000"/>
-              </a:buClr>
-              <a:buFont typeface="Arial"/>
-              <a:buChar char="•"/>
-            </a:pPr>
-            <a:r>
-              <a:rPr b="0" lang="en-US" sz="2800" spc="-1" strike="noStrike">
-                <a:solidFill>
-                  <a:srgbClr val="000000"/>
-                </a:solidFill>
-                <a:uFill>
-                  <a:solidFill>
-                    <a:srgbClr val="ffffff"/>
-                  </a:solidFill>
-                </a:uFill>
-                <a:latin typeface="Calibri"/>
-              </a:rPr>
-              <a:t>Resultado de la aproximación de una temporada:</a:t>
-            </a:r>
-            <a:endParaRPr b="0" lang="en-US" sz="2800" spc="-1" strike="noStrike">
-              <a:solidFill>
-                <a:srgbClr val="000000"/>
-              </a:solidFill>
-              <a:uFill>
-                <a:solidFill>
-                  <a:srgbClr val="ffffff"/>
-                </a:solidFill>
-              </a:uFill>
-              <a:latin typeface="Calibri"/>
-            </a:endParaRPr>
-          </a:p>
-          <a:p>
-            <a:pPr>
-              <a:lnSpc>
-                <a:spcPct val="90000"/>
-              </a:lnSpc>
-            </a:pPr>
-            <a:endParaRPr b="0" lang="en-US" sz="2800" spc="-1" strike="noStrike">
-              <a:solidFill>
-                <a:srgbClr val="000000"/>
-              </a:solidFill>
-              <a:uFill>
-                <a:solidFill>
-                  <a:srgbClr val="ffffff"/>
-                </a:solidFill>
-              </a:uFill>
-              <a:latin typeface="Calibri"/>
-            </a:endParaRPr>
-          </a:p>
-        </p:txBody>
-      </p:sp>
-      <p:pic>
-        <p:nvPicPr>
-          <p:cNvPr id="100" name="Imagen 3" descr=""/>
-          <p:cNvPicPr/>
-          <p:nvPr/>
-        </p:nvPicPr>
-        <p:blipFill>
-          <a:blip r:embed="rId1"/>
-          <a:stretch/>
-        </p:blipFill>
-        <p:spPr>
-          <a:xfrm>
-            <a:off x="1718280" y="2287800"/>
-            <a:ext cx="9243720" cy="4569840"/>
-          </a:xfrm>
-          <a:prstGeom prst="rect">
-            <a:avLst/>
-          </a:prstGeom>
-          <a:ln>
-            <a:noFill/>
-          </a:ln>
-        </p:spPr>
-      </p:pic>
+        <p:style>
+          <a:lnRef idx="0"/>
+          <a:fillRef idx="0"/>
+          <a:effectRef idx="0"/>
+          <a:fontRef idx="minor"/>
+        </p:style>
+      </p:sp>
     </p:spTree>
   </p:cSld>
-  <p:timing>
-    <p:tnLst>
-      <p:par>
-        <p:cTn id="17" dur="indefinite" restart="never" nodeType="tmRoot">
-          <p:childTnLst>
-            <p:seq>
-              <p:cTn id="18" nodeType="mainSeq"/>
-              <p:prevCondLst>
-                <p:cond delay="0" evt="onPrev">
-                  <p:tgtEl>
-                    <p:sldTgt/>
-                  </p:tgtEl>
-                </p:cond>
-              </p:prevCondLst>
-              <p:nextCondLst>
-                <p:cond delay="0" evt="onNext">
-                  <p:tgtEl>
-                    <p:sldTgt/>
-                  </p:tgtEl>
-                </p:cond>
-              </p:nextCondLst>
-            </p:seq>
-          </p:childTnLst>
-        </p:cTn>
-      </p:par>
-    </p:tnLst>
-  </p:timing>
 </p:sld>
 </file>
 
